--- a/Tips for Automating AWS with Python and Boto.pptx
+++ b/Tips for Automating AWS with Python and Boto.pptx
@@ -5,7 +5,7 @@
     <p:sldMasterId id="2147483840" r:id="rId1"/>
   </p:sldMasterIdLst>
   <p:notesMasterIdLst>
-    <p:notesMasterId r:id="rId15"/>
+    <p:notesMasterId r:id="rId24"/>
   </p:notesMasterIdLst>
   <p:sldIdLst>
     <p:sldId id="283" r:id="rId2"/>
@@ -13,14 +13,23 @@
     <p:sldId id="256" r:id="rId4"/>
     <p:sldId id="257" r:id="rId5"/>
     <p:sldId id="289" r:id="rId6"/>
-    <p:sldId id="288" r:id="rId7"/>
-    <p:sldId id="290" r:id="rId8"/>
-    <p:sldId id="291" r:id="rId9"/>
-    <p:sldId id="263" r:id="rId10"/>
-    <p:sldId id="292" r:id="rId11"/>
-    <p:sldId id="267" r:id="rId12"/>
-    <p:sldId id="287" r:id="rId13"/>
-    <p:sldId id="286" r:id="rId14"/>
+    <p:sldId id="295" r:id="rId7"/>
+    <p:sldId id="297" r:id="rId8"/>
+    <p:sldId id="298" r:id="rId9"/>
+    <p:sldId id="291" r:id="rId10"/>
+    <p:sldId id="299" r:id="rId11"/>
+    <p:sldId id="301" r:id="rId12"/>
+    <p:sldId id="267" r:id="rId13"/>
+    <p:sldId id="300" r:id="rId14"/>
+    <p:sldId id="302" r:id="rId15"/>
+    <p:sldId id="304" r:id="rId16"/>
+    <p:sldId id="305" r:id="rId17"/>
+    <p:sldId id="307" r:id="rId18"/>
+    <p:sldId id="308" r:id="rId19"/>
+    <p:sldId id="310" r:id="rId20"/>
+    <p:sldId id="294" r:id="rId21"/>
+    <p:sldId id="296" r:id="rId22"/>
+    <p:sldId id="286" r:id="rId23"/>
   </p:sldIdLst>
   <p:sldSz cx="12192000" cy="6858000"/>
   <p:notesSz cx="6858000" cy="9144000"/>
@@ -872,7 +881,7 @@
           <a:p>
             <a:fld id="{3962DC8A-4178-4581-8961-B616D14AAA3E}" type="slidenum">
               <a:rPr lang="en-US" smtClean="0"/>
-              <a:t>11</a:t>
+              <a:t>12</a:t>
             </a:fld>
             <a:endParaRPr lang="en-US"/>
           </a:p>
@@ -882,6 +891,90 @@
     <p:extLst>
       <p:ext uri="{BB962C8B-B14F-4D97-AF65-F5344CB8AC3E}">
         <p14:creationId xmlns:p14="http://schemas.microsoft.com/office/powerpoint/2010/main" val="1093468336"/>
+      </p:ext>
+    </p:extLst>
+  </p:cSld>
+  <p:clrMapOvr>
+    <a:masterClrMapping/>
+  </p:clrMapOvr>
+</p:notes>
+</file>
+
+<file path=ppt/notesSlides/notesSlide5.xml><?xml version="1.0" encoding="utf-8"?>
+<p:notes xmlns:a="http://schemas.openxmlformats.org/drawingml/2006/main" xmlns:r="http://schemas.openxmlformats.org/officeDocument/2006/relationships" xmlns:p="http://schemas.openxmlformats.org/presentationml/2006/main">
+  <p:cSld>
+    <p:spTree>
+      <p:nvGrpSpPr>
+        <p:cNvPr id="1" name=""/>
+        <p:cNvGrpSpPr/>
+        <p:nvPr/>
+      </p:nvGrpSpPr>
+      <p:grpSpPr>
+        <a:xfrm>
+          <a:off x="0" y="0"/>
+          <a:ext cx="0" cy="0"/>
+          <a:chOff x="0" y="0"/>
+          <a:chExt cx="0" cy="0"/>
+        </a:xfrm>
+      </p:grpSpPr>
+      <p:sp>
+        <p:nvSpPr>
+          <p:cNvPr id="2" name="Slide Image Placeholder 1"/>
+          <p:cNvSpPr>
+            <a:spLocks noGrp="1" noRot="1" noChangeAspect="1"/>
+          </p:cNvSpPr>
+          <p:nvPr>
+            <p:ph type="sldImg"/>
+          </p:nvPr>
+        </p:nvSpPr>
+        <p:spPr/>
+      </p:sp>
+      <p:sp>
+        <p:nvSpPr>
+          <p:cNvPr id="3" name="Notes Placeholder 2"/>
+          <p:cNvSpPr>
+            <a:spLocks noGrp="1"/>
+          </p:cNvSpPr>
+          <p:nvPr>
+            <p:ph type="body" idx="1"/>
+          </p:nvPr>
+        </p:nvSpPr>
+        <p:spPr/>
+        <p:txBody>
+          <a:bodyPr/>
+          <a:lstStyle/>
+          <a:p>
+            <a:endParaRPr lang="en-US" dirty="0"/>
+          </a:p>
+        </p:txBody>
+      </p:sp>
+      <p:sp>
+        <p:nvSpPr>
+          <p:cNvPr id="4" name="Slide Number Placeholder 3"/>
+          <p:cNvSpPr>
+            <a:spLocks noGrp="1"/>
+          </p:cNvSpPr>
+          <p:nvPr>
+            <p:ph type="sldNum" sz="quarter" idx="10"/>
+          </p:nvPr>
+        </p:nvSpPr>
+        <p:spPr/>
+        <p:txBody>
+          <a:bodyPr/>
+          <a:lstStyle/>
+          <a:p>
+            <a:fld id="{3962DC8A-4178-4581-8961-B616D14AAA3E}" type="slidenum">
+              <a:rPr lang="en-US" smtClean="0"/>
+              <a:t>19</a:t>
+            </a:fld>
+            <a:endParaRPr lang="en-US"/>
+          </a:p>
+        </p:txBody>
+      </p:sp>
+    </p:spTree>
+    <p:extLst>
+      <p:ext uri="{BB962C8B-B14F-4D97-AF65-F5344CB8AC3E}">
+        <p14:creationId xmlns:p14="http://schemas.microsoft.com/office/powerpoint/2010/main" val="3119796880"/>
       </p:ext>
     </p:extLst>
   </p:cSld>
@@ -4275,7 +4368,7 @@
           <a:p>
             <a:r>
               <a:rPr lang="en-US" dirty="0" smtClean="0"/>
-              <a:t>Demo</a:t>
+              <a:t>#5 Read the docs</a:t>
             </a:r>
             <a:endParaRPr lang="en-US" dirty="0"/>
           </a:p>
@@ -4296,24 +4389,144 @@
           <a:bodyPr/>
           <a:lstStyle/>
           <a:p>
-            <a:pPr marL="457200" indent="-457200">
-              <a:buFont typeface="+mj-lt"/>
-              <a:buAutoNum type="arabicPeriod"/>
+            <a:r>
+              <a:rPr lang="en-US" dirty="0" smtClean="0"/>
+              <a:t>The </a:t>
+            </a:r>
+            <a:r>
+              <a:rPr lang="en-US" dirty="0" err="1" smtClean="0"/>
+              <a:t>boto</a:t>
+            </a:r>
+            <a:r>
+              <a:rPr lang="en-US" dirty="0"/>
+              <a:t> documentation on </a:t>
+            </a:r>
+            <a:r>
+              <a:rPr lang="en-US" dirty="0">
+                <a:hlinkClick r:id="rId2"/>
+              </a:rPr>
+              <a:t>http://</a:t>
+            </a:r>
+            <a:r>
+              <a:rPr lang="en-US" dirty="0" smtClean="0">
+                <a:hlinkClick r:id="rId2"/>
+              </a:rPr>
+              <a:t>boto.readthedocs.org</a:t>
+            </a:r>
+            <a:r>
+              <a:rPr lang="en-US" dirty="0" smtClean="0"/>
+              <a:t> is very helpful for finding object attributes and properties</a:t>
+            </a:r>
+          </a:p>
+          <a:p>
+            <a:endParaRPr lang="en-US" dirty="0" smtClean="0"/>
+          </a:p>
+          <a:p>
+            <a:r>
+              <a:rPr lang="en-US" dirty="0" smtClean="0"/>
+              <a:t>The verb -&gt; object function names make sense of typical actions needed in a script</a:t>
+            </a:r>
+          </a:p>
+          <a:p>
+            <a:endParaRPr lang="en-US" dirty="0" smtClean="0"/>
+          </a:p>
+          <a:p>
+            <a:r>
+              <a:rPr lang="en-US" dirty="0" smtClean="0"/>
+              <a:t>Use “get” functions to return objects; Use run, create, delete, etc.. to work on them</a:t>
+            </a:r>
+          </a:p>
+          <a:p>
+            <a:pPr marL="256032" lvl="1" indent="0">
+              <a:buNone/>
             </a:pPr>
-            <a:endParaRPr lang="en-US" dirty="0"/>
+            <a:r>
+              <a:rPr lang="en-US" sz="2000" dirty="0" err="1">
+                <a:latin typeface="Courier New" panose="02070309020205020404" pitchFamily="49" charset="0"/>
+                <a:cs typeface="Courier New" panose="02070309020205020404" pitchFamily="49" charset="0"/>
+              </a:rPr>
+              <a:t>run_instances</a:t>
+            </a:r>
+            <a:r>
+              <a:rPr lang="en-US" sz="2000" dirty="0">
+                <a:latin typeface="Courier New" panose="02070309020205020404" pitchFamily="49" charset="0"/>
+                <a:cs typeface="Courier New" panose="02070309020205020404" pitchFamily="49" charset="0"/>
+              </a:rPr>
+              <a:t>, </a:t>
+            </a:r>
+            <a:r>
+              <a:rPr lang="en-US" sz="2000" dirty="0" err="1">
+                <a:latin typeface="Courier New" panose="02070309020205020404" pitchFamily="49" charset="0"/>
+                <a:cs typeface="Courier New" panose="02070309020205020404" pitchFamily="49" charset="0"/>
+              </a:rPr>
+              <a:t>create_volume</a:t>
+            </a:r>
+            <a:r>
+              <a:rPr lang="en-US" sz="2000" dirty="0">
+                <a:latin typeface="Courier New" panose="02070309020205020404" pitchFamily="49" charset="0"/>
+                <a:cs typeface="Courier New" panose="02070309020205020404" pitchFamily="49" charset="0"/>
+              </a:rPr>
+              <a:t>, </a:t>
+            </a:r>
+            <a:r>
+              <a:rPr lang="en-US" sz="2000" dirty="0" err="1">
+                <a:latin typeface="Courier New" panose="02070309020205020404" pitchFamily="49" charset="0"/>
+                <a:cs typeface="Courier New" panose="02070309020205020404" pitchFamily="49" charset="0"/>
+              </a:rPr>
+              <a:t>create_snapshot</a:t>
+            </a:r>
+            <a:r>
+              <a:rPr lang="en-US" sz="2000" dirty="0">
+                <a:latin typeface="Courier New" panose="02070309020205020404" pitchFamily="49" charset="0"/>
+                <a:cs typeface="Courier New" panose="02070309020205020404" pitchFamily="49" charset="0"/>
+              </a:rPr>
+              <a:t>, </a:t>
+            </a:r>
+            <a:r>
+              <a:rPr lang="en-US" sz="2000" dirty="0" err="1">
+                <a:latin typeface="Courier New" panose="02070309020205020404" pitchFamily="49" charset="0"/>
+                <a:cs typeface="Courier New" panose="02070309020205020404" pitchFamily="49" charset="0"/>
+              </a:rPr>
+              <a:t>create_tags</a:t>
+            </a:r>
+            <a:r>
+              <a:rPr lang="en-US" sz="2000" dirty="0">
+                <a:latin typeface="Courier New" panose="02070309020205020404" pitchFamily="49" charset="0"/>
+                <a:cs typeface="Courier New" panose="02070309020205020404" pitchFamily="49" charset="0"/>
+              </a:rPr>
+              <a:t>, </a:t>
+            </a:r>
+            <a:r>
+              <a:rPr lang="en-US" sz="2000" dirty="0" err="1">
+                <a:latin typeface="Courier New" panose="02070309020205020404" pitchFamily="49" charset="0"/>
+                <a:cs typeface="Courier New" panose="02070309020205020404" pitchFamily="49" charset="0"/>
+              </a:rPr>
+              <a:t>release_address</a:t>
+            </a:r>
+            <a:endParaRPr lang="en-US" sz="2000" dirty="0">
+              <a:latin typeface="Courier New" panose="02070309020205020404" pitchFamily="49" charset="0"/>
+              <a:cs typeface="Courier New" panose="02070309020205020404" pitchFamily="49" charset="0"/>
+            </a:endParaRPr>
           </a:p>
         </p:txBody>
       </p:sp>
     </p:spTree>
     <p:extLst>
       <p:ext uri="{BB962C8B-B14F-4D97-AF65-F5344CB8AC3E}">
-        <p14:creationId xmlns:p14="http://schemas.microsoft.com/office/powerpoint/2010/main" val="553432443"/>
+        <p14:creationId xmlns:p14="http://schemas.microsoft.com/office/powerpoint/2010/main" val="3497403642"/>
       </p:ext>
     </p:extLst>
   </p:cSld>
   <p:clrMapOvr>
     <a:masterClrMapping/>
   </p:clrMapOvr>
+  <p:timing>
+    <p:tnLst>
+      <p:par>
+        <p:cTn id="1" dur="indefinite" restart="never" nodeType="tmRoot"/>
+      </p:par>
+    </p:tnLst>
+  </p:timing>
 </p:sld>
 </file>
 
@@ -4336,12 +4549,12 @@
       </p:grpSpPr>
       <p:sp>
         <p:nvSpPr>
-          <p:cNvPr id="4" name="Title 3"/>
-          <p:cNvSpPr>
-            <a:spLocks noGrp="1"/>
-          </p:cNvSpPr>
-          <p:nvPr>
-            <p:ph type="ctrTitle"/>
+          <p:cNvPr id="2" name="Title 1"/>
+          <p:cNvSpPr>
+            <a:spLocks noGrp="1"/>
+          </p:cNvSpPr>
+          <p:nvPr>
+            <p:ph type="title"/>
           </p:nvPr>
         </p:nvSpPr>
         <p:spPr/>
@@ -4350,36 +4563,87 @@
           <a:lstStyle/>
           <a:p>
             <a:r>
+              <a:rPr lang="en-US" dirty="0" smtClean="0"/>
+              <a:t>#6 Tag, tag, tag, tag, tag</a:t>
+            </a:r>
+            <a:endParaRPr lang="en-US" dirty="0"/>
+          </a:p>
+        </p:txBody>
+      </p:sp>
+      <p:sp>
+        <p:nvSpPr>
+          <p:cNvPr id="3" name="Content Placeholder 2"/>
+          <p:cNvSpPr>
+            <a:spLocks noGrp="1"/>
+          </p:cNvSpPr>
+          <p:nvPr>
+            <p:ph idx="1"/>
+          </p:nvPr>
+        </p:nvSpPr>
+        <p:spPr/>
+        <p:txBody>
+          <a:bodyPr>
+            <a:normAutofit lnSpcReduction="10000"/>
+          </a:bodyPr>
+          <a:lstStyle/>
+          <a:p>
+            <a:r>
               <a:rPr lang="en-US" b="1" dirty="0" smtClean="0"/>
-              <a:t>BACKUP INFO</a:t>
-            </a:r>
-            <a:endParaRPr lang="en-US" b="1" dirty="0"/>
-          </a:p>
-        </p:txBody>
-      </p:sp>
-      <p:sp>
-        <p:nvSpPr>
-          <p:cNvPr id="5" name="Subtitle 4"/>
-          <p:cNvSpPr>
-            <a:spLocks noGrp="1"/>
-          </p:cNvSpPr>
-          <p:nvPr>
-            <p:ph type="subTitle" idx="1"/>
-          </p:nvPr>
-        </p:nvSpPr>
-        <p:spPr/>
-        <p:txBody>
-          <a:bodyPr/>
-          <a:lstStyle/>
-          <a:p>
-            <a:endParaRPr lang="en-US"/>
+              <a:t>Tag all AWS objects with useful NAMES for easy identification and consumption by humans and machines</a:t>
+            </a:r>
+          </a:p>
+          <a:p>
+            <a:pPr marL="4572" lvl="1" indent="0">
+              <a:buNone/>
+            </a:pPr>
+            <a:endParaRPr lang="en-US" dirty="0" smtClean="0"/>
+          </a:p>
+          <a:p>
+            <a:pPr marL="91440" lvl="1" indent="-91440">
+              <a:lnSpc>
+                <a:spcPct val="95000"/>
+              </a:lnSpc>
+              <a:spcBef>
+                <a:spcPts val="1300"/>
+              </a:spcBef>
+            </a:pPr>
+            <a:r>
+              <a:rPr lang="en-US" dirty="0"/>
+              <a:t>IDs and account numbers may be useful too, but names are great</a:t>
+            </a:r>
+          </a:p>
+          <a:p>
+            <a:endParaRPr lang="en-US" dirty="0" smtClean="0"/>
+          </a:p>
+          <a:p>
+            <a:r>
+              <a:rPr lang="en-US" dirty="0" smtClean="0"/>
+              <a:t>Tagging with make your scripting tasks easier when handling multiple objects</a:t>
+            </a:r>
+          </a:p>
+          <a:p>
+            <a:endParaRPr lang="en-US" dirty="0"/>
+          </a:p>
+          <a:p>
+            <a:r>
+              <a:rPr lang="en-US" dirty="0" smtClean="0"/>
+              <a:t>Start with the instance and tag all associated objects with that instance’s name</a:t>
+            </a:r>
+          </a:p>
+          <a:p>
+            <a:pPr lvl="1"/>
+            <a:r>
+              <a:rPr lang="en-US" dirty="0" smtClean="0"/>
+              <a:t>In EC2: Volumes, Snapshots, Load Balancers, Security Groups</a:t>
+            </a:r>
+            <a:endParaRPr lang="en-US" dirty="0"/>
           </a:p>
         </p:txBody>
       </p:sp>
     </p:spTree>
     <p:extLst>
       <p:ext uri="{BB962C8B-B14F-4D97-AF65-F5344CB8AC3E}">
-        <p14:creationId xmlns:p14="http://schemas.microsoft.com/office/powerpoint/2010/main" val="241596481"/>
+        <p14:creationId xmlns:p14="http://schemas.microsoft.com/office/powerpoint/2010/main" val="129336160"/>
       </p:ext>
     </p:extLst>
   </p:cSld>
@@ -4415,71 +4679,91 @@
       </p:grpSpPr>
       <p:sp>
         <p:nvSpPr>
-          <p:cNvPr id="2" name="Title 1"/>
-          <p:cNvSpPr>
-            <a:spLocks noGrp="1"/>
-          </p:cNvSpPr>
-          <p:nvPr>
-            <p:ph type="title"/>
-          </p:nvPr>
-        </p:nvSpPr>
-        <p:spPr/>
+          <p:cNvPr id="4" name="Title 3"/>
+          <p:cNvSpPr>
+            <a:spLocks noGrp="1"/>
+          </p:cNvSpPr>
+          <p:nvPr>
+            <p:ph type="ctrTitle"/>
+          </p:nvPr>
+        </p:nvSpPr>
+        <p:spPr>
+          <a:xfrm>
+            <a:off x="603503" y="785707"/>
+            <a:ext cx="10782300" cy="3352800"/>
+          </a:xfrm>
+        </p:spPr>
         <p:txBody>
           <a:bodyPr/>
           <a:lstStyle/>
           <a:p>
-            <a:r>
-              <a:rPr lang="en-US" dirty="0" smtClean="0"/>
-              <a:t>Links</a:t>
-            </a:r>
-            <a:endParaRPr lang="en-US" dirty="0"/>
-          </a:p>
-        </p:txBody>
-      </p:sp>
-      <p:sp>
-        <p:nvSpPr>
-          <p:cNvPr id="3" name="Content Placeholder 2"/>
-          <p:cNvSpPr>
-            <a:spLocks noGrp="1"/>
-          </p:cNvSpPr>
-          <p:nvPr>
-            <p:ph idx="1"/>
-          </p:nvPr>
-        </p:nvSpPr>
-        <p:spPr/>
+            <a:pPr algn="ctr"/>
+            <a:r>
+              <a:rPr lang="en-US" b="1" dirty="0" smtClean="0"/>
+              <a:t>Q&amp;A and/or Case Study</a:t>
+            </a:r>
+            <a:endParaRPr lang="en-US" b="1" dirty="0"/>
+          </a:p>
+        </p:txBody>
+      </p:sp>
+      <p:sp>
+        <p:nvSpPr>
+          <p:cNvPr id="5" name="Subtitle 4"/>
+          <p:cNvSpPr>
+            <a:spLocks noGrp="1"/>
+          </p:cNvSpPr>
+          <p:nvPr>
+            <p:ph type="subTitle" idx="1"/>
+          </p:nvPr>
+        </p:nvSpPr>
+        <p:spPr>
+          <a:xfrm>
+            <a:off x="1380553" y="4199256"/>
+            <a:ext cx="9228201" cy="1645920"/>
+          </a:xfrm>
+        </p:spPr>
         <p:txBody>
           <a:bodyPr/>
           <a:lstStyle/>
           <a:p>
-            <a:r>
-              <a:rPr lang="en-US" dirty="0">
-                <a:hlinkClick r:id="rId2"/>
-              </a:rPr>
-              <a:t>https://boto.readthedocs.org/en/latest</a:t>
-            </a:r>
-            <a:r>
-              <a:rPr lang="en-US" dirty="0" smtClean="0">
-                <a:hlinkClick r:id="rId2"/>
-              </a:rPr>
-              <a:t>/</a:t>
+            <a:pPr algn="ctr"/>
+            <a:r>
+              <a:rPr lang="en-US" dirty="0" smtClean="0"/>
+              <a:t>This presentation and associated code are available online at </a:t>
+            </a:r>
+            <a:r>
+              <a:rPr lang="en-US" dirty="0" err="1" smtClean="0"/>
+              <a:t>GitHub</a:t>
             </a:r>
             <a:endParaRPr lang="en-US" dirty="0" smtClean="0"/>
           </a:p>
           <a:p>
-            <a:endParaRPr lang="en-US" dirty="0"/>
+            <a:pPr algn="ctr"/>
+            <a:r>
+              <a:rPr lang="en-US" b="1" dirty="0"/>
+              <a:t>https://github.com/managedkaos/aws-scripts</a:t>
+            </a:r>
+            <a:endParaRPr lang="en-US" b="1" dirty="0"/>
           </a:p>
         </p:txBody>
       </p:sp>
     </p:spTree>
     <p:extLst>
       <p:ext uri="{BB962C8B-B14F-4D97-AF65-F5344CB8AC3E}">
-        <p14:creationId xmlns:p14="http://schemas.microsoft.com/office/powerpoint/2010/main" val="1864765847"/>
+        <p14:creationId xmlns:p14="http://schemas.microsoft.com/office/powerpoint/2010/main" val="241596481"/>
       </p:ext>
     </p:extLst>
   </p:cSld>
   <p:clrMapOvr>
     <a:masterClrMapping/>
   </p:clrMapOvr>
+  <p:timing>
+    <p:tnLst>
+      <p:par>
+        <p:cTn id="1" dur="indefinite" restart="never" nodeType="tmRoot"/>
+      </p:par>
+    </p:tnLst>
+  </p:timing>
 </p:sld>
 </file>
 
@@ -4518,22 +4802,17 @@
           <a:lstStyle/>
           <a:p>
             <a:r>
-              <a:rPr lang="en-US" sz="4400" b="1" dirty="0" smtClean="0"/>
-              <a:t>EC2 Tutorial </a:t>
-            </a:r>
-            <a:r>
-              <a:rPr lang="en-US" sz="4400" b="1" dirty="0">
-                <a:hlinkClick r:id="rId2"/>
-              </a:rPr>
-              <a:t>https://boto.readthedocs.org/en/latest/ec2_tut.html</a:t>
-            </a:r>
-            <a:r>
-              <a:rPr lang="en-US" dirty="0"/>
-              <a:t/>
-            </a:r>
-            <a:br>
-              <a:rPr lang="en-US" dirty="0"/>
-            </a:br>
+              <a:rPr lang="en-US" sz="6700" dirty="0" smtClean="0"/>
+              <a:t>Case Study: Automating </a:t>
+            </a:r>
+            <a:r>
+              <a:rPr lang="en-US" sz="6700" dirty="0"/>
+              <a:t>AWS Volume Management and </a:t>
+            </a:r>
+            <a:r>
+              <a:rPr lang="en-US" sz="6700" dirty="0" smtClean="0"/>
+              <a:t>Snapshots</a:t>
+            </a:r>
             <a:endParaRPr lang="en-US" dirty="0"/>
           </a:p>
         </p:txBody>
@@ -4545,130 +4824,1363 @@
             <a:spLocks noGrp="1"/>
           </p:cNvSpPr>
           <p:nvPr>
-            <p:ph sz="half" idx="1"/>
+            <p:ph idx="1"/>
           </p:nvPr>
         </p:nvSpPr>
         <p:spPr/>
         <p:txBody>
-          <a:bodyPr>
-            <a:noAutofit/>
-          </a:bodyPr>
+          <a:bodyPr/>
           <a:lstStyle/>
           <a:p>
-            <a:pPr marL="0" indent="0">
+            <a:endParaRPr lang="en-US" dirty="0" smtClean="0"/>
+          </a:p>
+          <a:p>
+            <a:r>
+              <a:rPr lang="en-US" dirty="0" smtClean="0"/>
+              <a:t>With 1000+ volumes, the client needed an automated solution to</a:t>
+            </a:r>
+          </a:p>
+          <a:p>
+            <a:pPr marL="713232" lvl="1" indent="-457200">
+              <a:buFont typeface="+mj-lt"/>
+              <a:buAutoNum type="arabicPeriod"/>
+            </a:pPr>
+            <a:r>
+              <a:rPr lang="en-US" dirty="0" smtClean="0"/>
+              <a:t>Document the status of each volume</a:t>
+            </a:r>
+          </a:p>
+          <a:p>
+            <a:pPr marL="457200" lvl="2" indent="0">
               <a:buNone/>
             </a:pPr>
             <a:r>
-              <a:rPr lang="en-US" b="1" dirty="0"/>
-              <a:t>Launching Instances</a:t>
-            </a:r>
-          </a:p>
-          <a:p>
-            <a:pPr marL="0" indent="0">
-              <a:buNone/>
+              <a:rPr lang="en-US" dirty="0" smtClean="0"/>
+              <a:t>Type, size, creation date, status, attached instances, snapshots</a:t>
+            </a:r>
+            <a:br>
+              <a:rPr lang="en-US" dirty="0" smtClean="0"/>
+            </a:br>
+            <a:endParaRPr lang="en-US" dirty="0" smtClean="0"/>
+          </a:p>
+          <a:p>
+            <a:pPr marL="713232" lvl="1" indent="-457200">
+              <a:buFont typeface="+mj-lt"/>
+              <a:buAutoNum type="arabicPeriod"/>
             </a:pPr>
-            <a:endParaRPr lang="en-US" b="1" dirty="0"/>
-          </a:p>
-          <a:p>
-            <a:pPr marL="0" indent="0">
-              <a:buNone/>
+            <a:r>
+              <a:rPr lang="en-US" dirty="0" smtClean="0"/>
+              <a:t>Create snapshots of each volume unless otherwise specified</a:t>
+            </a:r>
+            <a:br>
+              <a:rPr lang="en-US" dirty="0" smtClean="0"/>
+            </a:br>
+            <a:endParaRPr lang="en-US" dirty="0" smtClean="0"/>
+          </a:p>
+          <a:p>
+            <a:pPr marL="713232" lvl="1" indent="-457200">
+              <a:buFont typeface="+mj-lt"/>
+              <a:buAutoNum type="arabicPeriod"/>
             </a:pPr>
             <a:r>
-              <a:rPr lang="en-US" b="1" dirty="0"/>
-              <a:t>Stopping Instances</a:t>
-            </a:r>
-          </a:p>
-          <a:p>
-            <a:pPr marL="0" indent="0">
-              <a:buNone/>
-            </a:pPr>
-            <a:endParaRPr lang="en-US" b="1" dirty="0"/>
-          </a:p>
-          <a:p>
-            <a:pPr marL="0" indent="0">
-              <a:buNone/>
-            </a:pPr>
-            <a:r>
-              <a:rPr lang="en-US" b="1" dirty="0"/>
-              <a:t>Terminating Instances</a:t>
-            </a:r>
-          </a:p>
-          <a:p>
-            <a:pPr marL="0" indent="0">
-              <a:buNone/>
-            </a:pPr>
-            <a:endParaRPr lang="en-US" sz="2000" b="1" dirty="0"/>
-          </a:p>
-        </p:txBody>
-      </p:sp>
-      <p:sp>
-        <p:nvSpPr>
-          <p:cNvPr id="4" name="Content Placeholder 3"/>
-          <p:cNvSpPr>
-            <a:spLocks noGrp="1"/>
-          </p:cNvSpPr>
-          <p:nvPr>
-            <p:ph sz="half" idx="2"/>
-          </p:nvPr>
-        </p:nvSpPr>
-        <p:spPr/>
-        <p:txBody>
-          <a:bodyPr/>
-          <a:lstStyle/>
-          <a:p>
-            <a:pPr marL="0" indent="0">
-              <a:buNone/>
-            </a:pPr>
-            <a:r>
-              <a:rPr lang="en-US" b="1" dirty="0"/>
-              <a:t>Checking Health Status Of Instances</a:t>
-            </a:r>
-          </a:p>
-          <a:p>
-            <a:pPr marL="0" indent="0">
-              <a:buNone/>
-            </a:pPr>
-            <a:endParaRPr lang="en-US" b="1" dirty="0"/>
-          </a:p>
-          <a:p>
-            <a:pPr marL="0" indent="0">
-              <a:buNone/>
-            </a:pPr>
-            <a:r>
-              <a:rPr lang="en-US" b="1" dirty="0"/>
-              <a:t>Using Elastic Block Storage (EBS)</a:t>
-            </a:r>
-          </a:p>
-          <a:p>
-            <a:pPr marL="0" indent="0">
-              <a:buNone/>
-            </a:pPr>
-            <a:endParaRPr lang="en-US" b="1" dirty="0"/>
-          </a:p>
-          <a:p>
-            <a:pPr marL="0" indent="0">
-              <a:buNone/>
-            </a:pPr>
-            <a:r>
-              <a:rPr lang="en-US" b="1" dirty="0"/>
-              <a:t>Working With Snapshots</a:t>
-            </a:r>
-          </a:p>
-          <a:p>
-            <a:endParaRPr lang="en-US" dirty="0"/>
+              <a:rPr lang="en-US" dirty="0" smtClean="0"/>
+              <a:t>Rotate the snapshots on a daily and weekly basis</a:t>
+            </a:r>
           </a:p>
         </p:txBody>
       </p:sp>
     </p:spTree>
     <p:extLst>
       <p:ext uri="{BB962C8B-B14F-4D97-AF65-F5344CB8AC3E}">
-        <p14:creationId xmlns:p14="http://schemas.microsoft.com/office/powerpoint/2010/main" val="2104602333"/>
+        <p14:creationId xmlns:p14="http://schemas.microsoft.com/office/powerpoint/2010/main" val="3247595805"/>
       </p:ext>
     </p:extLst>
   </p:cSld>
   <p:clrMapOvr>
     <a:masterClrMapping/>
   </p:clrMapOvr>
+  <p:timing>
+    <p:tnLst>
+      <p:par>
+        <p:cTn id="1" dur="indefinite" restart="never" nodeType="tmRoot"/>
+      </p:par>
+    </p:tnLst>
+  </p:timing>
+</p:sld>
+</file>
+
+<file path=ppt/slides/slide14.xml><?xml version="1.0" encoding="utf-8"?>
+<p:sld xmlns:a="http://schemas.openxmlformats.org/drawingml/2006/main" xmlns:r="http://schemas.openxmlformats.org/officeDocument/2006/relationships" xmlns:p="http://schemas.openxmlformats.org/presentationml/2006/main">
+  <p:cSld>
+    <p:spTree>
+      <p:nvGrpSpPr>
+        <p:cNvPr id="1" name=""/>
+        <p:cNvGrpSpPr/>
+        <p:nvPr/>
+      </p:nvGrpSpPr>
+      <p:grpSpPr>
+        <a:xfrm>
+          <a:off x="0" y="0"/>
+          <a:ext cx="0" cy="0"/>
+          <a:chOff x="0" y="0"/>
+          <a:chExt cx="0" cy="0"/>
+        </a:xfrm>
+      </p:grpSpPr>
+      <p:sp>
+        <p:nvSpPr>
+          <p:cNvPr id="2" name="Title 1"/>
+          <p:cNvSpPr>
+            <a:spLocks noGrp="1"/>
+          </p:cNvSpPr>
+          <p:nvPr>
+            <p:ph type="title"/>
+          </p:nvPr>
+        </p:nvSpPr>
+        <p:spPr/>
+        <p:txBody>
+          <a:bodyPr/>
+          <a:lstStyle/>
+          <a:p>
+            <a:r>
+              <a:rPr lang="en-US" sz="6000" dirty="0">
+                <a:solidFill>
+                  <a:srgbClr val="50B4C8"/>
+                </a:solidFill>
+              </a:rPr>
+              <a:t>Case Study: Automating AWS Volume Management and Snapshots</a:t>
+            </a:r>
+            <a:endParaRPr lang="en-US" dirty="0"/>
+          </a:p>
+        </p:txBody>
+      </p:sp>
+      <p:sp>
+        <p:nvSpPr>
+          <p:cNvPr id="3" name="Content Placeholder 2"/>
+          <p:cNvSpPr>
+            <a:spLocks noGrp="1"/>
+          </p:cNvSpPr>
+          <p:nvPr>
+            <p:ph idx="1"/>
+          </p:nvPr>
+        </p:nvSpPr>
+        <p:spPr>
+          <a:xfrm>
+            <a:off x="676656" y="2011680"/>
+            <a:ext cx="10753725" cy="4511040"/>
+          </a:xfrm>
+        </p:spPr>
+        <p:txBody>
+          <a:bodyPr>
+            <a:noAutofit/>
+          </a:bodyPr>
+          <a:lstStyle/>
+          <a:p>
+            <a:r>
+              <a:rPr lang="en-US" dirty="0" smtClean="0"/>
+              <a:t>Developed a simple script for requirement #1</a:t>
+            </a:r>
+          </a:p>
+          <a:p>
+            <a:r>
+              <a:rPr lang="en-US" dirty="0" smtClean="0">
+                <a:latin typeface="Courier New" panose="02070309020205020404" pitchFamily="49" charset="0"/>
+                <a:cs typeface="Courier New" panose="02070309020205020404" pitchFamily="49" charset="0"/>
+              </a:rPr>
+              <a:t>./get_volume_info.py</a:t>
+            </a:r>
+          </a:p>
+          <a:p>
+            <a:r>
+              <a:rPr lang="en-US" dirty="0" smtClean="0"/>
+              <a:t>Connects to EC2 console, gets all volumes, and prints attributes for each volume</a:t>
+            </a:r>
+          </a:p>
+          <a:p>
+            <a:pPr lvl="1"/>
+            <a:r>
+              <a:rPr lang="en-US" sz="1600" dirty="0">
+                <a:latin typeface="Courier New" panose="02070309020205020404" pitchFamily="49" charset="0"/>
+                <a:cs typeface="Courier New" panose="02070309020205020404" pitchFamily="49" charset="0"/>
+              </a:rPr>
+              <a:t>import </a:t>
+            </a:r>
+            <a:r>
+              <a:rPr lang="en-US" sz="1600" dirty="0" err="1">
+                <a:latin typeface="Courier New" panose="02070309020205020404" pitchFamily="49" charset="0"/>
+                <a:cs typeface="Courier New" panose="02070309020205020404" pitchFamily="49" charset="0"/>
+              </a:rPr>
+              <a:t>boto</a:t>
+            </a:r>
+            <a:r>
+              <a:rPr lang="en-US" sz="1600" dirty="0">
+                <a:latin typeface="Courier New" panose="02070309020205020404" pitchFamily="49" charset="0"/>
+                <a:cs typeface="Courier New" panose="02070309020205020404" pitchFamily="49" charset="0"/>
+              </a:rPr>
+              <a:t> </a:t>
+            </a:r>
+          </a:p>
+          <a:p>
+            <a:pPr lvl="1"/>
+            <a:r>
+              <a:rPr lang="en-US" sz="1600" dirty="0">
+                <a:latin typeface="Courier New" panose="02070309020205020404" pitchFamily="49" charset="0"/>
+                <a:cs typeface="Courier New" panose="02070309020205020404" pitchFamily="49" charset="0"/>
+              </a:rPr>
+              <a:t>from </a:t>
+            </a:r>
+            <a:r>
+              <a:rPr lang="en-US" sz="1600" dirty="0" err="1">
+                <a:latin typeface="Courier New" panose="02070309020205020404" pitchFamily="49" charset="0"/>
+                <a:cs typeface="Courier New" panose="02070309020205020404" pitchFamily="49" charset="0"/>
+              </a:rPr>
+              <a:t>boto</a:t>
+            </a:r>
+            <a:r>
+              <a:rPr lang="en-US" sz="1600" dirty="0">
+                <a:latin typeface="Courier New" panose="02070309020205020404" pitchFamily="49" charset="0"/>
+                <a:cs typeface="Courier New" panose="02070309020205020404" pitchFamily="49" charset="0"/>
+              </a:rPr>
+              <a:t> import ec2</a:t>
+            </a:r>
+          </a:p>
+          <a:p>
+            <a:pPr lvl="1"/>
+            <a:r>
+              <a:rPr lang="en-US" sz="1600" dirty="0" smtClean="0">
+                <a:latin typeface="Courier New" panose="02070309020205020404" pitchFamily="49" charset="0"/>
+                <a:cs typeface="Courier New" panose="02070309020205020404" pitchFamily="49" charset="0"/>
+              </a:rPr>
+              <a:t>console </a:t>
+            </a:r>
+            <a:r>
+              <a:rPr lang="en-US" sz="1600" dirty="0">
+                <a:latin typeface="Courier New" panose="02070309020205020404" pitchFamily="49" charset="0"/>
+                <a:cs typeface="Courier New" panose="02070309020205020404" pitchFamily="49" charset="0"/>
+              </a:rPr>
+              <a:t>= boto.ec2.EC2Connection()</a:t>
+            </a:r>
+          </a:p>
+          <a:p>
+            <a:pPr lvl="1"/>
+            <a:r>
+              <a:rPr lang="en-US" sz="1600" dirty="0" smtClean="0">
+                <a:latin typeface="Courier New" panose="02070309020205020404" pitchFamily="49" charset="0"/>
+                <a:cs typeface="Courier New" panose="02070309020205020404" pitchFamily="49" charset="0"/>
+              </a:rPr>
+              <a:t>volumes </a:t>
+            </a:r>
+            <a:r>
+              <a:rPr lang="en-US" sz="1600" dirty="0">
+                <a:latin typeface="Courier New" panose="02070309020205020404" pitchFamily="49" charset="0"/>
+                <a:cs typeface="Courier New" panose="02070309020205020404" pitchFamily="49" charset="0"/>
+              </a:rPr>
+              <a:t>= </a:t>
+            </a:r>
+            <a:r>
+              <a:rPr lang="en-US" sz="1600" dirty="0" err="1">
+                <a:latin typeface="Courier New" panose="02070309020205020404" pitchFamily="49" charset="0"/>
+                <a:cs typeface="Courier New" panose="02070309020205020404" pitchFamily="49" charset="0"/>
+              </a:rPr>
+              <a:t>console.get_all_volumes</a:t>
+            </a:r>
+            <a:r>
+              <a:rPr lang="en-US" sz="1600" dirty="0">
+                <a:latin typeface="Courier New" panose="02070309020205020404" pitchFamily="49" charset="0"/>
+                <a:cs typeface="Courier New" panose="02070309020205020404" pitchFamily="49" charset="0"/>
+              </a:rPr>
+              <a:t>()</a:t>
+            </a:r>
+          </a:p>
+          <a:p>
+            <a:pPr lvl="1"/>
+            <a:r>
+              <a:rPr lang="en-US" sz="1600" dirty="0" smtClean="0">
+                <a:latin typeface="Courier New" panose="02070309020205020404" pitchFamily="49" charset="0"/>
+                <a:cs typeface="Courier New" panose="02070309020205020404" pitchFamily="49" charset="0"/>
+              </a:rPr>
+              <a:t>for </a:t>
+            </a:r>
+            <a:r>
+              <a:rPr lang="en-US" sz="1600" dirty="0">
+                <a:latin typeface="Courier New" panose="02070309020205020404" pitchFamily="49" charset="0"/>
+                <a:cs typeface="Courier New" panose="02070309020205020404" pitchFamily="49" charset="0"/>
+              </a:rPr>
+              <a:t>volume in volumes:</a:t>
+            </a:r>
+          </a:p>
+          <a:p>
+            <a:pPr lvl="1"/>
+            <a:r>
+              <a:rPr lang="en-US" sz="1600" dirty="0">
+                <a:latin typeface="Courier New" panose="02070309020205020404" pitchFamily="49" charset="0"/>
+                <a:cs typeface="Courier New" panose="02070309020205020404" pitchFamily="49" charset="0"/>
+              </a:rPr>
+              <a:t>    print volume # the unique ID of the volume, accessible by volume.id</a:t>
+            </a:r>
+          </a:p>
+          <a:p>
+            <a:pPr lvl="1"/>
+            <a:r>
+              <a:rPr lang="en-US" sz="1600" dirty="0">
+                <a:latin typeface="Courier New" panose="02070309020205020404" pitchFamily="49" charset="0"/>
+                <a:cs typeface="Courier New" panose="02070309020205020404" pitchFamily="49" charset="0"/>
+              </a:rPr>
+              <a:t>    print 'Create: %s' % </a:t>
+            </a:r>
+            <a:r>
+              <a:rPr lang="en-US" sz="1600" dirty="0" err="1">
+                <a:latin typeface="Courier New" panose="02070309020205020404" pitchFamily="49" charset="0"/>
+                <a:cs typeface="Courier New" panose="02070309020205020404" pitchFamily="49" charset="0"/>
+              </a:rPr>
+              <a:t>volume.create_time</a:t>
+            </a:r>
+            <a:r>
+              <a:rPr lang="en-US" sz="1600" dirty="0">
+                <a:latin typeface="Courier New" panose="02070309020205020404" pitchFamily="49" charset="0"/>
+                <a:cs typeface="Courier New" panose="02070309020205020404" pitchFamily="49" charset="0"/>
+              </a:rPr>
+              <a:t> # The timestamp </a:t>
+            </a:r>
+          </a:p>
+          <a:p>
+            <a:pPr lvl="1"/>
+            <a:r>
+              <a:rPr lang="en-US" sz="1600" dirty="0">
+                <a:latin typeface="Courier New" panose="02070309020205020404" pitchFamily="49" charset="0"/>
+                <a:cs typeface="Courier New" panose="02070309020205020404" pitchFamily="49" charset="0"/>
+              </a:rPr>
+              <a:t>    print 'Status: %s' % </a:t>
+            </a:r>
+            <a:r>
+              <a:rPr lang="en-US" sz="1600" dirty="0" err="1">
+                <a:latin typeface="Courier New" panose="02070309020205020404" pitchFamily="49" charset="0"/>
+                <a:cs typeface="Courier New" panose="02070309020205020404" pitchFamily="49" charset="0"/>
+              </a:rPr>
+              <a:t>volume.status</a:t>
+            </a:r>
+            <a:r>
+              <a:rPr lang="en-US" sz="1600" dirty="0">
+                <a:latin typeface="Courier New" panose="02070309020205020404" pitchFamily="49" charset="0"/>
+                <a:cs typeface="Courier New" panose="02070309020205020404" pitchFamily="49" charset="0"/>
+              </a:rPr>
+              <a:t> # The status of the volume</a:t>
+            </a:r>
+            <a:r>
+              <a:rPr lang="en-US" sz="1600" dirty="0" smtClean="0">
+                <a:latin typeface="Courier New" panose="02070309020205020404" pitchFamily="49" charset="0"/>
+                <a:cs typeface="Courier New" panose="02070309020205020404" pitchFamily="49" charset="0"/>
+              </a:rPr>
+              <a:t>.</a:t>
+            </a:r>
+          </a:p>
+          <a:p>
+            <a:pPr lvl="1"/>
+            <a:r>
+              <a:rPr lang="en-US" sz="1600" dirty="0" smtClean="0">
+                <a:latin typeface="Courier New" panose="02070309020205020404" pitchFamily="49" charset="0"/>
+                <a:cs typeface="Courier New" panose="02070309020205020404" pitchFamily="49" charset="0"/>
+              </a:rPr>
+              <a:t>...</a:t>
+            </a:r>
+            <a:endParaRPr lang="en-US" sz="1600" dirty="0">
+              <a:latin typeface="Courier New" panose="02070309020205020404" pitchFamily="49" charset="0"/>
+              <a:cs typeface="Courier New" panose="02070309020205020404" pitchFamily="49" charset="0"/>
+            </a:endParaRPr>
+          </a:p>
+          <a:p>
+            <a:endParaRPr lang="en-US" dirty="0"/>
+          </a:p>
+        </p:txBody>
+      </p:sp>
+    </p:spTree>
+    <p:extLst>
+      <p:ext uri="{BB962C8B-B14F-4D97-AF65-F5344CB8AC3E}">
+        <p14:creationId xmlns:p14="http://schemas.microsoft.com/office/powerpoint/2010/main" val="3384972721"/>
+      </p:ext>
+    </p:extLst>
+  </p:cSld>
+  <p:clrMapOvr>
+    <a:masterClrMapping/>
+  </p:clrMapOvr>
+  <p:timing>
+    <p:tnLst>
+      <p:par>
+        <p:cTn id="1" dur="indefinite" restart="never" nodeType="tmRoot"/>
+      </p:par>
+    </p:tnLst>
+  </p:timing>
+</p:sld>
+</file>
+
+<file path=ppt/slides/slide15.xml><?xml version="1.0" encoding="utf-8"?>
+<p:sld xmlns:a="http://schemas.openxmlformats.org/drawingml/2006/main" xmlns:r="http://schemas.openxmlformats.org/officeDocument/2006/relationships" xmlns:p="http://schemas.openxmlformats.org/presentationml/2006/main">
+  <p:cSld>
+    <p:spTree>
+      <p:nvGrpSpPr>
+        <p:cNvPr id="1" name=""/>
+        <p:cNvGrpSpPr/>
+        <p:nvPr/>
+      </p:nvGrpSpPr>
+      <p:grpSpPr>
+        <a:xfrm>
+          <a:off x="0" y="0"/>
+          <a:ext cx="0" cy="0"/>
+          <a:chOff x="0" y="0"/>
+          <a:chExt cx="0" cy="0"/>
+        </a:xfrm>
+      </p:grpSpPr>
+      <p:sp>
+        <p:nvSpPr>
+          <p:cNvPr id="2" name="Title 1"/>
+          <p:cNvSpPr>
+            <a:spLocks noGrp="1"/>
+          </p:cNvSpPr>
+          <p:nvPr>
+            <p:ph type="title"/>
+          </p:nvPr>
+        </p:nvSpPr>
+        <p:spPr/>
+        <p:txBody>
+          <a:bodyPr/>
+          <a:lstStyle/>
+          <a:p>
+            <a:r>
+              <a:rPr lang="en-US" sz="6000" dirty="0">
+                <a:solidFill>
+                  <a:srgbClr val="50B4C8"/>
+                </a:solidFill>
+              </a:rPr>
+              <a:t>Case Study: Automating AWS Volume Management and Snapshots</a:t>
+            </a:r>
+            <a:endParaRPr lang="en-US" dirty="0"/>
+          </a:p>
+        </p:txBody>
+      </p:sp>
+      <p:sp>
+        <p:nvSpPr>
+          <p:cNvPr id="3" name="Content Placeholder 2"/>
+          <p:cNvSpPr>
+            <a:spLocks noGrp="1"/>
+          </p:cNvSpPr>
+          <p:nvPr>
+            <p:ph idx="1"/>
+          </p:nvPr>
+        </p:nvSpPr>
+        <p:spPr>
+          <a:xfrm>
+            <a:off x="676656" y="2011680"/>
+            <a:ext cx="10753725" cy="4511040"/>
+          </a:xfrm>
+        </p:spPr>
+        <p:txBody>
+          <a:bodyPr>
+            <a:noAutofit/>
+          </a:bodyPr>
+          <a:lstStyle/>
+          <a:p>
+            <a:r>
+              <a:rPr lang="en-US" dirty="0" smtClean="0"/>
+              <a:t>Developed a much more complex script for requirements #2 and #3</a:t>
+            </a:r>
+          </a:p>
+          <a:p>
+            <a:r>
+              <a:rPr lang="en-US" dirty="0" smtClean="0">
+                <a:latin typeface="Courier New" panose="02070309020205020404" pitchFamily="49" charset="0"/>
+                <a:cs typeface="Courier New" panose="02070309020205020404" pitchFamily="49" charset="0"/>
+              </a:rPr>
+              <a:t>./volume_snapshot.py</a:t>
+            </a:r>
+          </a:p>
+          <a:p>
+            <a:r>
+              <a:rPr lang="en-US" sz="1400" dirty="0">
+                <a:latin typeface="Courier New" panose="02070309020205020404" pitchFamily="49" charset="0"/>
+                <a:cs typeface="Courier New" panose="02070309020205020404" pitchFamily="49" charset="0"/>
+              </a:rPr>
+              <a:t>usage: volume_snapshot.py [-h] [--all] [--daily] [--weekly] [--rotate</a:t>
+            </a:r>
+            <a:r>
+              <a:rPr lang="en-US" sz="1400" dirty="0" smtClean="0">
+                <a:latin typeface="Courier New" panose="02070309020205020404" pitchFamily="49" charset="0"/>
+                <a:cs typeface="Courier New" panose="02070309020205020404" pitchFamily="49" charset="0"/>
+              </a:rPr>
+              <a:t>] [--</a:t>
+            </a:r>
+            <a:r>
+              <a:rPr lang="en-US" sz="1400" dirty="0">
+                <a:latin typeface="Courier New" panose="02070309020205020404" pitchFamily="49" charset="0"/>
+                <a:cs typeface="Courier New" panose="02070309020205020404" pitchFamily="49" charset="0"/>
+              </a:rPr>
+              <a:t>verbose</a:t>
+            </a:r>
+            <a:r>
+              <a:rPr lang="en-US" sz="1400" dirty="0" smtClean="0">
+                <a:latin typeface="Courier New" panose="02070309020205020404" pitchFamily="49" charset="0"/>
+                <a:cs typeface="Courier New" panose="02070309020205020404" pitchFamily="49" charset="0"/>
+              </a:rPr>
+              <a:t>] [</a:t>
+            </a:r>
+            <a:r>
+              <a:rPr lang="en-US" sz="1400" dirty="0" err="1">
+                <a:latin typeface="Courier New" panose="02070309020205020404" pitchFamily="49" charset="0"/>
+                <a:cs typeface="Courier New" panose="02070309020205020404" pitchFamily="49" charset="0"/>
+              </a:rPr>
+              <a:t>vol</a:t>
+            </a:r>
+            <a:r>
+              <a:rPr lang="en-US" sz="1400" dirty="0">
+                <a:latin typeface="Courier New" panose="02070309020205020404" pitchFamily="49" charset="0"/>
+                <a:cs typeface="Courier New" panose="02070309020205020404" pitchFamily="49" charset="0"/>
+              </a:rPr>
+              <a:t> [</a:t>
+            </a:r>
+            <a:r>
+              <a:rPr lang="en-US" sz="1400" dirty="0" err="1">
+                <a:latin typeface="Courier New" panose="02070309020205020404" pitchFamily="49" charset="0"/>
+                <a:cs typeface="Courier New" panose="02070309020205020404" pitchFamily="49" charset="0"/>
+              </a:rPr>
+              <a:t>vol</a:t>
+            </a:r>
+            <a:r>
+              <a:rPr lang="en-US" sz="1400" dirty="0">
+                <a:latin typeface="Courier New" panose="02070309020205020404" pitchFamily="49" charset="0"/>
+                <a:cs typeface="Courier New" panose="02070309020205020404" pitchFamily="49" charset="0"/>
+              </a:rPr>
+              <a:t> ...]]</a:t>
+            </a:r>
+          </a:p>
+          <a:p>
+            <a:r>
+              <a:rPr lang="en-US" sz="1400" dirty="0" smtClean="0">
+                <a:latin typeface="Courier New" panose="02070309020205020404" pitchFamily="49" charset="0"/>
+                <a:cs typeface="Courier New" panose="02070309020205020404" pitchFamily="49" charset="0"/>
+              </a:rPr>
+              <a:t>positional </a:t>
+            </a:r>
+            <a:r>
+              <a:rPr lang="en-US" sz="1400" dirty="0">
+                <a:latin typeface="Courier New" panose="02070309020205020404" pitchFamily="49" charset="0"/>
+                <a:cs typeface="Courier New" panose="02070309020205020404" pitchFamily="49" charset="0"/>
+              </a:rPr>
+              <a:t>arguments:</a:t>
+            </a:r>
+          </a:p>
+          <a:p>
+            <a:r>
+              <a:rPr lang="en-US" sz="1400" dirty="0">
+                <a:latin typeface="Courier New" panose="02070309020205020404" pitchFamily="49" charset="0"/>
+                <a:cs typeface="Courier New" panose="02070309020205020404" pitchFamily="49" charset="0"/>
+              </a:rPr>
+              <a:t>  </a:t>
+            </a:r>
+            <a:r>
+              <a:rPr lang="en-US" sz="1400" dirty="0" err="1">
+                <a:latin typeface="Courier New" panose="02070309020205020404" pitchFamily="49" charset="0"/>
+                <a:cs typeface="Courier New" panose="02070309020205020404" pitchFamily="49" charset="0"/>
+              </a:rPr>
+              <a:t>vol</a:t>
+            </a:r>
+            <a:r>
+              <a:rPr lang="en-US" sz="1400" dirty="0">
+                <a:latin typeface="Courier New" panose="02070309020205020404" pitchFamily="49" charset="0"/>
+                <a:cs typeface="Courier New" panose="02070309020205020404" pitchFamily="49" charset="0"/>
+              </a:rPr>
+              <a:t>         ID of the volume to use for the snapshot. In vol-abcd1234 format</a:t>
+            </a:r>
+          </a:p>
+          <a:p>
+            <a:r>
+              <a:rPr lang="en-US" sz="1400" dirty="0" smtClean="0">
+                <a:latin typeface="Courier New" panose="02070309020205020404" pitchFamily="49" charset="0"/>
+                <a:cs typeface="Courier New" panose="02070309020205020404" pitchFamily="49" charset="0"/>
+              </a:rPr>
+              <a:t>optional </a:t>
+            </a:r>
+            <a:r>
+              <a:rPr lang="en-US" sz="1400" dirty="0">
+                <a:latin typeface="Courier New" panose="02070309020205020404" pitchFamily="49" charset="0"/>
+                <a:cs typeface="Courier New" panose="02070309020205020404" pitchFamily="49" charset="0"/>
+              </a:rPr>
+              <a:t>arguments:</a:t>
+            </a:r>
+          </a:p>
+          <a:p>
+            <a:r>
+              <a:rPr lang="en-US" sz="1400" dirty="0" smtClean="0">
+                <a:latin typeface="Courier New" panose="02070309020205020404" pitchFamily="49" charset="0"/>
+                <a:cs typeface="Courier New" panose="02070309020205020404" pitchFamily="49" charset="0"/>
+              </a:rPr>
+              <a:t>--</a:t>
+            </a:r>
+            <a:r>
+              <a:rPr lang="en-US" sz="1400" dirty="0">
+                <a:latin typeface="Courier New" panose="02070309020205020404" pitchFamily="49" charset="0"/>
+                <a:cs typeface="Courier New" panose="02070309020205020404" pitchFamily="49" charset="0"/>
+              </a:rPr>
+              <a:t>all       Creates snapshots for all volumes listed in the console.</a:t>
+            </a:r>
+          </a:p>
+          <a:p>
+            <a:r>
+              <a:rPr lang="en-US" sz="1400" dirty="0" smtClean="0">
+                <a:latin typeface="Courier New" panose="02070309020205020404" pitchFamily="49" charset="0"/>
+                <a:cs typeface="Courier New" panose="02070309020205020404" pitchFamily="49" charset="0"/>
+              </a:rPr>
+              <a:t>--</a:t>
+            </a:r>
+            <a:r>
+              <a:rPr lang="en-US" sz="1400" dirty="0">
+                <a:latin typeface="Courier New" panose="02070309020205020404" pitchFamily="49" charset="0"/>
+                <a:cs typeface="Courier New" panose="02070309020205020404" pitchFamily="49" charset="0"/>
+              </a:rPr>
+              <a:t>daily     Creates a snapshot and tags it with DAILY.</a:t>
+            </a:r>
+          </a:p>
+          <a:p>
+            <a:r>
+              <a:rPr lang="en-US" sz="1400" dirty="0" smtClean="0">
+                <a:latin typeface="Courier New" panose="02070309020205020404" pitchFamily="49" charset="0"/>
+                <a:cs typeface="Courier New" panose="02070309020205020404" pitchFamily="49" charset="0"/>
+              </a:rPr>
+              <a:t>--</a:t>
+            </a:r>
+            <a:r>
+              <a:rPr lang="en-US" sz="1400" dirty="0">
+                <a:latin typeface="Courier New" panose="02070309020205020404" pitchFamily="49" charset="0"/>
+                <a:cs typeface="Courier New" panose="02070309020205020404" pitchFamily="49" charset="0"/>
+              </a:rPr>
+              <a:t>weekly    Creates a snapshot and tags it with WEEKLY.</a:t>
+            </a:r>
+          </a:p>
+          <a:p>
+            <a:r>
+              <a:rPr lang="en-US" sz="1400" dirty="0" smtClean="0">
+                <a:latin typeface="Courier New" panose="02070309020205020404" pitchFamily="49" charset="0"/>
+                <a:cs typeface="Courier New" panose="02070309020205020404" pitchFamily="49" charset="0"/>
+              </a:rPr>
+              <a:t>--</a:t>
+            </a:r>
+            <a:r>
+              <a:rPr lang="en-US" sz="1400" dirty="0">
+                <a:latin typeface="Courier New" panose="02070309020205020404" pitchFamily="49" charset="0"/>
+                <a:cs typeface="Courier New" panose="02070309020205020404" pitchFamily="49" charset="0"/>
+              </a:rPr>
+              <a:t>rotate    Removes any expired snapshots. Mutually exclusive with </a:t>
+            </a:r>
+            <a:r>
+              <a:rPr lang="en-US" sz="1400" dirty="0" smtClean="0">
+                <a:latin typeface="Courier New" panose="02070309020205020404" pitchFamily="49" charset="0"/>
+                <a:cs typeface="Courier New" panose="02070309020205020404" pitchFamily="49" charset="0"/>
+              </a:rPr>
+              <a:t>snapshot creation</a:t>
+            </a:r>
+            <a:r>
+              <a:rPr lang="en-US" sz="1400" dirty="0">
+                <a:latin typeface="Courier New" panose="02070309020205020404" pitchFamily="49" charset="0"/>
+                <a:cs typeface="Courier New" panose="02070309020205020404" pitchFamily="49" charset="0"/>
+              </a:rPr>
+              <a:t>.</a:t>
+            </a:r>
+          </a:p>
+          <a:p>
+            <a:r>
+              <a:rPr lang="en-US" sz="1400" dirty="0" smtClean="0">
+                <a:latin typeface="Courier New" panose="02070309020205020404" pitchFamily="49" charset="0"/>
+                <a:cs typeface="Courier New" panose="02070309020205020404" pitchFamily="49" charset="0"/>
+              </a:rPr>
+              <a:t>--</a:t>
+            </a:r>
+            <a:r>
+              <a:rPr lang="en-US" sz="1400" dirty="0">
+                <a:latin typeface="Courier New" panose="02070309020205020404" pitchFamily="49" charset="0"/>
+                <a:cs typeface="Courier New" panose="02070309020205020404" pitchFamily="49" charset="0"/>
+              </a:rPr>
+              <a:t>verbose   </a:t>
+            </a:r>
+            <a:r>
+              <a:rPr lang="en-US" sz="1400" dirty="0" smtClean="0">
+                <a:latin typeface="Courier New" panose="02070309020205020404" pitchFamily="49" charset="0"/>
+                <a:cs typeface="Courier New" panose="02070309020205020404" pitchFamily="49" charset="0"/>
+              </a:rPr>
+              <a:t>Script prints </a:t>
+            </a:r>
+            <a:r>
+              <a:rPr lang="en-US" sz="1400" dirty="0">
+                <a:latin typeface="Courier New" panose="02070309020205020404" pitchFamily="49" charset="0"/>
+                <a:cs typeface="Courier New" panose="02070309020205020404" pitchFamily="49" charset="0"/>
+              </a:rPr>
+              <a:t>the volume ID and the </a:t>
+            </a:r>
+            <a:r>
+              <a:rPr lang="en-US" sz="1400" dirty="0" smtClean="0">
+                <a:latin typeface="Courier New" panose="02070309020205020404" pitchFamily="49" charset="0"/>
+                <a:cs typeface="Courier New" panose="02070309020205020404" pitchFamily="49" charset="0"/>
+              </a:rPr>
+              <a:t>snapshot description </a:t>
+            </a:r>
+            <a:r>
+              <a:rPr lang="en-US" sz="1400" dirty="0">
+                <a:latin typeface="Courier New" panose="02070309020205020404" pitchFamily="49" charset="0"/>
+                <a:cs typeface="Courier New" panose="02070309020205020404" pitchFamily="49" charset="0"/>
+              </a:rPr>
+              <a:t>as they are processed.</a:t>
+            </a:r>
+          </a:p>
+          <a:p>
+            <a:endParaRPr lang="en-US" dirty="0"/>
+          </a:p>
+        </p:txBody>
+      </p:sp>
+    </p:spTree>
+    <p:extLst>
+      <p:ext uri="{BB962C8B-B14F-4D97-AF65-F5344CB8AC3E}">
+        <p14:creationId xmlns:p14="http://schemas.microsoft.com/office/powerpoint/2010/main" val="3271242241"/>
+      </p:ext>
+    </p:extLst>
+  </p:cSld>
+  <p:clrMapOvr>
+    <a:masterClrMapping/>
+  </p:clrMapOvr>
+</p:sld>
+</file>
+
+<file path=ppt/slides/slide16.xml><?xml version="1.0" encoding="utf-8"?>
+<p:sld xmlns:a="http://schemas.openxmlformats.org/drawingml/2006/main" xmlns:r="http://schemas.openxmlformats.org/officeDocument/2006/relationships" xmlns:p="http://schemas.openxmlformats.org/presentationml/2006/main">
+  <p:cSld>
+    <p:spTree>
+      <p:nvGrpSpPr>
+        <p:cNvPr id="1" name=""/>
+        <p:cNvGrpSpPr/>
+        <p:nvPr/>
+      </p:nvGrpSpPr>
+      <p:grpSpPr>
+        <a:xfrm>
+          <a:off x="0" y="0"/>
+          <a:ext cx="0" cy="0"/>
+          <a:chOff x="0" y="0"/>
+          <a:chExt cx="0" cy="0"/>
+        </a:xfrm>
+      </p:grpSpPr>
+      <p:sp>
+        <p:nvSpPr>
+          <p:cNvPr id="2" name="Title 1"/>
+          <p:cNvSpPr>
+            <a:spLocks noGrp="1"/>
+          </p:cNvSpPr>
+          <p:nvPr>
+            <p:ph type="title"/>
+          </p:nvPr>
+        </p:nvSpPr>
+        <p:spPr/>
+        <p:txBody>
+          <a:bodyPr/>
+          <a:lstStyle/>
+          <a:p>
+            <a:r>
+              <a:rPr lang="en-US" sz="6000" dirty="0">
+                <a:solidFill>
+                  <a:srgbClr val="50B4C8"/>
+                </a:solidFill>
+              </a:rPr>
+              <a:t>Case Study: Automating AWS Volume Management and Snapshots</a:t>
+            </a:r>
+            <a:endParaRPr lang="en-US" dirty="0"/>
+          </a:p>
+        </p:txBody>
+      </p:sp>
+      <p:sp>
+        <p:nvSpPr>
+          <p:cNvPr id="3" name="Content Placeholder 2"/>
+          <p:cNvSpPr>
+            <a:spLocks noGrp="1"/>
+          </p:cNvSpPr>
+          <p:nvPr>
+            <p:ph idx="1"/>
+          </p:nvPr>
+        </p:nvSpPr>
+        <p:spPr>
+          <a:xfrm>
+            <a:off x="676656" y="2011680"/>
+            <a:ext cx="10753725" cy="4511040"/>
+          </a:xfrm>
+        </p:spPr>
+        <p:txBody>
+          <a:bodyPr>
+            <a:noAutofit/>
+          </a:bodyPr>
+          <a:lstStyle/>
+          <a:p>
+            <a:r>
+              <a:rPr lang="en-US" sz="2000" dirty="0">
+                <a:latin typeface="Courier New" panose="02070309020205020404" pitchFamily="49" charset="0"/>
+                <a:cs typeface="Courier New" panose="02070309020205020404" pitchFamily="49" charset="0"/>
+              </a:rPr>
+              <a:t>&gt; ./volume_snapshot.py --all  --daily --verbose</a:t>
+            </a:r>
+          </a:p>
+          <a:p>
+            <a:r>
+              <a:rPr lang="en-US" sz="2000" dirty="0" smtClean="0">
+                <a:latin typeface="Courier New" panose="02070309020205020404" pitchFamily="49" charset="0"/>
+                <a:cs typeface="Courier New" panose="02070309020205020404" pitchFamily="49" charset="0"/>
+              </a:rPr>
+              <a:t>INFO </a:t>
+            </a:r>
+            <a:r>
+              <a:rPr lang="en-US" sz="2000" dirty="0">
+                <a:latin typeface="Courier New" panose="02070309020205020404" pitchFamily="49" charset="0"/>
+                <a:cs typeface="Courier New" panose="02070309020205020404" pitchFamily="49" charset="0"/>
+              </a:rPr>
+              <a:t>- Processing all volumes.</a:t>
+            </a:r>
+          </a:p>
+          <a:p>
+            <a:r>
+              <a:rPr lang="en-US" sz="2000" dirty="0" smtClean="0">
+                <a:latin typeface="Courier New" panose="02070309020205020404" pitchFamily="49" charset="0"/>
+                <a:cs typeface="Courier New" panose="02070309020205020404" pitchFamily="49" charset="0"/>
+              </a:rPr>
+              <a:t>INFO </a:t>
+            </a:r>
+            <a:r>
+              <a:rPr lang="en-US" sz="2000" dirty="0">
+                <a:latin typeface="Courier New" panose="02070309020205020404" pitchFamily="49" charset="0"/>
+                <a:cs typeface="Courier New" panose="02070309020205020404" pitchFamily="49" charset="0"/>
+              </a:rPr>
+              <a:t>- Number of volumes to process: 1</a:t>
+            </a:r>
+          </a:p>
+          <a:p>
+            <a:r>
+              <a:rPr lang="en-US" sz="2000" dirty="0" smtClean="0">
+                <a:latin typeface="Courier New" panose="02070309020205020404" pitchFamily="49" charset="0"/>
+                <a:cs typeface="Courier New" panose="02070309020205020404" pitchFamily="49" charset="0"/>
+              </a:rPr>
+              <a:t>INFO </a:t>
+            </a:r>
+            <a:r>
+              <a:rPr lang="en-US" sz="2000" dirty="0">
+                <a:latin typeface="Courier New" panose="02070309020205020404" pitchFamily="49" charset="0"/>
+                <a:cs typeface="Courier New" panose="02070309020205020404" pitchFamily="49" charset="0"/>
+              </a:rPr>
+              <a:t>- vol-7254a57d: Processing...</a:t>
+            </a:r>
+          </a:p>
+          <a:p>
+            <a:r>
+              <a:rPr lang="en-US" sz="2000" dirty="0" smtClean="0">
+                <a:latin typeface="Courier New" panose="02070309020205020404" pitchFamily="49" charset="0"/>
+                <a:cs typeface="Courier New" panose="02070309020205020404" pitchFamily="49" charset="0"/>
+              </a:rPr>
+              <a:t>INFO </a:t>
+            </a:r>
+            <a:r>
+              <a:rPr lang="en-US" sz="2000" dirty="0">
+                <a:latin typeface="Courier New" panose="02070309020205020404" pitchFamily="49" charset="0"/>
+                <a:cs typeface="Courier New" panose="02070309020205020404" pitchFamily="49" charset="0"/>
+              </a:rPr>
+              <a:t>- vol-7254a57d: Setting daily expiration: True</a:t>
+            </a:r>
+          </a:p>
+          <a:p>
+            <a:r>
+              <a:rPr lang="en-US" sz="2000" dirty="0" smtClean="0">
+                <a:latin typeface="Courier New" panose="02070309020205020404" pitchFamily="49" charset="0"/>
+                <a:cs typeface="Courier New" panose="02070309020205020404" pitchFamily="49" charset="0"/>
+              </a:rPr>
+              <a:t>INFO </a:t>
+            </a:r>
+            <a:r>
+              <a:rPr lang="en-US" sz="2000" dirty="0">
+                <a:latin typeface="Courier New" panose="02070309020205020404" pitchFamily="49" charset="0"/>
+                <a:cs typeface="Courier New" panose="02070309020205020404" pitchFamily="49" charset="0"/>
+              </a:rPr>
+              <a:t>- vol-7254a57d: Setting weekly expiration: False</a:t>
+            </a:r>
+          </a:p>
+          <a:p>
+            <a:r>
+              <a:rPr lang="en-US" sz="2000" dirty="0" smtClean="0">
+                <a:latin typeface="Courier New" panose="02070309020205020404" pitchFamily="49" charset="0"/>
+                <a:cs typeface="Courier New" panose="02070309020205020404" pitchFamily="49" charset="0"/>
+              </a:rPr>
+              <a:t>INFO </a:t>
+            </a:r>
+            <a:r>
+              <a:rPr lang="en-US" sz="2000" dirty="0">
+                <a:latin typeface="Courier New" panose="02070309020205020404" pitchFamily="49" charset="0"/>
+                <a:cs typeface="Courier New" panose="02070309020205020404" pitchFamily="49" charset="0"/>
+              </a:rPr>
+              <a:t>- vol-7254a57d: Snapshot stamp = "2014-Oct-30 12:25:13 PDT; </a:t>
+            </a:r>
+            <a:r>
+              <a:rPr lang="en-US" sz="2000" dirty="0" err="1">
+                <a:latin typeface="Courier New" panose="02070309020205020404" pitchFamily="49" charset="0"/>
+                <a:cs typeface="Courier New" panose="02070309020205020404" pitchFamily="49" charset="0"/>
+              </a:rPr>
+              <a:t>aws-meetup</a:t>
+            </a:r>
+            <a:r>
+              <a:rPr lang="en-US" sz="2000" dirty="0">
+                <a:latin typeface="Courier New" panose="02070309020205020404" pitchFamily="49" charset="0"/>
+                <a:cs typeface="Courier New" panose="02070309020205020404" pitchFamily="49" charset="0"/>
+              </a:rPr>
+              <a:t>; i-4e9bbf41; vol-7254a57d"</a:t>
+            </a:r>
+          </a:p>
+          <a:p>
+            <a:r>
+              <a:rPr lang="en-US" sz="2000" dirty="0" smtClean="0">
+                <a:latin typeface="Courier New" panose="02070309020205020404" pitchFamily="49" charset="0"/>
+                <a:cs typeface="Courier New" panose="02070309020205020404" pitchFamily="49" charset="0"/>
+              </a:rPr>
+              <a:t>INFO </a:t>
+            </a:r>
+            <a:r>
+              <a:rPr lang="en-US" sz="2000" dirty="0">
+                <a:latin typeface="Courier New" panose="02070309020205020404" pitchFamily="49" charset="0"/>
+                <a:cs typeface="Courier New" panose="02070309020205020404" pitchFamily="49" charset="0"/>
+              </a:rPr>
+              <a:t>- vol-7254a57d: Snapshot snap-9c4a5057 will expire on 2014-10-31 12:25:14.592652</a:t>
+            </a:r>
+          </a:p>
+        </p:txBody>
+      </p:sp>
+    </p:spTree>
+    <p:extLst>
+      <p:ext uri="{BB962C8B-B14F-4D97-AF65-F5344CB8AC3E}">
+        <p14:creationId xmlns:p14="http://schemas.microsoft.com/office/powerpoint/2010/main" val="4050786151"/>
+      </p:ext>
+    </p:extLst>
+  </p:cSld>
+  <p:clrMapOvr>
+    <a:masterClrMapping/>
+  </p:clrMapOvr>
+</p:sld>
+</file>
+
+<file path=ppt/slides/slide17.xml><?xml version="1.0" encoding="utf-8"?>
+<p:sld xmlns:a="http://schemas.openxmlformats.org/drawingml/2006/main" xmlns:r="http://schemas.openxmlformats.org/officeDocument/2006/relationships" xmlns:p="http://schemas.openxmlformats.org/presentationml/2006/main">
+  <p:cSld>
+    <p:spTree>
+      <p:nvGrpSpPr>
+        <p:cNvPr id="1" name=""/>
+        <p:cNvGrpSpPr/>
+        <p:nvPr/>
+      </p:nvGrpSpPr>
+      <p:grpSpPr>
+        <a:xfrm>
+          <a:off x="0" y="0"/>
+          <a:ext cx="0" cy="0"/>
+          <a:chOff x="0" y="0"/>
+          <a:chExt cx="0" cy="0"/>
+        </a:xfrm>
+      </p:grpSpPr>
+      <p:sp>
+        <p:nvSpPr>
+          <p:cNvPr id="2" name="Title 1"/>
+          <p:cNvSpPr>
+            <a:spLocks noGrp="1"/>
+          </p:cNvSpPr>
+          <p:nvPr>
+            <p:ph type="title"/>
+          </p:nvPr>
+        </p:nvSpPr>
+        <p:spPr/>
+        <p:txBody>
+          <a:bodyPr/>
+          <a:lstStyle/>
+          <a:p>
+            <a:r>
+              <a:rPr lang="en-US" sz="6000" dirty="0">
+                <a:solidFill>
+                  <a:srgbClr val="50B4C8"/>
+                </a:solidFill>
+              </a:rPr>
+              <a:t>Case Study: Automating AWS Volume Management and Snapshots</a:t>
+            </a:r>
+            <a:endParaRPr lang="en-US" dirty="0"/>
+          </a:p>
+        </p:txBody>
+      </p:sp>
+      <p:sp>
+        <p:nvSpPr>
+          <p:cNvPr id="3" name="Content Placeholder 2"/>
+          <p:cNvSpPr>
+            <a:spLocks noGrp="1"/>
+          </p:cNvSpPr>
+          <p:nvPr>
+            <p:ph idx="1"/>
+          </p:nvPr>
+        </p:nvSpPr>
+        <p:spPr>
+          <a:xfrm>
+            <a:off x="676656" y="2011680"/>
+            <a:ext cx="10753725" cy="4511040"/>
+          </a:xfrm>
+        </p:spPr>
+        <p:txBody>
+          <a:bodyPr>
+            <a:noAutofit/>
+          </a:bodyPr>
+          <a:lstStyle/>
+          <a:p>
+            <a:r>
+              <a:rPr lang="en-US" sz="2000" dirty="0">
+                <a:latin typeface="Courier New" panose="02070309020205020404" pitchFamily="49" charset="0"/>
+                <a:cs typeface="Courier New" panose="02070309020205020404" pitchFamily="49" charset="0"/>
+              </a:rPr>
+              <a:t>&gt; ./volume_snapshot.py --all --rotate --verbose</a:t>
+            </a:r>
+          </a:p>
+          <a:p>
+            <a:r>
+              <a:rPr lang="en-US" sz="2000" dirty="0" smtClean="0">
+                <a:latin typeface="Courier New" panose="02070309020205020404" pitchFamily="49" charset="0"/>
+                <a:cs typeface="Courier New" panose="02070309020205020404" pitchFamily="49" charset="0"/>
+              </a:rPr>
+              <a:t>INFO </a:t>
+            </a:r>
+            <a:r>
+              <a:rPr lang="en-US" sz="2000" dirty="0">
+                <a:latin typeface="Courier New" panose="02070309020205020404" pitchFamily="49" charset="0"/>
+                <a:cs typeface="Courier New" panose="02070309020205020404" pitchFamily="49" charset="0"/>
+              </a:rPr>
+              <a:t>- Processing all volumes.</a:t>
+            </a:r>
+          </a:p>
+          <a:p>
+            <a:r>
+              <a:rPr lang="en-US" sz="2000" dirty="0" smtClean="0">
+                <a:latin typeface="Courier New" panose="02070309020205020404" pitchFamily="49" charset="0"/>
+                <a:cs typeface="Courier New" panose="02070309020205020404" pitchFamily="49" charset="0"/>
+              </a:rPr>
+              <a:t>INFO </a:t>
+            </a:r>
+            <a:r>
+              <a:rPr lang="en-US" sz="2000" dirty="0">
+                <a:latin typeface="Courier New" panose="02070309020205020404" pitchFamily="49" charset="0"/>
+                <a:cs typeface="Courier New" panose="02070309020205020404" pitchFamily="49" charset="0"/>
+              </a:rPr>
+              <a:t>- Number of volumes to process: 1</a:t>
+            </a:r>
+          </a:p>
+          <a:p>
+            <a:r>
+              <a:rPr lang="en-US" sz="2000" dirty="0" smtClean="0">
+                <a:latin typeface="Courier New" panose="02070309020205020404" pitchFamily="49" charset="0"/>
+                <a:cs typeface="Courier New" panose="02070309020205020404" pitchFamily="49" charset="0"/>
+              </a:rPr>
+              <a:t>INFO </a:t>
+            </a:r>
+            <a:r>
+              <a:rPr lang="en-US" sz="2000" dirty="0">
+                <a:latin typeface="Courier New" panose="02070309020205020404" pitchFamily="49" charset="0"/>
+                <a:cs typeface="Courier New" panose="02070309020205020404" pitchFamily="49" charset="0"/>
+              </a:rPr>
+              <a:t>- vol-7254a57d: Processing...</a:t>
+            </a:r>
+          </a:p>
+          <a:p>
+            <a:r>
+              <a:rPr lang="en-US" sz="2000" dirty="0" smtClean="0">
+                <a:latin typeface="Courier New" panose="02070309020205020404" pitchFamily="49" charset="0"/>
+                <a:cs typeface="Courier New" panose="02070309020205020404" pitchFamily="49" charset="0"/>
+              </a:rPr>
+              <a:t>INFO </a:t>
+            </a:r>
+            <a:r>
+              <a:rPr lang="en-US" sz="2000" dirty="0">
+                <a:latin typeface="Courier New" panose="02070309020205020404" pitchFamily="49" charset="0"/>
+                <a:cs typeface="Courier New" panose="02070309020205020404" pitchFamily="49" charset="0"/>
+              </a:rPr>
+              <a:t>- vol-7254a57d: Checking snapshots for expiration...</a:t>
+            </a:r>
+          </a:p>
+          <a:p>
+            <a:r>
+              <a:rPr lang="en-US" sz="2000" dirty="0" smtClean="0">
+                <a:latin typeface="Courier New" panose="02070309020205020404" pitchFamily="49" charset="0"/>
+                <a:cs typeface="Courier New" panose="02070309020205020404" pitchFamily="49" charset="0"/>
+              </a:rPr>
+              <a:t>INFO </a:t>
+            </a:r>
+            <a:r>
+              <a:rPr lang="en-US" sz="2000" dirty="0">
+                <a:latin typeface="Courier New" panose="02070309020205020404" pitchFamily="49" charset="0"/>
+                <a:cs typeface="Courier New" panose="02070309020205020404" pitchFamily="49" charset="0"/>
+              </a:rPr>
+              <a:t>- vol-7254a57d: Processing snapshot snap-6af4fca1</a:t>
+            </a:r>
+          </a:p>
+          <a:p>
+            <a:r>
+              <a:rPr lang="en-US" sz="2000" dirty="0" smtClean="0">
+                <a:latin typeface="Courier New" panose="02070309020205020404" pitchFamily="49" charset="0"/>
+                <a:cs typeface="Courier New" panose="02070309020205020404" pitchFamily="49" charset="0"/>
+              </a:rPr>
+              <a:t>INFO </a:t>
+            </a:r>
+            <a:r>
+              <a:rPr lang="en-US" sz="2000" dirty="0">
+                <a:latin typeface="Courier New" panose="02070309020205020404" pitchFamily="49" charset="0"/>
+                <a:cs typeface="Courier New" panose="02070309020205020404" pitchFamily="49" charset="0"/>
+              </a:rPr>
+              <a:t>- vol-7254a57d: Snapshot snap-6af4fca1 is set to expire on 2014-10-30 22:28:49.156162</a:t>
+            </a:r>
+          </a:p>
+          <a:p>
+            <a:r>
+              <a:rPr lang="en-US" sz="2000" b="1" dirty="0" smtClean="0">
+                <a:latin typeface="Courier New" panose="02070309020205020404" pitchFamily="49" charset="0"/>
+                <a:cs typeface="Courier New" panose="02070309020205020404" pitchFamily="49" charset="0"/>
+              </a:rPr>
+              <a:t>INFO </a:t>
+            </a:r>
+            <a:r>
+              <a:rPr lang="en-US" sz="2000" b="1" dirty="0">
+                <a:latin typeface="Courier New" panose="02070309020205020404" pitchFamily="49" charset="0"/>
+                <a:cs typeface="Courier New" panose="02070309020205020404" pitchFamily="49" charset="0"/>
+              </a:rPr>
+              <a:t>- vol-7254a57d: Snapshot snap-6af4fca1 is still fresh! :D</a:t>
+            </a:r>
+          </a:p>
+        </p:txBody>
+      </p:sp>
+    </p:spTree>
+    <p:extLst>
+      <p:ext uri="{BB962C8B-B14F-4D97-AF65-F5344CB8AC3E}">
+        <p14:creationId xmlns:p14="http://schemas.microsoft.com/office/powerpoint/2010/main" val="958395050"/>
+      </p:ext>
+    </p:extLst>
+  </p:cSld>
+  <p:clrMapOvr>
+    <a:masterClrMapping/>
+  </p:clrMapOvr>
+</p:sld>
+</file>
+
+<file path=ppt/slides/slide18.xml><?xml version="1.0" encoding="utf-8"?>
+<p:sld xmlns:a="http://schemas.openxmlformats.org/drawingml/2006/main" xmlns:r="http://schemas.openxmlformats.org/officeDocument/2006/relationships" xmlns:p="http://schemas.openxmlformats.org/presentationml/2006/main">
+  <p:cSld>
+    <p:spTree>
+      <p:nvGrpSpPr>
+        <p:cNvPr id="1" name=""/>
+        <p:cNvGrpSpPr/>
+        <p:nvPr/>
+      </p:nvGrpSpPr>
+      <p:grpSpPr>
+        <a:xfrm>
+          <a:off x="0" y="0"/>
+          <a:ext cx="0" cy="0"/>
+          <a:chOff x="0" y="0"/>
+          <a:chExt cx="0" cy="0"/>
+        </a:xfrm>
+      </p:grpSpPr>
+      <p:sp>
+        <p:nvSpPr>
+          <p:cNvPr id="2" name="Title 1"/>
+          <p:cNvSpPr>
+            <a:spLocks noGrp="1"/>
+          </p:cNvSpPr>
+          <p:nvPr>
+            <p:ph type="title"/>
+          </p:nvPr>
+        </p:nvSpPr>
+        <p:spPr/>
+        <p:txBody>
+          <a:bodyPr/>
+          <a:lstStyle/>
+          <a:p>
+            <a:r>
+              <a:rPr lang="en-US" sz="6000" dirty="0">
+                <a:solidFill>
+                  <a:srgbClr val="50B4C8"/>
+                </a:solidFill>
+              </a:rPr>
+              <a:t>Case Study: Automating AWS Volume Management and Snapshots</a:t>
+            </a:r>
+            <a:endParaRPr lang="en-US" dirty="0"/>
+          </a:p>
+        </p:txBody>
+      </p:sp>
+      <p:sp>
+        <p:nvSpPr>
+          <p:cNvPr id="3" name="Content Placeholder 2"/>
+          <p:cNvSpPr>
+            <a:spLocks noGrp="1"/>
+          </p:cNvSpPr>
+          <p:nvPr>
+            <p:ph idx="1"/>
+          </p:nvPr>
+        </p:nvSpPr>
+        <p:spPr>
+          <a:xfrm>
+            <a:off x="676656" y="2011680"/>
+            <a:ext cx="10753725" cy="4511040"/>
+          </a:xfrm>
+        </p:spPr>
+        <p:txBody>
+          <a:bodyPr>
+            <a:noAutofit/>
+          </a:bodyPr>
+          <a:lstStyle/>
+          <a:p>
+            <a:r>
+              <a:rPr lang="en-US" sz="1800" dirty="0" smtClean="0">
+                <a:latin typeface="Courier New" panose="02070309020205020404" pitchFamily="49" charset="0"/>
+                <a:cs typeface="Courier New" panose="02070309020205020404" pitchFamily="49" charset="0"/>
+              </a:rPr>
+              <a:t>INFO </a:t>
+            </a:r>
+            <a:r>
+              <a:rPr lang="en-US" sz="1800" dirty="0">
+                <a:latin typeface="Courier New" panose="02070309020205020404" pitchFamily="49" charset="0"/>
+                <a:cs typeface="Courier New" panose="02070309020205020404" pitchFamily="49" charset="0"/>
+              </a:rPr>
+              <a:t>- vol-7254a57d: Processing snapshot snap-eba1a920</a:t>
+            </a:r>
+          </a:p>
+          <a:p>
+            <a:r>
+              <a:rPr lang="en-US" sz="1800" dirty="0" smtClean="0">
+                <a:latin typeface="Courier New" panose="02070309020205020404" pitchFamily="49" charset="0"/>
+                <a:cs typeface="Courier New" panose="02070309020205020404" pitchFamily="49" charset="0"/>
+              </a:rPr>
+              <a:t>INFO </a:t>
+            </a:r>
+            <a:r>
+              <a:rPr lang="en-US" sz="1800" dirty="0">
+                <a:latin typeface="Courier New" panose="02070309020205020404" pitchFamily="49" charset="0"/>
+                <a:cs typeface="Courier New" panose="02070309020205020404" pitchFamily="49" charset="0"/>
+              </a:rPr>
+              <a:t>- vol-7254a57d: Snapshot snap-eba1a920 is set to expire on 2014-09-30 22:38:50.384710</a:t>
+            </a:r>
+          </a:p>
+          <a:p>
+            <a:r>
+              <a:rPr lang="en-US" sz="1800" dirty="0" smtClean="0">
+                <a:latin typeface="Courier New" panose="02070309020205020404" pitchFamily="49" charset="0"/>
+                <a:cs typeface="Courier New" panose="02070309020205020404" pitchFamily="49" charset="0"/>
+              </a:rPr>
+              <a:t>INFO </a:t>
+            </a:r>
+            <a:r>
+              <a:rPr lang="en-US" sz="1800" dirty="0">
+                <a:latin typeface="Courier New" panose="02070309020205020404" pitchFamily="49" charset="0"/>
+                <a:cs typeface="Courier New" panose="02070309020205020404" pitchFamily="49" charset="0"/>
+              </a:rPr>
+              <a:t>- vol-7254a57d: Snapshot snap-eba1a920 expired.  Attempting to delete...</a:t>
+            </a:r>
+          </a:p>
+          <a:p>
+            <a:r>
+              <a:rPr lang="en-US" sz="1800" b="1" dirty="0" smtClean="0">
+                <a:latin typeface="Courier New" panose="02070309020205020404" pitchFamily="49" charset="0"/>
+                <a:cs typeface="Courier New" panose="02070309020205020404" pitchFamily="49" charset="0"/>
+              </a:rPr>
+              <a:t>INFO </a:t>
+            </a:r>
+            <a:r>
+              <a:rPr lang="en-US" sz="1800" b="1" dirty="0">
+                <a:latin typeface="Courier New" panose="02070309020205020404" pitchFamily="49" charset="0"/>
+                <a:cs typeface="Courier New" panose="02070309020205020404" pitchFamily="49" charset="0"/>
+              </a:rPr>
+              <a:t>- vol-7254a57d: Snapshot snap-eba1a920 deletion was successful! :D</a:t>
+            </a:r>
+          </a:p>
+        </p:txBody>
+      </p:sp>
+    </p:spTree>
+    <p:extLst>
+      <p:ext uri="{BB962C8B-B14F-4D97-AF65-F5344CB8AC3E}">
+        <p14:creationId xmlns:p14="http://schemas.microsoft.com/office/powerpoint/2010/main" val="1663666460"/>
+      </p:ext>
+    </p:extLst>
+  </p:cSld>
+  <p:clrMapOvr>
+    <a:masterClrMapping/>
+  </p:clrMapOvr>
+</p:sld>
+</file>
+
+<file path=ppt/slides/slide19.xml><?xml version="1.0" encoding="utf-8"?>
+<p:sld xmlns:a="http://schemas.openxmlformats.org/drawingml/2006/main" xmlns:r="http://schemas.openxmlformats.org/officeDocument/2006/relationships" xmlns:p="http://schemas.openxmlformats.org/presentationml/2006/main">
+  <p:cSld>
+    <p:spTree>
+      <p:nvGrpSpPr>
+        <p:cNvPr id="1" name=""/>
+        <p:cNvGrpSpPr/>
+        <p:nvPr/>
+      </p:nvGrpSpPr>
+      <p:grpSpPr>
+        <a:xfrm>
+          <a:off x="0" y="0"/>
+          <a:ext cx="0" cy="0"/>
+          <a:chOff x="0" y="0"/>
+          <a:chExt cx="0" cy="0"/>
+        </a:xfrm>
+      </p:grpSpPr>
+      <p:sp>
+        <p:nvSpPr>
+          <p:cNvPr id="4" name="Title 3"/>
+          <p:cNvSpPr>
+            <a:spLocks noGrp="1"/>
+          </p:cNvSpPr>
+          <p:nvPr>
+            <p:ph type="ctrTitle"/>
+          </p:nvPr>
+        </p:nvSpPr>
+        <p:spPr/>
+        <p:txBody>
+          <a:bodyPr/>
+          <a:lstStyle/>
+          <a:p>
+            <a:r>
+              <a:rPr lang="en-US" b="1" dirty="0" smtClean="0"/>
+              <a:t>BACKUP INFO</a:t>
+            </a:r>
+            <a:endParaRPr lang="en-US" b="1" dirty="0"/>
+          </a:p>
+        </p:txBody>
+      </p:sp>
+      <p:sp>
+        <p:nvSpPr>
+          <p:cNvPr id="5" name="Subtitle 4"/>
+          <p:cNvSpPr>
+            <a:spLocks noGrp="1"/>
+          </p:cNvSpPr>
+          <p:nvPr>
+            <p:ph type="subTitle" idx="1"/>
+          </p:nvPr>
+        </p:nvSpPr>
+        <p:spPr/>
+        <p:txBody>
+          <a:bodyPr/>
+          <a:lstStyle/>
+          <a:p>
+            <a:endParaRPr lang="en-US"/>
+          </a:p>
+        </p:txBody>
+      </p:sp>
+    </p:spTree>
+    <p:extLst>
+      <p:ext uri="{BB962C8B-B14F-4D97-AF65-F5344CB8AC3E}">
+        <p14:creationId xmlns:p14="http://schemas.microsoft.com/office/powerpoint/2010/main" val="3087411722"/>
+      </p:ext>
+    </p:extLst>
+  </p:cSld>
+  <p:clrMapOvr>
+    <a:masterClrMapping/>
+  </p:clrMapOvr>
+  <p:timing>
+    <p:tnLst>
+      <p:par>
+        <p:cTn id="1" dur="indefinite" restart="never" nodeType="tmRoot"/>
+      </p:par>
+    </p:tnLst>
+  </p:timing>
 </p:sld>
 </file>
 
@@ -4731,6 +6243,755 @@
   <p:clrMapOvr>
     <a:masterClrMapping/>
   </p:clrMapOvr>
+  <p:timing>
+    <p:tnLst>
+      <p:par>
+        <p:cTn id="1" dur="indefinite" restart="never" nodeType="tmRoot"/>
+      </p:par>
+    </p:tnLst>
+  </p:timing>
+</p:sld>
+</file>
+
+<file path=ppt/slides/slide20.xml><?xml version="1.0" encoding="utf-8"?>
+<p:sld xmlns:a="http://schemas.openxmlformats.org/drawingml/2006/main" xmlns:r="http://schemas.openxmlformats.org/officeDocument/2006/relationships" xmlns:p="http://schemas.openxmlformats.org/presentationml/2006/main">
+  <p:cSld>
+    <p:spTree>
+      <p:nvGrpSpPr>
+        <p:cNvPr id="1" name=""/>
+        <p:cNvGrpSpPr/>
+        <p:nvPr/>
+      </p:nvGrpSpPr>
+      <p:grpSpPr>
+        <a:xfrm>
+          <a:off x="0" y="0"/>
+          <a:ext cx="0" cy="0"/>
+          <a:chOff x="0" y="0"/>
+          <a:chExt cx="0" cy="0"/>
+        </a:xfrm>
+      </p:grpSpPr>
+      <p:sp>
+        <p:nvSpPr>
+          <p:cNvPr id="2" name="Title 1"/>
+          <p:cNvSpPr>
+            <a:spLocks noGrp="1"/>
+          </p:cNvSpPr>
+          <p:nvPr>
+            <p:ph type="title"/>
+          </p:nvPr>
+        </p:nvSpPr>
+        <p:spPr/>
+        <p:txBody>
+          <a:bodyPr/>
+          <a:lstStyle/>
+          <a:p>
+            <a:r>
+              <a:rPr lang="en-US" b="1" dirty="0" err="1" smtClean="0"/>
+              <a:t>Python+Boto</a:t>
+            </a:r>
+            <a:r>
+              <a:rPr lang="en-US" b="1" dirty="0" smtClean="0"/>
+              <a:t> vs AWS CLI</a:t>
+            </a:r>
+            <a:endParaRPr lang="en-US" b="1" dirty="0"/>
+          </a:p>
+        </p:txBody>
+      </p:sp>
+      <p:sp>
+        <p:nvSpPr>
+          <p:cNvPr id="4" name="Content Placeholder 3"/>
+          <p:cNvSpPr>
+            <a:spLocks noGrp="1"/>
+          </p:cNvSpPr>
+          <p:nvPr>
+            <p:ph sz="half" idx="1"/>
+          </p:nvPr>
+        </p:nvSpPr>
+        <p:spPr>
+          <a:xfrm>
+            <a:off x="117231" y="1998134"/>
+            <a:ext cx="5222865" cy="2026789"/>
+          </a:xfrm>
+        </p:spPr>
+        <p:txBody>
+          <a:bodyPr/>
+          <a:lstStyle/>
+          <a:p>
+            <a:r>
+              <a:rPr lang="en-US" dirty="0" smtClean="0"/>
+              <a:t>ec2.create_tags(instance.id, </a:t>
+            </a:r>
+            <a:r>
+              <a:rPr lang="en-US" dirty="0"/>
+              <a:t>{"name": "mobile</a:t>
+            </a:r>
+            <a:r>
+              <a:rPr lang="en-US" dirty="0" smtClean="0"/>
+              <a:t>"})</a:t>
+            </a:r>
+          </a:p>
+          <a:p>
+            <a:endParaRPr lang="en-US" dirty="0"/>
+          </a:p>
+          <a:p>
+            <a:r>
+              <a:rPr lang="en-US" dirty="0" smtClean="0"/>
+              <a:t>ec2.create_snapshot(vol.id</a:t>
+            </a:r>
+            <a:r>
+              <a:rPr lang="en-US" dirty="0"/>
+              <a:t>, 'My snapshot')</a:t>
+            </a:r>
+          </a:p>
+        </p:txBody>
+      </p:sp>
+      <p:sp>
+        <p:nvSpPr>
+          <p:cNvPr id="5" name="Content Placeholder 4"/>
+          <p:cNvSpPr>
+            <a:spLocks noGrp="1"/>
+          </p:cNvSpPr>
+          <p:nvPr>
+            <p:ph sz="half" idx="2"/>
+          </p:nvPr>
+        </p:nvSpPr>
+        <p:spPr>
+          <a:xfrm>
+            <a:off x="6011330" y="1998134"/>
+            <a:ext cx="6055624" cy="2026789"/>
+          </a:xfrm>
+        </p:spPr>
+        <p:txBody>
+          <a:bodyPr/>
+          <a:lstStyle/>
+          <a:p>
+            <a:r>
+              <a:rPr lang="en-US" dirty="0" err="1"/>
+              <a:t>aws</a:t>
+            </a:r>
+            <a:r>
+              <a:rPr lang="en-US" dirty="0"/>
+              <a:t> ec2 create-tags --resources </a:t>
+            </a:r>
+            <a:r>
+              <a:rPr lang="en-US" dirty="0" err="1" smtClean="0"/>
+              <a:t>i</a:t>
+            </a:r>
+            <a:r>
+              <a:rPr lang="en-US" dirty="0" smtClean="0"/>
+              <a:t>-xxx </a:t>
+            </a:r>
+            <a:r>
+              <a:rPr lang="en-US" dirty="0"/>
+              <a:t>--tags </a:t>
+            </a:r>
+            <a:r>
+              <a:rPr lang="en-US" dirty="0" smtClean="0"/>
+              <a:t>Key=</a:t>
+            </a:r>
+            <a:r>
+              <a:rPr lang="en-US" dirty="0" err="1" smtClean="0"/>
+              <a:t>name,Value</a:t>
+            </a:r>
+            <a:r>
+              <a:rPr lang="en-US" dirty="0" smtClean="0"/>
+              <a:t>=instance</a:t>
+            </a:r>
+          </a:p>
+          <a:p>
+            <a:endParaRPr lang="en-US" dirty="0"/>
+          </a:p>
+          <a:p>
+            <a:r>
+              <a:rPr lang="en-US" dirty="0" err="1"/>
+              <a:t>aws</a:t>
+            </a:r>
+            <a:r>
+              <a:rPr lang="en-US" dirty="0"/>
+              <a:t> ec2 create-snapshot --volume-id vol-1234abcd --description </a:t>
+            </a:r>
+            <a:r>
+              <a:rPr lang="en-US" dirty="0" smtClean="0"/>
+              <a:t>“My snapshot"</a:t>
+            </a:r>
+            <a:endParaRPr lang="en-US" dirty="0"/>
+          </a:p>
+        </p:txBody>
+      </p:sp>
+    </p:spTree>
+    <p:extLst>
+      <p:ext uri="{BB962C8B-B14F-4D97-AF65-F5344CB8AC3E}">
+        <p14:creationId xmlns:p14="http://schemas.microsoft.com/office/powerpoint/2010/main" val="1661156457"/>
+      </p:ext>
+    </p:extLst>
+  </p:cSld>
+  <p:clrMapOvr>
+    <a:masterClrMapping/>
+  </p:clrMapOvr>
+</p:sld>
+</file>
+
+<file path=ppt/slides/slide21.xml><?xml version="1.0" encoding="utf-8"?>
+<p:sld xmlns:a="http://schemas.openxmlformats.org/drawingml/2006/main" xmlns:r="http://schemas.openxmlformats.org/officeDocument/2006/relationships" xmlns:p="http://schemas.openxmlformats.org/presentationml/2006/main">
+  <p:cSld>
+    <p:spTree>
+      <p:nvGrpSpPr>
+        <p:cNvPr id="1" name=""/>
+        <p:cNvGrpSpPr/>
+        <p:nvPr/>
+      </p:nvGrpSpPr>
+      <p:grpSpPr>
+        <a:xfrm>
+          <a:off x="0" y="0"/>
+          <a:ext cx="0" cy="0"/>
+          <a:chOff x="0" y="0"/>
+          <a:chExt cx="0" cy="0"/>
+        </a:xfrm>
+      </p:grpSpPr>
+      <p:sp>
+        <p:nvSpPr>
+          <p:cNvPr id="2" name="Title 1"/>
+          <p:cNvSpPr>
+            <a:spLocks noGrp="1"/>
+          </p:cNvSpPr>
+          <p:nvPr>
+            <p:ph type="title"/>
+          </p:nvPr>
+        </p:nvSpPr>
+        <p:spPr/>
+        <p:txBody>
+          <a:bodyPr/>
+          <a:lstStyle/>
+          <a:p>
+            <a:r>
+              <a:rPr lang="en-US" dirty="0" smtClean="0"/>
+              <a:t>Switching </a:t>
+            </a:r>
+            <a:r>
+              <a:rPr lang="en-US" dirty="0" err="1" smtClean="0"/>
+              <a:t>boto</a:t>
+            </a:r>
+            <a:r>
+              <a:rPr lang="en-US" dirty="0" smtClean="0"/>
+              <a:t> credentials</a:t>
+            </a:r>
+            <a:endParaRPr lang="en-US" dirty="0"/>
+          </a:p>
+        </p:txBody>
+      </p:sp>
+      <p:sp>
+        <p:nvSpPr>
+          <p:cNvPr id="5" name="Content Placeholder 4"/>
+          <p:cNvSpPr>
+            <a:spLocks noGrp="1"/>
+          </p:cNvSpPr>
+          <p:nvPr>
+            <p:ph sz="half" idx="1"/>
+          </p:nvPr>
+        </p:nvSpPr>
+        <p:spPr/>
+        <p:txBody>
+          <a:bodyPr>
+            <a:noAutofit/>
+          </a:bodyPr>
+          <a:lstStyle/>
+          <a:p>
+            <a:r>
+              <a:rPr lang="en-US" dirty="0" smtClean="0"/>
+              <a:t>You can use the BOTO_CONFIG environment variable to point to different configs</a:t>
+            </a:r>
+          </a:p>
+          <a:p>
+            <a:r>
+              <a:rPr lang="en-US" dirty="0" smtClean="0"/>
+              <a:t>Use this inside a wrapper that calls your script</a:t>
+            </a:r>
+          </a:p>
+          <a:p>
+            <a:pPr lvl="1"/>
+            <a:r>
+              <a:rPr lang="en-US" dirty="0" smtClean="0">
+                <a:latin typeface="Courier New" panose="02070309020205020404" pitchFamily="49" charset="0"/>
+                <a:cs typeface="Courier New" panose="02070309020205020404" pitchFamily="49" charset="0"/>
+              </a:rPr>
+              <a:t>#!/bin/bash</a:t>
+            </a:r>
+          </a:p>
+          <a:p>
+            <a:pPr lvl="1"/>
+            <a:r>
+              <a:rPr lang="en-US" dirty="0" smtClean="0">
+                <a:latin typeface="Courier New" panose="02070309020205020404" pitchFamily="49" charset="0"/>
+                <a:cs typeface="Courier New" panose="02070309020205020404" pitchFamily="49" charset="0"/>
+              </a:rPr>
+              <a:t>export BOTO_CONFIG=~/.</a:t>
+            </a:r>
+            <a:r>
+              <a:rPr lang="en-US" dirty="0" err="1" smtClean="0">
+                <a:latin typeface="Courier New" panose="02070309020205020404" pitchFamily="49" charset="0"/>
+                <a:cs typeface="Courier New" panose="02070309020205020404" pitchFamily="49" charset="0"/>
+              </a:rPr>
+              <a:t>other_env_boto</a:t>
+            </a:r>
+            <a:endParaRPr lang="en-US" dirty="0" smtClean="0">
+              <a:latin typeface="Courier New" panose="02070309020205020404" pitchFamily="49" charset="0"/>
+              <a:cs typeface="Courier New" panose="02070309020205020404" pitchFamily="49" charset="0"/>
+            </a:endParaRPr>
+          </a:p>
+          <a:p>
+            <a:pPr lvl="1"/>
+            <a:r>
+              <a:rPr lang="en-US" dirty="0" smtClean="0">
+                <a:latin typeface="Courier New" panose="02070309020205020404" pitchFamily="49" charset="0"/>
+                <a:cs typeface="Courier New" panose="02070309020205020404" pitchFamily="49" charset="0"/>
+              </a:rPr>
+              <a:t>./other_env_script.py</a:t>
+            </a:r>
+          </a:p>
+          <a:p>
+            <a:endParaRPr lang="en-US" dirty="0" smtClean="0">
+              <a:cs typeface="Courier New" panose="02070309020205020404" pitchFamily="49" charset="0"/>
+            </a:endParaRPr>
+          </a:p>
+        </p:txBody>
+      </p:sp>
+      <p:sp>
+        <p:nvSpPr>
+          <p:cNvPr id="7" name="Content Placeholder 6"/>
+          <p:cNvSpPr>
+            <a:spLocks noGrp="1"/>
+          </p:cNvSpPr>
+          <p:nvPr>
+            <p:ph sz="half" idx="2"/>
+          </p:nvPr>
+        </p:nvSpPr>
+        <p:spPr/>
+        <p:txBody>
+          <a:bodyPr>
+            <a:normAutofit fontScale="92500" lnSpcReduction="10000"/>
+          </a:bodyPr>
+          <a:lstStyle/>
+          <a:p>
+            <a:r>
+              <a:rPr lang="en-US" dirty="0">
+                <a:cs typeface="Courier New" panose="02070309020205020404" pitchFamily="49" charset="0"/>
+              </a:rPr>
+              <a:t>New versions of </a:t>
+            </a:r>
+            <a:r>
+              <a:rPr lang="en-US" dirty="0" err="1">
+                <a:cs typeface="Courier New" panose="02070309020205020404" pitchFamily="49" charset="0"/>
+              </a:rPr>
+              <a:t>boto</a:t>
+            </a:r>
+            <a:r>
+              <a:rPr lang="en-US" dirty="0">
+                <a:cs typeface="Courier New" panose="02070309020205020404" pitchFamily="49" charset="0"/>
+              </a:rPr>
+              <a:t> also support profiles in a single .</a:t>
+            </a:r>
+            <a:r>
+              <a:rPr lang="en-US" dirty="0" err="1">
+                <a:cs typeface="Courier New" panose="02070309020205020404" pitchFamily="49" charset="0"/>
+              </a:rPr>
+              <a:t>boto</a:t>
+            </a:r>
+            <a:r>
+              <a:rPr lang="en-US" dirty="0">
+                <a:cs typeface="Courier New" panose="02070309020205020404" pitchFamily="49" charset="0"/>
+              </a:rPr>
+              <a:t> file</a:t>
+            </a:r>
+          </a:p>
+          <a:p>
+            <a:pPr lvl="1"/>
+            <a:r>
+              <a:rPr lang="en-US" dirty="0">
+                <a:latin typeface="Courier New" panose="02070309020205020404" pitchFamily="49" charset="0"/>
+                <a:cs typeface="Courier New" panose="02070309020205020404" pitchFamily="49" charset="0"/>
+              </a:rPr>
+              <a:t>[profile </a:t>
+            </a:r>
+            <a:r>
+              <a:rPr lang="en-US" dirty="0" err="1" smtClean="0">
+                <a:latin typeface="Courier New" panose="02070309020205020404" pitchFamily="49" charset="0"/>
+                <a:cs typeface="Courier New" panose="02070309020205020404" pitchFamily="49" charset="0"/>
+              </a:rPr>
+              <a:t>other_env</a:t>
+            </a:r>
+            <a:r>
+              <a:rPr lang="en-US" dirty="0" smtClean="0">
+                <a:latin typeface="Courier New" panose="02070309020205020404" pitchFamily="49" charset="0"/>
+                <a:cs typeface="Courier New" panose="02070309020205020404" pitchFamily="49" charset="0"/>
+              </a:rPr>
+              <a:t>]</a:t>
+            </a:r>
+            <a:endParaRPr lang="en-US" dirty="0">
+              <a:latin typeface="Courier New" panose="02070309020205020404" pitchFamily="49" charset="0"/>
+              <a:cs typeface="Courier New" panose="02070309020205020404" pitchFamily="49" charset="0"/>
+            </a:endParaRPr>
+          </a:p>
+          <a:p>
+            <a:pPr lvl="1"/>
+            <a:r>
+              <a:rPr lang="en-US" dirty="0" err="1">
+                <a:latin typeface="Courier New" panose="02070309020205020404" pitchFamily="49" charset="0"/>
+                <a:cs typeface="Courier New" panose="02070309020205020404" pitchFamily="49" charset="0"/>
+              </a:rPr>
+              <a:t>aws_access_key_id</a:t>
+            </a:r>
+            <a:r>
+              <a:rPr lang="en-US" dirty="0">
+                <a:latin typeface="Courier New" panose="02070309020205020404" pitchFamily="49" charset="0"/>
+                <a:cs typeface="Courier New" panose="02070309020205020404" pitchFamily="49" charset="0"/>
+              </a:rPr>
+              <a:t> = &lt;access key for </a:t>
+            </a:r>
+            <a:r>
+              <a:rPr lang="en-US" dirty="0" smtClean="0">
+                <a:latin typeface="Courier New" panose="02070309020205020404" pitchFamily="49" charset="0"/>
+                <a:cs typeface="Courier New" panose="02070309020205020404" pitchFamily="49" charset="0"/>
+              </a:rPr>
+              <a:t>the other </a:t>
+            </a:r>
+            <a:r>
+              <a:rPr lang="en-US" dirty="0" err="1" smtClean="0">
+                <a:latin typeface="Courier New" panose="02070309020205020404" pitchFamily="49" charset="0"/>
+                <a:cs typeface="Courier New" panose="02070309020205020404" pitchFamily="49" charset="0"/>
+              </a:rPr>
+              <a:t>env</a:t>
+            </a:r>
+            <a:r>
+              <a:rPr lang="en-US" dirty="0" smtClean="0">
+                <a:latin typeface="Courier New" panose="02070309020205020404" pitchFamily="49" charset="0"/>
+                <a:cs typeface="Courier New" panose="02070309020205020404" pitchFamily="49" charset="0"/>
+              </a:rPr>
+              <a:t>&gt;</a:t>
+            </a:r>
+            <a:endParaRPr lang="en-US" dirty="0">
+              <a:latin typeface="Courier New" panose="02070309020205020404" pitchFamily="49" charset="0"/>
+              <a:cs typeface="Courier New" panose="02070309020205020404" pitchFamily="49" charset="0"/>
+            </a:endParaRPr>
+          </a:p>
+          <a:p>
+            <a:pPr lvl="1"/>
+            <a:r>
+              <a:rPr lang="en-US" dirty="0" err="1">
+                <a:latin typeface="Courier New" panose="02070309020205020404" pitchFamily="49" charset="0"/>
+                <a:cs typeface="Courier New" panose="02070309020205020404" pitchFamily="49" charset="0"/>
+              </a:rPr>
+              <a:t>aws_secret_access_key</a:t>
+            </a:r>
+            <a:r>
+              <a:rPr lang="en-US" dirty="0">
+                <a:latin typeface="Courier New" panose="02070309020205020404" pitchFamily="49" charset="0"/>
+                <a:cs typeface="Courier New" panose="02070309020205020404" pitchFamily="49" charset="0"/>
+              </a:rPr>
+              <a:t> = &lt;secret key for </a:t>
+            </a:r>
+            <a:r>
+              <a:rPr lang="en-US" dirty="0" smtClean="0">
+                <a:latin typeface="Courier New" panose="02070309020205020404" pitchFamily="49" charset="0"/>
+                <a:cs typeface="Courier New" panose="02070309020205020404" pitchFamily="49" charset="0"/>
+              </a:rPr>
+              <a:t>the other </a:t>
+            </a:r>
+            <a:r>
+              <a:rPr lang="en-US" dirty="0" err="1" smtClean="0">
+                <a:latin typeface="Courier New" panose="02070309020205020404" pitchFamily="49" charset="0"/>
+                <a:cs typeface="Courier New" panose="02070309020205020404" pitchFamily="49" charset="0"/>
+              </a:rPr>
+              <a:t>env</a:t>
+            </a:r>
+            <a:r>
+              <a:rPr lang="en-US" dirty="0" smtClean="0">
+                <a:latin typeface="Courier New" panose="02070309020205020404" pitchFamily="49" charset="0"/>
+                <a:cs typeface="Courier New" panose="02070309020205020404" pitchFamily="49" charset="0"/>
+              </a:rPr>
+              <a:t>&gt;</a:t>
+            </a:r>
+            <a:endParaRPr lang="en-US" dirty="0">
+              <a:latin typeface="Courier New" panose="02070309020205020404" pitchFamily="49" charset="0"/>
+              <a:cs typeface="Courier New" panose="02070309020205020404" pitchFamily="49" charset="0"/>
+            </a:endParaRPr>
+          </a:p>
+          <a:p>
+            <a:pPr lvl="1"/>
+            <a:endParaRPr lang="en-US" dirty="0">
+              <a:latin typeface="Courier New" panose="02070309020205020404" pitchFamily="49" charset="0"/>
+              <a:cs typeface="Courier New" panose="02070309020205020404" pitchFamily="49" charset="0"/>
+            </a:endParaRPr>
+          </a:p>
+          <a:p>
+            <a:pPr lvl="1"/>
+            <a:r>
+              <a:rPr lang="en-US" dirty="0">
+                <a:latin typeface="Courier New" panose="02070309020205020404" pitchFamily="49" charset="0"/>
+                <a:cs typeface="Courier New" panose="02070309020205020404" pitchFamily="49" charset="0"/>
+              </a:rPr>
+              <a:t>[Credentials]</a:t>
+            </a:r>
+          </a:p>
+          <a:p>
+            <a:pPr lvl="1"/>
+            <a:r>
+              <a:rPr lang="en-US" dirty="0" err="1">
+                <a:latin typeface="Courier New" panose="02070309020205020404" pitchFamily="49" charset="0"/>
+                <a:cs typeface="Courier New" panose="02070309020205020404" pitchFamily="49" charset="0"/>
+              </a:rPr>
+              <a:t>aws_access_key_id</a:t>
+            </a:r>
+            <a:r>
+              <a:rPr lang="en-US" dirty="0">
+                <a:latin typeface="Courier New" panose="02070309020205020404" pitchFamily="49" charset="0"/>
+                <a:cs typeface="Courier New" panose="02070309020205020404" pitchFamily="49" charset="0"/>
+              </a:rPr>
+              <a:t> = &lt;your default access key&gt;</a:t>
+            </a:r>
+          </a:p>
+          <a:p>
+            <a:pPr lvl="1"/>
+            <a:r>
+              <a:rPr lang="en-US" dirty="0" err="1">
+                <a:latin typeface="Courier New" panose="02070309020205020404" pitchFamily="49" charset="0"/>
+                <a:cs typeface="Courier New" panose="02070309020205020404" pitchFamily="49" charset="0"/>
+              </a:rPr>
+              <a:t>aws_secret_access_key</a:t>
+            </a:r>
+            <a:r>
+              <a:rPr lang="en-US" dirty="0">
+                <a:latin typeface="Courier New" panose="02070309020205020404" pitchFamily="49" charset="0"/>
+                <a:cs typeface="Courier New" panose="02070309020205020404" pitchFamily="49" charset="0"/>
+              </a:rPr>
+              <a:t> = &lt;your default secret key&gt;</a:t>
+            </a:r>
+          </a:p>
+          <a:p>
+            <a:endParaRPr lang="en-US" dirty="0"/>
+          </a:p>
+        </p:txBody>
+      </p:sp>
+    </p:spTree>
+    <p:extLst>
+      <p:ext uri="{BB962C8B-B14F-4D97-AF65-F5344CB8AC3E}">
+        <p14:creationId xmlns:p14="http://schemas.microsoft.com/office/powerpoint/2010/main" val="2303498547"/>
+      </p:ext>
+    </p:extLst>
+  </p:cSld>
+  <p:clrMapOvr>
+    <a:masterClrMapping/>
+  </p:clrMapOvr>
+</p:sld>
+</file>
+
+<file path=ppt/slides/slide22.xml><?xml version="1.0" encoding="utf-8"?>
+<p:sld xmlns:a="http://schemas.openxmlformats.org/drawingml/2006/main" xmlns:r="http://schemas.openxmlformats.org/officeDocument/2006/relationships" xmlns:p="http://schemas.openxmlformats.org/presentationml/2006/main">
+  <p:cSld>
+    <p:spTree>
+      <p:nvGrpSpPr>
+        <p:cNvPr id="1" name=""/>
+        <p:cNvGrpSpPr/>
+        <p:nvPr/>
+      </p:nvGrpSpPr>
+      <p:grpSpPr>
+        <a:xfrm>
+          <a:off x="0" y="0"/>
+          <a:ext cx="0" cy="0"/>
+          <a:chOff x="0" y="0"/>
+          <a:chExt cx="0" cy="0"/>
+        </a:xfrm>
+      </p:grpSpPr>
+      <p:sp>
+        <p:nvSpPr>
+          <p:cNvPr id="2" name="Title 1"/>
+          <p:cNvSpPr>
+            <a:spLocks noGrp="1"/>
+          </p:cNvSpPr>
+          <p:nvPr>
+            <p:ph type="title"/>
+          </p:nvPr>
+        </p:nvSpPr>
+        <p:spPr/>
+        <p:txBody>
+          <a:bodyPr>
+            <a:normAutofit fontScale="90000"/>
+          </a:bodyPr>
+          <a:lstStyle/>
+          <a:p>
+            <a:r>
+              <a:rPr lang="en-US" sz="4400" b="1" dirty="0" smtClean="0"/>
+              <a:t/>
+            </a:r>
+            <a:br>
+              <a:rPr lang="en-US" sz="4400" b="1" dirty="0" smtClean="0"/>
+            </a:br>
+            <a:r>
+              <a:rPr lang="en-US" sz="4400" dirty="0">
+                <a:hlinkClick r:id="rId2"/>
+              </a:rPr>
+              <a:t>https://boto.readthedocs.org/en/latest/</a:t>
+            </a:r>
+            <a:r>
+              <a:rPr lang="en-US" sz="4400" dirty="0"/>
+              <a:t/>
+            </a:r>
+            <a:br>
+              <a:rPr lang="en-US" sz="4400" dirty="0"/>
+            </a:br>
+            <a:r>
+              <a:rPr lang="en-US" sz="4400" dirty="0">
+                <a:hlinkClick r:id="rId3"/>
+              </a:rPr>
+              <a:t>https</a:t>
+            </a:r>
+            <a:r>
+              <a:rPr lang="en-US" sz="4400" dirty="0">
+                <a:hlinkClick r:id="rId3"/>
+              </a:rPr>
+              <a:t>://boto.readthedocs.org/en/latest/ec2_tut.html</a:t>
+            </a:r>
+            <a:r>
+              <a:rPr lang="en-US" sz="4400" dirty="0"/>
+              <a:t/>
+            </a:r>
+            <a:br>
+              <a:rPr lang="en-US" sz="4400" dirty="0"/>
+            </a:br>
+            <a:endParaRPr lang="en-US" sz="4400" dirty="0"/>
+          </a:p>
+        </p:txBody>
+      </p:sp>
+      <p:sp>
+        <p:nvSpPr>
+          <p:cNvPr id="3" name="Content Placeholder 2"/>
+          <p:cNvSpPr>
+            <a:spLocks noGrp="1"/>
+          </p:cNvSpPr>
+          <p:nvPr>
+            <p:ph sz="half" idx="1"/>
+          </p:nvPr>
+        </p:nvSpPr>
+        <p:spPr/>
+        <p:txBody>
+          <a:bodyPr>
+            <a:noAutofit/>
+          </a:bodyPr>
+          <a:lstStyle/>
+          <a:p>
+            <a:pPr marL="0" indent="0">
+              <a:buNone/>
+            </a:pPr>
+            <a:r>
+              <a:rPr lang="en-US" b="1" dirty="0"/>
+              <a:t>Launching Instances</a:t>
+            </a:r>
+          </a:p>
+          <a:p>
+            <a:pPr marL="0" indent="0">
+              <a:buNone/>
+            </a:pPr>
+            <a:endParaRPr lang="en-US" b="1" dirty="0"/>
+          </a:p>
+          <a:p>
+            <a:pPr marL="0" indent="0">
+              <a:buNone/>
+            </a:pPr>
+            <a:r>
+              <a:rPr lang="en-US" b="1" dirty="0"/>
+              <a:t>Stopping Instances</a:t>
+            </a:r>
+          </a:p>
+          <a:p>
+            <a:pPr marL="0" indent="0">
+              <a:buNone/>
+            </a:pPr>
+            <a:endParaRPr lang="en-US" b="1" dirty="0"/>
+          </a:p>
+          <a:p>
+            <a:pPr marL="0" indent="0">
+              <a:buNone/>
+            </a:pPr>
+            <a:r>
+              <a:rPr lang="en-US" b="1" dirty="0"/>
+              <a:t>Terminating Instances</a:t>
+            </a:r>
+          </a:p>
+          <a:p>
+            <a:pPr marL="0" indent="0">
+              <a:buNone/>
+            </a:pPr>
+            <a:endParaRPr lang="en-US" sz="2000" b="1" dirty="0"/>
+          </a:p>
+        </p:txBody>
+      </p:sp>
+      <p:sp>
+        <p:nvSpPr>
+          <p:cNvPr id="4" name="Content Placeholder 3"/>
+          <p:cNvSpPr>
+            <a:spLocks noGrp="1"/>
+          </p:cNvSpPr>
+          <p:nvPr>
+            <p:ph sz="half" idx="2"/>
+          </p:nvPr>
+        </p:nvSpPr>
+        <p:spPr/>
+        <p:txBody>
+          <a:bodyPr/>
+          <a:lstStyle/>
+          <a:p>
+            <a:pPr marL="0" indent="0">
+              <a:buNone/>
+            </a:pPr>
+            <a:r>
+              <a:rPr lang="en-US" b="1" dirty="0"/>
+              <a:t>Checking Health Status Of Instances</a:t>
+            </a:r>
+          </a:p>
+          <a:p>
+            <a:pPr marL="0" indent="0">
+              <a:buNone/>
+            </a:pPr>
+            <a:endParaRPr lang="en-US" b="1" dirty="0"/>
+          </a:p>
+          <a:p>
+            <a:pPr marL="0" indent="0">
+              <a:buNone/>
+            </a:pPr>
+            <a:r>
+              <a:rPr lang="en-US" b="1" dirty="0"/>
+              <a:t>Using Elastic Block Storage (EBS)</a:t>
+            </a:r>
+          </a:p>
+          <a:p>
+            <a:pPr marL="0" indent="0">
+              <a:buNone/>
+            </a:pPr>
+            <a:endParaRPr lang="en-US" b="1" dirty="0"/>
+          </a:p>
+          <a:p>
+            <a:pPr marL="0" indent="0">
+              <a:buNone/>
+            </a:pPr>
+            <a:r>
+              <a:rPr lang="en-US" b="1" dirty="0"/>
+              <a:t>Working With Snapshots</a:t>
+            </a:r>
+          </a:p>
+          <a:p>
+            <a:endParaRPr lang="en-US" dirty="0"/>
+          </a:p>
+        </p:txBody>
+      </p:sp>
+    </p:spTree>
+    <p:extLst>
+      <p:ext uri="{BB962C8B-B14F-4D97-AF65-F5344CB8AC3E}">
+        <p14:creationId xmlns:p14="http://schemas.microsoft.com/office/powerpoint/2010/main" val="2104602333"/>
+      </p:ext>
+    </p:extLst>
+  </p:cSld>
+  <p:clrMapOvr>
+    <a:masterClrMapping/>
+  </p:clrMapOvr>
 </p:sld>
 </file>
 
@@ -4921,16 +7182,21 @@
           <a:lstStyle/>
           <a:p>
             <a:r>
-              <a:rPr lang="en-US" sz="3600" b="1" dirty="0" smtClean="0"/>
-              <a:t>Accessing AWS objects with </a:t>
-            </a:r>
-            <a:r>
-              <a:rPr lang="en-US" sz="3600" b="1" dirty="0" err="1" smtClean="0"/>
+              <a:rPr lang="en-US" sz="3600" b="1" dirty="0"/>
+              <a:t>What is </a:t>
+            </a:r>
+            <a:r>
+              <a:rPr lang="en-US" sz="3600" b="1" dirty="0" err="1"/>
               <a:t>Boto</a:t>
             </a:r>
-            <a:endParaRPr lang="en-US" sz="3600" b="1" dirty="0" smtClean="0"/>
-          </a:p>
-          <a:p>
+            <a:r>
+              <a:rPr lang="en-US" sz="3600" b="1" dirty="0"/>
+              <a:t>? </a:t>
+            </a:r>
+            <a:r>
+              <a:rPr lang="en-US" sz="3600" b="1" dirty="0"/>
+              <a:t>What Does it Do?</a:t>
+            </a:r>
             <a:r>
               <a:rPr lang="en-US" sz="3600" b="1" dirty="0" smtClean="0"/>
               <a:t/>
@@ -4938,27 +7204,16 @@
             <a:br>
               <a:rPr lang="en-US" sz="3600" b="1" dirty="0" smtClean="0"/>
             </a:br>
+            <a:endParaRPr lang="en-US" sz="3600" b="1" dirty="0" smtClean="0"/>
+          </a:p>
+          <a:p>
             <a:r>
               <a:rPr lang="en-US" sz="3600" b="1" dirty="0" smtClean="0"/>
-              <a:t>Configuring the environment for running </a:t>
-            </a:r>
-            <a:r>
-              <a:rPr lang="en-US" sz="3600" b="1" dirty="0" err="1" smtClean="0"/>
-              <a:t>Boto</a:t>
-            </a:r>
-            <a:endParaRPr lang="en-US" sz="3600" b="1" dirty="0" smtClean="0"/>
-          </a:p>
-          <a:p>
-            <a:endParaRPr lang="en-US" sz="3600" b="1" dirty="0" smtClean="0"/>
-          </a:p>
-          <a:p>
-            <a:r>
-              <a:rPr lang="en-US" sz="3600" b="1" dirty="0"/>
-              <a:t>Tips</a:t>
+              <a:t>Tips </a:t>
             </a:r>
             <a:r>
               <a:rPr lang="en-US" sz="3600" b="1" dirty="0" smtClean="0"/>
-              <a:t> for automating EC2 objects with </a:t>
+              <a:t>for automating EC2 objects with </a:t>
             </a:r>
             <a:r>
               <a:rPr lang="en-US" sz="3600" b="1" dirty="0" err="1" smtClean="0"/>
@@ -5249,12 +7504,43 @@
       </p:grpSpPr>
       <p:sp>
         <p:nvSpPr>
-          <p:cNvPr id="5" name="Title 4"/>
+          <p:cNvPr id="2" name="Title 1"/>
           <p:cNvSpPr>
             <a:spLocks noGrp="1"/>
           </p:cNvSpPr>
           <p:nvPr>
             <p:ph type="title"/>
+          </p:nvPr>
+        </p:nvSpPr>
+        <p:spPr/>
+        <p:txBody>
+          <a:bodyPr/>
+          <a:lstStyle/>
+          <a:p>
+            <a:r>
+              <a:rPr lang="en-US" dirty="0" smtClean="0"/>
+              <a:t>#1 Use ~/.</a:t>
+            </a:r>
+            <a:r>
+              <a:rPr lang="en-US" dirty="0" err="1" smtClean="0"/>
+              <a:t>boto</a:t>
+            </a:r>
+            <a:r>
+              <a:rPr lang="en-US" dirty="0" smtClean="0"/>
+              <a:t> for Credentials</a:t>
+            </a:r>
+            <a:endParaRPr lang="en-US" dirty="0"/>
+          </a:p>
+        </p:txBody>
+      </p:sp>
+      <p:sp>
+        <p:nvSpPr>
+          <p:cNvPr id="3" name="Content Placeholder 2"/>
+          <p:cNvSpPr>
+            <a:spLocks noGrp="1"/>
+          </p:cNvSpPr>
+          <p:nvPr>
+            <p:ph idx="1"/>
           </p:nvPr>
         </p:nvSpPr>
         <p:spPr/>
@@ -5265,42 +7551,221 @@
           <a:lstStyle/>
           <a:p>
             <a:r>
+              <a:rPr lang="en-US" dirty="0" err="1" smtClean="0"/>
+              <a:t>Boto</a:t>
+            </a:r>
+            <a:r>
               <a:rPr lang="en-US" dirty="0" smtClean="0"/>
-              <a:t>Accessing AWS Objects</a:t>
-            </a:r>
-            <a:endParaRPr lang="en-US" dirty="0"/>
-          </a:p>
-        </p:txBody>
-      </p:sp>
-      <p:sp>
-        <p:nvSpPr>
-          <p:cNvPr id="6" name="Content Placeholder 5"/>
-          <p:cNvSpPr>
-            <a:spLocks noGrp="1"/>
-          </p:cNvSpPr>
-          <p:nvPr>
-            <p:ph idx="1"/>
-          </p:nvPr>
-        </p:nvSpPr>
-        <p:spPr/>
-        <p:txBody>
-          <a:bodyPr/>
-          <a:lstStyle/>
-          <a:p>
-            <a:endParaRPr lang="en-US" dirty="0"/>
+              <a:t> requires access to your AWS account using access keys</a:t>
+            </a:r>
+          </a:p>
+          <a:p>
+            <a:r>
+              <a:rPr lang="en-US" dirty="0" smtClean="0"/>
+              <a:t>Don’t embed them in your scripts:</a:t>
+            </a:r>
+          </a:p>
+          <a:p>
+            <a:pPr lvl="3"/>
+            <a:r>
+              <a:rPr lang="en-US" dirty="0">
+                <a:latin typeface="Courier New" panose="02070309020205020404" pitchFamily="49" charset="0"/>
+                <a:cs typeface="Courier New" panose="02070309020205020404" pitchFamily="49" charset="0"/>
+              </a:rPr>
+              <a:t>#!/</a:t>
+            </a:r>
+            <a:r>
+              <a:rPr lang="en-US" dirty="0" err="1">
+                <a:latin typeface="Courier New" panose="02070309020205020404" pitchFamily="49" charset="0"/>
+                <a:cs typeface="Courier New" panose="02070309020205020404" pitchFamily="49" charset="0"/>
+              </a:rPr>
+              <a:t>usr</a:t>
+            </a:r>
+            <a:r>
+              <a:rPr lang="en-US" dirty="0">
+                <a:latin typeface="Courier New" panose="02070309020205020404" pitchFamily="49" charset="0"/>
+                <a:cs typeface="Courier New" panose="02070309020205020404" pitchFamily="49" charset="0"/>
+              </a:rPr>
+              <a:t>/bin/python</a:t>
+            </a:r>
+          </a:p>
+          <a:p>
+            <a:pPr lvl="3"/>
+            <a:r>
+              <a:rPr lang="en-US" dirty="0">
+                <a:latin typeface="Courier New" panose="02070309020205020404" pitchFamily="49" charset="0"/>
+                <a:cs typeface="Courier New" panose="02070309020205020404" pitchFamily="49" charset="0"/>
+              </a:rPr>
+              <a:t>import </a:t>
+            </a:r>
+            <a:r>
+              <a:rPr lang="en-US" dirty="0" err="1">
+                <a:latin typeface="Courier New" panose="02070309020205020404" pitchFamily="49" charset="0"/>
+                <a:cs typeface="Courier New" panose="02070309020205020404" pitchFamily="49" charset="0"/>
+              </a:rPr>
+              <a:t>boto</a:t>
+            </a:r>
+            <a:endParaRPr lang="en-US" dirty="0">
+              <a:latin typeface="Courier New" panose="02070309020205020404" pitchFamily="49" charset="0"/>
+              <a:cs typeface="Courier New" panose="02070309020205020404" pitchFamily="49" charset="0"/>
+            </a:endParaRPr>
+          </a:p>
+          <a:p>
+            <a:pPr lvl="3"/>
+            <a:r>
+              <a:rPr lang="en-US" dirty="0" smtClean="0">
+                <a:latin typeface="Courier New" panose="02070309020205020404" pitchFamily="49" charset="0"/>
+                <a:cs typeface="Courier New" panose="02070309020205020404" pitchFamily="49" charset="0"/>
+              </a:rPr>
+              <a:t>conn </a:t>
+            </a:r>
+            <a:r>
+              <a:rPr lang="en-US" dirty="0">
+                <a:latin typeface="Courier New" panose="02070309020205020404" pitchFamily="49" charset="0"/>
+                <a:cs typeface="Courier New" panose="02070309020205020404" pitchFamily="49" charset="0"/>
+              </a:rPr>
+              <a:t>= EC2Connection(</a:t>
+            </a:r>
+            <a:r>
+              <a:rPr lang="en-US" dirty="0" err="1">
+                <a:latin typeface="Courier New" panose="02070309020205020404" pitchFamily="49" charset="0"/>
+                <a:cs typeface="Courier New" panose="02070309020205020404" pitchFamily="49" charset="0"/>
+              </a:rPr>
+              <a:t>access_key</a:t>
+            </a:r>
+            <a:r>
+              <a:rPr lang="en-US" dirty="0">
+                <a:latin typeface="Courier New" panose="02070309020205020404" pitchFamily="49" charset="0"/>
+                <a:cs typeface="Courier New" panose="02070309020205020404" pitchFamily="49" charset="0"/>
+              </a:rPr>
+              <a:t>, </a:t>
+            </a:r>
+            <a:r>
+              <a:rPr lang="en-US" dirty="0" err="1">
+                <a:latin typeface="Courier New" panose="02070309020205020404" pitchFamily="49" charset="0"/>
+                <a:cs typeface="Courier New" panose="02070309020205020404" pitchFamily="49" charset="0"/>
+              </a:rPr>
+              <a:t>secret_key</a:t>
+            </a:r>
+            <a:r>
+              <a:rPr lang="en-US" dirty="0">
+                <a:latin typeface="Courier New" panose="02070309020205020404" pitchFamily="49" charset="0"/>
+                <a:cs typeface="Courier New" panose="02070309020205020404" pitchFamily="49" charset="0"/>
+              </a:rPr>
+              <a:t>)</a:t>
+            </a:r>
+          </a:p>
+          <a:p>
+            <a:r>
+              <a:rPr lang="en-US" dirty="0" smtClean="0"/>
+              <a:t>Keep them in ~/.</a:t>
+            </a:r>
+            <a:r>
+              <a:rPr lang="en-US" dirty="0" err="1" smtClean="0"/>
+              <a:t>boto</a:t>
+            </a:r>
+            <a:r>
+              <a:rPr lang="en-US" dirty="0" smtClean="0"/>
+              <a:t>, your </a:t>
+            </a:r>
+            <a:r>
+              <a:rPr lang="en-US" dirty="0" err="1" smtClean="0"/>
+              <a:t>boto</a:t>
+            </a:r>
+            <a:r>
+              <a:rPr lang="en-US" dirty="0" smtClean="0"/>
+              <a:t> config file: </a:t>
+            </a:r>
+          </a:p>
+          <a:p>
+            <a:pPr lvl="3"/>
+            <a:r>
+              <a:rPr lang="en-US" dirty="0">
+                <a:latin typeface="Courier New" panose="02070309020205020404" pitchFamily="49" charset="0"/>
+                <a:cs typeface="Courier New" panose="02070309020205020404" pitchFamily="49" charset="0"/>
+              </a:rPr>
+              <a:t>[Credentials]</a:t>
+            </a:r>
+          </a:p>
+          <a:p>
+            <a:pPr lvl="3"/>
+            <a:r>
+              <a:rPr lang="en-US" dirty="0" err="1">
+                <a:latin typeface="Courier New" panose="02070309020205020404" pitchFamily="49" charset="0"/>
+                <a:cs typeface="Courier New" panose="02070309020205020404" pitchFamily="49" charset="0"/>
+              </a:rPr>
+              <a:t>aws_access_key_id</a:t>
+            </a:r>
+            <a:r>
+              <a:rPr lang="en-US" dirty="0">
+                <a:latin typeface="Courier New" panose="02070309020205020404" pitchFamily="49" charset="0"/>
+                <a:cs typeface="Courier New" panose="02070309020205020404" pitchFamily="49" charset="0"/>
+              </a:rPr>
+              <a:t> = &lt;your access key&gt;</a:t>
+            </a:r>
+          </a:p>
+          <a:p>
+            <a:pPr lvl="3"/>
+            <a:r>
+              <a:rPr lang="en-US" dirty="0" err="1" smtClean="0">
+                <a:latin typeface="Courier New" panose="02070309020205020404" pitchFamily="49" charset="0"/>
+                <a:cs typeface="Courier New" panose="02070309020205020404" pitchFamily="49" charset="0"/>
+              </a:rPr>
+              <a:t>aws_secret_access_key</a:t>
+            </a:r>
+            <a:r>
+              <a:rPr lang="en-US" dirty="0" smtClean="0">
+                <a:latin typeface="Courier New" panose="02070309020205020404" pitchFamily="49" charset="0"/>
+                <a:cs typeface="Courier New" panose="02070309020205020404" pitchFamily="49" charset="0"/>
+              </a:rPr>
+              <a:t> </a:t>
+            </a:r>
+            <a:r>
+              <a:rPr lang="en-US" dirty="0">
+                <a:latin typeface="Courier New" panose="02070309020205020404" pitchFamily="49" charset="0"/>
+                <a:cs typeface="Courier New" panose="02070309020205020404" pitchFamily="49" charset="0"/>
+              </a:rPr>
+              <a:t>= &lt;your secret key</a:t>
+            </a:r>
+            <a:r>
+              <a:rPr lang="en-US" dirty="0" smtClean="0">
+                <a:latin typeface="Courier New" panose="02070309020205020404" pitchFamily="49" charset="0"/>
+                <a:cs typeface="Courier New" panose="02070309020205020404" pitchFamily="49" charset="0"/>
+              </a:rPr>
+              <a:t>&gt;</a:t>
+            </a:r>
+          </a:p>
+          <a:p>
+            <a:r>
+              <a:rPr lang="en-US" dirty="0"/>
+              <a:t>This helps keep your credentials safe(r) and makes sharing scripts easier</a:t>
+            </a:r>
+          </a:p>
+          <a:p>
+            <a:endParaRPr lang="en-US" dirty="0">
+              <a:latin typeface="Courier New" panose="02070309020205020404" pitchFamily="49" charset="0"/>
+              <a:cs typeface="Courier New" panose="02070309020205020404" pitchFamily="49" charset="0"/>
+            </a:endParaRPr>
           </a:p>
         </p:txBody>
       </p:sp>
     </p:spTree>
     <p:extLst>
       <p:ext uri="{BB962C8B-B14F-4D97-AF65-F5344CB8AC3E}">
-        <p14:creationId xmlns:p14="http://schemas.microsoft.com/office/powerpoint/2010/main" val="2167728312"/>
+        <p14:creationId xmlns:p14="http://schemas.microsoft.com/office/powerpoint/2010/main" val="946648618"/>
       </p:ext>
     </p:extLst>
   </p:cSld>
   <p:clrMapOvr>
     <a:masterClrMapping/>
   </p:clrMapOvr>
+  <p:timing>
+    <p:tnLst>
+      <p:par>
+        <p:cTn id="1" dur="indefinite" restart="never" nodeType="tmRoot"/>
+      </p:par>
+    </p:tnLst>
+  </p:timing>
 </p:sld>
 </file>
 
@@ -5334,65 +7799,256 @@
         <p:spPr/>
         <p:txBody>
           <a:bodyPr>
+            <a:normAutofit/>
+          </a:bodyPr>
+          <a:lstStyle/>
+          <a:p>
+            <a:r>
+              <a:rPr lang="en-US" dirty="0" smtClean="0"/>
+              <a:t>#2 Connect to the console</a:t>
+            </a:r>
+            <a:endParaRPr lang="en-US" dirty="0"/>
+          </a:p>
+        </p:txBody>
+      </p:sp>
+      <p:sp>
+        <p:nvSpPr>
+          <p:cNvPr id="3" name="Content Placeholder 2"/>
+          <p:cNvSpPr>
+            <a:spLocks noGrp="1"/>
+          </p:cNvSpPr>
+          <p:nvPr>
+            <p:ph idx="1"/>
+          </p:nvPr>
+        </p:nvSpPr>
+        <p:spPr>
+          <a:xfrm>
+            <a:off x="676656" y="2011680"/>
+            <a:ext cx="10753725" cy="4404360"/>
+          </a:xfrm>
+        </p:spPr>
+        <p:txBody>
+          <a:bodyPr>
             <a:noAutofit/>
           </a:bodyPr>
           <a:lstStyle/>
           <a:p>
             <a:r>
+              <a:rPr lang="en-US" dirty="0" smtClean="0"/>
+              <a:t>Connect to the console using the EC2Connection() function</a:t>
+            </a:r>
+          </a:p>
+          <a:p>
+            <a:pPr lvl="3"/>
+            <a:r>
+              <a:rPr lang="en-US" dirty="0">
+                <a:latin typeface="Courier New" panose="02070309020205020404" pitchFamily="49" charset="0"/>
+                <a:cs typeface="Courier New" panose="02070309020205020404" pitchFamily="49" charset="0"/>
+              </a:rPr>
+              <a:t>console = boto.ec2.EC2Connection</a:t>
+            </a:r>
+            <a:r>
+              <a:rPr lang="en-US" dirty="0" smtClean="0">
+                <a:latin typeface="Courier New" panose="02070309020205020404" pitchFamily="49" charset="0"/>
+                <a:cs typeface="Courier New" panose="02070309020205020404" pitchFamily="49" charset="0"/>
+              </a:rPr>
+              <a:t>()</a:t>
+            </a:r>
+          </a:p>
+          <a:p>
+            <a:r>
               <a:rPr lang="en-US" dirty="0"/>
-              <a:t/>
-            </a:r>
-            <a:br>
-              <a:rPr lang="en-US" dirty="0"/>
-            </a:br>
-            <a:r>
-              <a:rPr lang="en-US" dirty="0"/>
-              <a:t>Configuring the </a:t>
-            </a:r>
+              <a:t>Note that there are different connecters for different services</a:t>
+            </a:r>
+            <a:endParaRPr lang="en-US" dirty="0"/>
+          </a:p>
+          <a:p>
+            <a:pPr lvl="3"/>
+            <a:r>
+              <a:rPr lang="en-US" dirty="0" smtClean="0">
+                <a:latin typeface="Courier New" panose="02070309020205020404" pitchFamily="49" charset="0"/>
+                <a:cs typeface="Courier New" panose="02070309020205020404" pitchFamily="49" charset="0"/>
+              </a:rPr>
+              <a:t>console_s3 </a:t>
+            </a:r>
+            <a:r>
+              <a:rPr lang="en-US" dirty="0">
+                <a:latin typeface="Courier New" panose="02070309020205020404" pitchFamily="49" charset="0"/>
+                <a:cs typeface="Courier New" panose="02070309020205020404" pitchFamily="49" charset="0"/>
+              </a:rPr>
+              <a:t>= boto.connect_s3()</a:t>
+            </a:r>
+            <a:endParaRPr lang="en-US" dirty="0">
+              <a:latin typeface="Courier New" panose="02070309020205020404" pitchFamily="49" charset="0"/>
+              <a:cs typeface="Courier New" panose="02070309020205020404" pitchFamily="49" charset="0"/>
+            </a:endParaRPr>
+          </a:p>
+          <a:p>
             <a:r>
               <a:rPr lang="en-US" dirty="0" smtClean="0"/>
-              <a:t>Environment</a:t>
-            </a:r>
-            <a:r>
-              <a:rPr lang="en-US" dirty="0"/>
-              <a:t/>
-            </a:r>
-            <a:br>
-              <a:rPr lang="en-US" dirty="0"/>
-            </a:br>
-            <a:endParaRPr lang="en-US" dirty="0"/>
-          </a:p>
-        </p:txBody>
-      </p:sp>
-      <p:sp>
-        <p:nvSpPr>
-          <p:cNvPr id="3" name="Content Placeholder 2"/>
-          <p:cNvSpPr>
-            <a:spLocks noGrp="1"/>
-          </p:cNvSpPr>
-          <p:nvPr>
-            <p:ph idx="1"/>
-          </p:nvPr>
-        </p:nvSpPr>
-        <p:spPr/>
-        <p:txBody>
-          <a:bodyPr/>
-          <a:lstStyle/>
-          <a:p>
-            <a:endParaRPr lang="en-US" dirty="0"/>
+              <a:t>After you are connected, get the objects that you want to work with</a:t>
+            </a:r>
+          </a:p>
+          <a:p>
+            <a:pPr lvl="3"/>
+            <a:r>
+              <a:rPr lang="en-US" dirty="0" smtClean="0">
+                <a:latin typeface="Courier New" panose="02070309020205020404" pitchFamily="49" charset="0"/>
+                <a:cs typeface="Courier New" panose="02070309020205020404" pitchFamily="49" charset="0"/>
+              </a:rPr>
+              <a:t># </a:t>
+            </a:r>
+            <a:r>
+              <a:rPr lang="en-US" dirty="0">
+                <a:latin typeface="Courier New" panose="02070309020205020404" pitchFamily="49" charset="0"/>
+                <a:cs typeface="Courier New" panose="02070309020205020404" pitchFamily="49" charset="0"/>
+              </a:rPr>
+              <a:t>get volumes</a:t>
+            </a:r>
+          </a:p>
+          <a:p>
+            <a:pPr lvl="3"/>
+            <a:r>
+              <a:rPr lang="en-US" dirty="0">
+                <a:latin typeface="Courier New" panose="02070309020205020404" pitchFamily="49" charset="0"/>
+                <a:cs typeface="Courier New" panose="02070309020205020404" pitchFamily="49" charset="0"/>
+              </a:rPr>
+              <a:t>volumes = </a:t>
+            </a:r>
+            <a:r>
+              <a:rPr lang="en-US" b="1" dirty="0" err="1">
+                <a:latin typeface="Courier New" panose="02070309020205020404" pitchFamily="49" charset="0"/>
+                <a:cs typeface="Courier New" panose="02070309020205020404" pitchFamily="49" charset="0"/>
+              </a:rPr>
+              <a:t>console.get_all_volumes</a:t>
+            </a:r>
+            <a:r>
+              <a:rPr lang="en-US" b="1" dirty="0">
+                <a:latin typeface="Courier New" panose="02070309020205020404" pitchFamily="49" charset="0"/>
+                <a:cs typeface="Courier New" panose="02070309020205020404" pitchFamily="49" charset="0"/>
+              </a:rPr>
+              <a:t>()</a:t>
+            </a:r>
+          </a:p>
+          <a:p>
+            <a:pPr lvl="3"/>
+            <a:r>
+              <a:rPr lang="en-US" dirty="0">
+                <a:latin typeface="Courier New" panose="02070309020205020404" pitchFamily="49" charset="0"/>
+                <a:cs typeface="Courier New" panose="02070309020205020404" pitchFamily="49" charset="0"/>
+              </a:rPr>
+              <a:t># </a:t>
+            </a:r>
+            <a:r>
+              <a:rPr lang="en-US" dirty="0">
+                <a:latin typeface="Courier New" panose="02070309020205020404" pitchFamily="49" charset="0"/>
+                <a:cs typeface="Courier New" panose="02070309020205020404" pitchFamily="49" charset="0"/>
+              </a:rPr>
+              <a:t>get snapshots</a:t>
+            </a:r>
+          </a:p>
+          <a:p>
+            <a:pPr lvl="3"/>
+            <a:r>
+              <a:rPr lang="en-US" dirty="0">
+                <a:latin typeface="Courier New" panose="02070309020205020404" pitchFamily="49" charset="0"/>
+                <a:cs typeface="Courier New" panose="02070309020205020404" pitchFamily="49" charset="0"/>
+              </a:rPr>
+              <a:t>snapshots = </a:t>
+            </a:r>
+            <a:r>
+              <a:rPr lang="en-US" b="1" dirty="0" err="1">
+                <a:latin typeface="Courier New" panose="02070309020205020404" pitchFamily="49" charset="0"/>
+                <a:cs typeface="Courier New" panose="02070309020205020404" pitchFamily="49" charset="0"/>
+              </a:rPr>
+              <a:t>console.get_all_snapshots</a:t>
+            </a:r>
+            <a:r>
+              <a:rPr lang="en-US" b="1" dirty="0">
+                <a:latin typeface="Courier New" panose="02070309020205020404" pitchFamily="49" charset="0"/>
+                <a:cs typeface="Courier New" panose="02070309020205020404" pitchFamily="49" charset="0"/>
+              </a:rPr>
+              <a:t>(</a:t>
+            </a:r>
+            <a:r>
+              <a:rPr lang="en-US" b="1" i="1" dirty="0">
+                <a:latin typeface="Courier New" panose="02070309020205020404" pitchFamily="49" charset="0"/>
+                <a:cs typeface="Courier New" panose="02070309020205020404" pitchFamily="49" charset="0"/>
+              </a:rPr>
+              <a:t>owner='self'</a:t>
+            </a:r>
+            <a:r>
+              <a:rPr lang="en-US" b="1" dirty="0">
+                <a:latin typeface="Courier New" panose="02070309020205020404" pitchFamily="49" charset="0"/>
+                <a:cs typeface="Courier New" panose="02070309020205020404" pitchFamily="49" charset="0"/>
+              </a:rPr>
+              <a:t>)</a:t>
+            </a:r>
+            <a:endParaRPr lang="en-US" b="1" dirty="0" smtClean="0">
+              <a:latin typeface="Courier New" panose="02070309020205020404" pitchFamily="49" charset="0"/>
+              <a:cs typeface="Courier New" panose="02070309020205020404" pitchFamily="49" charset="0"/>
+            </a:endParaRPr>
+          </a:p>
+          <a:p>
+            <a:pPr lvl="3"/>
+            <a:r>
+              <a:rPr lang="en-US" dirty="0">
+                <a:latin typeface="Courier New" panose="02070309020205020404" pitchFamily="49" charset="0"/>
+                <a:cs typeface="Courier New" panose="02070309020205020404" pitchFamily="49" charset="0"/>
+              </a:rPr>
+              <a:t># get reservations to look at instances</a:t>
+            </a:r>
+          </a:p>
+          <a:p>
+            <a:pPr lvl="3"/>
+            <a:r>
+              <a:rPr lang="en-US" dirty="0">
+                <a:latin typeface="Courier New" panose="02070309020205020404" pitchFamily="49" charset="0"/>
+                <a:cs typeface="Courier New" panose="02070309020205020404" pitchFamily="49" charset="0"/>
+              </a:rPr>
+              <a:t>reservations = </a:t>
+            </a:r>
+            <a:r>
+              <a:rPr lang="en-US" b="1" dirty="0" err="1">
+                <a:latin typeface="Courier New" panose="02070309020205020404" pitchFamily="49" charset="0"/>
+                <a:cs typeface="Courier New" panose="02070309020205020404" pitchFamily="49" charset="0"/>
+              </a:rPr>
+              <a:t>console.get_all_instances</a:t>
+            </a:r>
+            <a:r>
+              <a:rPr lang="en-US" b="1" dirty="0">
+                <a:latin typeface="Courier New" panose="02070309020205020404" pitchFamily="49" charset="0"/>
+                <a:cs typeface="Courier New" panose="02070309020205020404" pitchFamily="49" charset="0"/>
+              </a:rPr>
+              <a:t>()</a:t>
+            </a:r>
+          </a:p>
+          <a:p>
+            <a:pPr lvl="3"/>
+            <a:endParaRPr lang="en-US" b="1" dirty="0">
+              <a:latin typeface="Courier New" panose="02070309020205020404" pitchFamily="49" charset="0"/>
+              <a:cs typeface="Courier New" panose="02070309020205020404" pitchFamily="49" charset="0"/>
+            </a:endParaRPr>
           </a:p>
         </p:txBody>
       </p:sp>
     </p:spTree>
     <p:extLst>
       <p:ext uri="{BB962C8B-B14F-4D97-AF65-F5344CB8AC3E}">
-        <p14:creationId xmlns:p14="http://schemas.microsoft.com/office/powerpoint/2010/main" val="2351468256"/>
+        <p14:creationId xmlns:p14="http://schemas.microsoft.com/office/powerpoint/2010/main" val="3696094409"/>
       </p:ext>
     </p:extLst>
   </p:cSld>
   <p:clrMapOvr>
     <a:masterClrMapping/>
   </p:clrMapOvr>
+  <p:timing>
+    <p:tnLst>
+      <p:par>
+        <p:cTn id="1" dur="indefinite" restart="never" nodeType="tmRoot"/>
+      </p:par>
+    </p:tnLst>
+  </p:timing>
 </p:sld>
 </file>
 
@@ -5425,60 +8081,211 @@
         </p:nvSpPr>
         <p:spPr/>
         <p:txBody>
+          <a:bodyPr/>
+          <a:lstStyle/>
+          <a:p>
+            <a:r>
+              <a:rPr lang="en-US" dirty="0" smtClean="0"/>
+              <a:t>#3 Instances vs Reservations</a:t>
+            </a:r>
+            <a:endParaRPr lang="en-US" dirty="0"/>
+          </a:p>
+        </p:txBody>
+      </p:sp>
+      <p:sp>
+        <p:nvSpPr>
+          <p:cNvPr id="3" name="Content Placeholder 2"/>
+          <p:cNvSpPr>
+            <a:spLocks noGrp="1"/>
+          </p:cNvSpPr>
+          <p:nvPr>
+            <p:ph idx="1"/>
+          </p:nvPr>
+        </p:nvSpPr>
+        <p:spPr/>
+        <p:txBody>
           <a:bodyPr>
-            <a:normAutofit fontScale="90000"/>
+            <a:noAutofit/>
           </a:bodyPr>
           <a:lstStyle/>
           <a:p>
             <a:r>
               <a:rPr lang="en-US" dirty="0"/>
-              <a:t>Tips for </a:t>
-            </a:r>
+              <a:t>The </a:t>
+            </a:r>
+            <a:r>
+              <a:rPr lang="en-US" dirty="0" err="1"/>
+              <a:t>get_all_instances</a:t>
+            </a:r>
+            <a:r>
+              <a:rPr lang="en-US" dirty="0"/>
+              <a:t> method returns a list of </a:t>
+            </a:r>
+            <a:r>
+              <a:rPr lang="en-US" b="1" i="1" dirty="0"/>
+              <a:t>Reservation</a:t>
+            </a:r>
+            <a:r>
+              <a:rPr lang="en-US" dirty="0"/>
+              <a:t> objects</a:t>
+            </a:r>
+          </a:p>
+          <a:p>
             <a:r>
               <a:rPr lang="en-US" dirty="0" smtClean="0"/>
-              <a:t>Automating </a:t>
+              <a:t>A </a:t>
             </a:r>
             <a:r>
               <a:rPr lang="en-US" dirty="0"/>
-              <a:t>EC2 </a:t>
+              <a:t>reservation corresponds to a command to start instances</a:t>
             </a:r>
             <a:r>
               <a:rPr lang="en-US" dirty="0" smtClean="0"/>
-              <a:t>Objects</a:t>
-            </a:r>
+              <a:t>.</a:t>
+            </a:r>
+          </a:p>
+          <a:p>
+            <a:pPr marL="91440" lvl="1" indent="-91440">
+              <a:spcBef>
+                <a:spcPts val="1300"/>
+              </a:spcBef>
+            </a:pPr>
+            <a:r>
+              <a:rPr lang="en-US" dirty="0" smtClean="0"/>
+              <a:t>Access instances from </a:t>
+            </a:r>
+            <a:r>
+              <a:rPr lang="en-US" dirty="0" err="1" smtClean="0">
+                <a:latin typeface="Courier New" panose="02070309020205020404" pitchFamily="49" charset="0"/>
+                <a:cs typeface="Courier New" panose="02070309020205020404" pitchFamily="49" charset="0"/>
+              </a:rPr>
+              <a:t>reservation.instances</a:t>
+            </a:r>
+            <a:endParaRPr lang="en-US" dirty="0" smtClean="0"/>
+          </a:p>
+          <a:p>
+            <a:r>
+              <a:rPr lang="en-US" dirty="0" smtClean="0"/>
+              <a:t>Use a loop since a reservation can have more than one instance associated with it</a:t>
+            </a:r>
+          </a:p>
+          <a:p>
+            <a:pPr lvl="1"/>
+            <a:r>
+              <a:rPr lang="en-US" dirty="0" smtClean="0">
+                <a:latin typeface="Courier New" panose="02070309020205020404" pitchFamily="49" charset="0"/>
+                <a:cs typeface="Courier New" panose="02070309020205020404" pitchFamily="49" charset="0"/>
+              </a:rPr>
+              <a:t># </a:t>
+            </a:r>
+            <a:r>
+              <a:rPr lang="en-US" dirty="0">
+                <a:latin typeface="Courier New" panose="02070309020205020404" pitchFamily="49" charset="0"/>
+                <a:cs typeface="Courier New" panose="02070309020205020404" pitchFamily="49" charset="0"/>
+              </a:rPr>
+              <a:t>get reservations to look at instances</a:t>
+            </a:r>
+          </a:p>
+          <a:p>
+            <a:pPr lvl="1"/>
+            <a:r>
+              <a:rPr lang="en-US" dirty="0">
+                <a:latin typeface="Courier New" panose="02070309020205020404" pitchFamily="49" charset="0"/>
+                <a:cs typeface="Courier New" panose="02070309020205020404" pitchFamily="49" charset="0"/>
+              </a:rPr>
+              <a:t>reservations = </a:t>
+            </a:r>
+            <a:r>
+              <a:rPr lang="en-US" dirty="0" err="1">
+                <a:latin typeface="Courier New" panose="02070309020205020404" pitchFamily="49" charset="0"/>
+                <a:cs typeface="Courier New" panose="02070309020205020404" pitchFamily="49" charset="0"/>
+              </a:rPr>
+              <a:t>console.get_all_instances</a:t>
+            </a:r>
+            <a:r>
+              <a:rPr lang="en-US" dirty="0">
+                <a:latin typeface="Courier New" panose="02070309020205020404" pitchFamily="49" charset="0"/>
+                <a:cs typeface="Courier New" panose="02070309020205020404" pitchFamily="49" charset="0"/>
+              </a:rPr>
+              <a:t>()</a:t>
+            </a:r>
+          </a:p>
+          <a:p>
+            <a:pPr lvl="1"/>
+            <a:r>
+              <a:rPr lang="en-US" dirty="0">
+                <a:latin typeface="Courier New" panose="02070309020205020404" pitchFamily="49" charset="0"/>
+                <a:cs typeface="Courier New" panose="02070309020205020404" pitchFamily="49" charset="0"/>
+              </a:rPr>
+              <a:t>for reservation in reservations:</a:t>
+            </a:r>
+          </a:p>
+          <a:p>
+            <a:pPr lvl="1"/>
+            <a:r>
+              <a:rPr lang="en-US" dirty="0">
+                <a:latin typeface="Courier New" panose="02070309020205020404" pitchFamily="49" charset="0"/>
+                <a:cs typeface="Courier New" panose="02070309020205020404" pitchFamily="49" charset="0"/>
+              </a:rPr>
+              <a:t>    for instance in </a:t>
+            </a:r>
+            <a:r>
+              <a:rPr lang="en-US" dirty="0" err="1" smtClean="0">
+                <a:latin typeface="Courier New" panose="02070309020205020404" pitchFamily="49" charset="0"/>
+                <a:cs typeface="Courier New" panose="02070309020205020404" pitchFamily="49" charset="0"/>
+              </a:rPr>
+              <a:t>reservation.instances</a:t>
+            </a:r>
+            <a:endParaRPr lang="en-US" dirty="0" smtClean="0">
+              <a:latin typeface="Courier New" panose="02070309020205020404" pitchFamily="49" charset="0"/>
+              <a:cs typeface="Courier New" panose="02070309020205020404" pitchFamily="49" charset="0"/>
+            </a:endParaRPr>
+          </a:p>
+          <a:p>
+            <a:pPr marL="971400" lvl="5" indent="0">
+              <a:buNone/>
+            </a:pPr>
+            <a:r>
+              <a:rPr lang="en-US" dirty="0">
+                <a:latin typeface="Courier New" panose="02070309020205020404" pitchFamily="49" charset="0"/>
+                <a:cs typeface="Courier New" panose="02070309020205020404" pitchFamily="49" charset="0"/>
+              </a:rPr>
+              <a:t>	</a:t>
+            </a:r>
+            <a:r>
+              <a:rPr lang="en-US" sz="2400" dirty="0">
+                <a:latin typeface="Courier New" panose="02070309020205020404" pitchFamily="49" charset="0"/>
+                <a:cs typeface="Courier New" panose="02070309020205020404" pitchFamily="49" charset="0"/>
+              </a:rPr>
+              <a:t>print instance.id</a:t>
+            </a:r>
+            <a:endParaRPr lang="en-US" sz="2400" dirty="0">
+              <a:latin typeface="Courier New" panose="02070309020205020404" pitchFamily="49" charset="0"/>
+              <a:cs typeface="Courier New" panose="02070309020205020404" pitchFamily="49" charset="0"/>
+            </a:endParaRPr>
+          </a:p>
+          <a:p>
             <a:endParaRPr lang="en-US" dirty="0"/>
-          </a:p>
-        </p:txBody>
-      </p:sp>
-      <p:sp>
-        <p:nvSpPr>
-          <p:cNvPr id="3" name="Content Placeholder 2"/>
-          <p:cNvSpPr>
-            <a:spLocks noGrp="1"/>
-          </p:cNvSpPr>
-          <p:nvPr>
-            <p:ph idx="1"/>
-          </p:nvPr>
-        </p:nvSpPr>
-        <p:spPr/>
-        <p:txBody>
-          <a:bodyPr/>
-          <a:lstStyle/>
-          <a:p>
-            <a:endParaRPr lang="en-US"/>
           </a:p>
         </p:txBody>
       </p:sp>
     </p:spTree>
     <p:extLst>
       <p:ext uri="{BB962C8B-B14F-4D97-AF65-F5344CB8AC3E}">
-        <p14:creationId xmlns:p14="http://schemas.microsoft.com/office/powerpoint/2010/main" val="3926547584"/>
+        <p14:creationId xmlns:p14="http://schemas.microsoft.com/office/powerpoint/2010/main" val="927926724"/>
       </p:ext>
     </p:extLst>
   </p:cSld>
   <p:clrMapOvr>
     <a:masterClrMapping/>
   </p:clrMapOvr>
+  <p:timing>
+    <p:tnLst>
+      <p:par>
+        <p:cTn id="1" dur="indefinite" restart="never" nodeType="tmRoot"/>
+      </p:par>
+    </p:tnLst>
+  </p:timing>
 </p:sld>
 </file>
 
@@ -5511,47 +8318,449 @@
         </p:nvSpPr>
         <p:spPr/>
         <p:txBody>
-          <a:bodyPr/>
-          <a:lstStyle/>
-          <a:p>
-            <a:r>
-              <a:rPr lang="en-US" dirty="0" smtClean="0"/>
-              <a:t>Case Study</a:t>
-            </a:r>
-            <a:endParaRPr lang="en-US" dirty="0"/>
-          </a:p>
-        </p:txBody>
-      </p:sp>
-      <p:sp>
-        <p:nvSpPr>
-          <p:cNvPr id="3" name="Content Placeholder 2"/>
-          <p:cNvSpPr>
-            <a:spLocks noGrp="1"/>
-          </p:cNvSpPr>
-          <p:nvPr>
-            <p:ph idx="1"/>
-          </p:nvPr>
-        </p:nvSpPr>
-        <p:spPr>
-          <a:xfrm>
-            <a:off x="676656" y="2011680"/>
-            <a:ext cx="10753725" cy="4531010"/>
-          </a:xfrm>
-        </p:spPr>
-        <p:txBody>
           <a:bodyPr>
             <a:normAutofit/>
           </a:bodyPr>
           <a:lstStyle/>
           <a:p>
-            <a:endParaRPr lang="en-US" sz="3200" b="1" dirty="0"/>
+            <a:r>
+              <a:rPr lang="en-US" sz="7200" b="1" dirty="0"/>
+              <a:t>#4 Explore object attributes</a:t>
+            </a:r>
+            <a:endParaRPr lang="en-US" sz="7200" b="1" dirty="0"/>
+          </a:p>
+        </p:txBody>
+      </p:sp>
+      <p:sp>
+        <p:nvSpPr>
+          <p:cNvPr id="3" name="Content Placeholder 2"/>
+          <p:cNvSpPr>
+            <a:spLocks noGrp="1"/>
+          </p:cNvSpPr>
+          <p:nvPr>
+            <p:ph sz="half" idx="1"/>
+          </p:nvPr>
+        </p:nvSpPr>
+        <p:spPr>
+          <a:xfrm>
+            <a:off x="318516" y="1998134"/>
+            <a:ext cx="4663440" cy="3767328"/>
+          </a:xfrm>
+        </p:spPr>
+        <p:txBody>
+          <a:bodyPr>
+            <a:noAutofit/>
+          </a:bodyPr>
+          <a:lstStyle/>
+          <a:p>
+            <a:r>
+              <a:rPr lang="en-US" dirty="0" smtClean="0"/>
+              <a:t>Use the Python .__</a:t>
+            </a:r>
+            <a:r>
+              <a:rPr lang="en-US" dirty="0" err="1" smtClean="0"/>
+              <a:t>dict</a:t>
+            </a:r>
+            <a:r>
+              <a:rPr lang="en-US" dirty="0" smtClean="0"/>
+              <a:t>__ property to get information on objects</a:t>
+            </a:r>
+          </a:p>
+          <a:p>
+            <a:pPr lvl="1"/>
+            <a:r>
+              <a:rPr lang="en-US" dirty="0" smtClean="0">
+                <a:latin typeface="Courier New" panose="02070309020205020404" pitchFamily="49" charset="0"/>
+                <a:cs typeface="Courier New" panose="02070309020205020404" pitchFamily="49" charset="0"/>
+              </a:rPr>
+              <a:t>instance</a:t>
+            </a:r>
+            <a:r>
+              <a:rPr lang="en-US" dirty="0">
+                <a:latin typeface="Courier New" panose="02070309020205020404" pitchFamily="49" charset="0"/>
+                <a:cs typeface="Courier New" panose="02070309020205020404" pitchFamily="49" charset="0"/>
+              </a:rPr>
+              <a:t>.__</a:t>
+            </a:r>
+            <a:r>
+              <a:rPr lang="en-US" dirty="0" err="1">
+                <a:latin typeface="Courier New" panose="02070309020205020404" pitchFamily="49" charset="0"/>
+                <a:cs typeface="Courier New" panose="02070309020205020404" pitchFamily="49" charset="0"/>
+              </a:rPr>
+              <a:t>dict</a:t>
+            </a:r>
+            <a:r>
+              <a:rPr lang="en-US" dirty="0" smtClean="0">
+                <a:latin typeface="Courier New" panose="02070309020205020404" pitchFamily="49" charset="0"/>
+                <a:cs typeface="Courier New" panose="02070309020205020404" pitchFamily="49" charset="0"/>
+              </a:rPr>
+              <a:t>__</a:t>
+            </a:r>
+            <a:endParaRPr lang="en-US" dirty="0">
+              <a:latin typeface="Courier New" panose="02070309020205020404" pitchFamily="49" charset="0"/>
+              <a:cs typeface="Courier New" panose="02070309020205020404" pitchFamily="49" charset="0"/>
+            </a:endParaRPr>
+          </a:p>
+          <a:p>
+            <a:pPr lvl="1"/>
+            <a:r>
+              <a:rPr lang="en-US" dirty="0" smtClean="0">
+                <a:latin typeface="Courier New" panose="02070309020205020404" pitchFamily="49" charset="0"/>
+                <a:cs typeface="Courier New" panose="02070309020205020404" pitchFamily="49" charset="0"/>
+              </a:rPr>
+              <a:t>volume</a:t>
+            </a:r>
+            <a:r>
+              <a:rPr lang="en-US" dirty="0">
+                <a:latin typeface="Courier New" panose="02070309020205020404" pitchFamily="49" charset="0"/>
+                <a:cs typeface="Courier New" panose="02070309020205020404" pitchFamily="49" charset="0"/>
+              </a:rPr>
+              <a:t>.__</a:t>
+            </a:r>
+            <a:r>
+              <a:rPr lang="en-US" dirty="0" err="1">
+                <a:latin typeface="Courier New" panose="02070309020205020404" pitchFamily="49" charset="0"/>
+                <a:cs typeface="Courier New" panose="02070309020205020404" pitchFamily="49" charset="0"/>
+              </a:rPr>
+              <a:t>dict</a:t>
+            </a:r>
+            <a:r>
+              <a:rPr lang="en-US" dirty="0">
+                <a:latin typeface="Courier New" panose="02070309020205020404" pitchFamily="49" charset="0"/>
+                <a:cs typeface="Courier New" panose="02070309020205020404" pitchFamily="49" charset="0"/>
+              </a:rPr>
+              <a:t>__ </a:t>
+            </a:r>
+            <a:r>
+              <a:rPr lang="en-US" dirty="0" smtClean="0">
+                <a:latin typeface="Courier New" panose="02070309020205020404" pitchFamily="49" charset="0"/>
+                <a:cs typeface="Courier New" panose="02070309020205020404" pitchFamily="49" charset="0"/>
+              </a:rPr>
+              <a:t>snapshot</a:t>
+            </a:r>
+            <a:r>
+              <a:rPr lang="en-US" dirty="0">
+                <a:latin typeface="Courier New" panose="02070309020205020404" pitchFamily="49" charset="0"/>
+                <a:cs typeface="Courier New" panose="02070309020205020404" pitchFamily="49" charset="0"/>
+              </a:rPr>
+              <a:t>.__</a:t>
+            </a:r>
+            <a:r>
+              <a:rPr lang="en-US" dirty="0" err="1">
+                <a:latin typeface="Courier New" panose="02070309020205020404" pitchFamily="49" charset="0"/>
+                <a:cs typeface="Courier New" panose="02070309020205020404" pitchFamily="49" charset="0"/>
+              </a:rPr>
+              <a:t>dict</a:t>
+            </a:r>
+            <a:r>
+              <a:rPr lang="en-US" dirty="0" smtClean="0">
+                <a:latin typeface="Courier New" panose="02070309020205020404" pitchFamily="49" charset="0"/>
+                <a:cs typeface="Courier New" panose="02070309020205020404" pitchFamily="49" charset="0"/>
+              </a:rPr>
+              <a:t>__</a:t>
+            </a:r>
+          </a:p>
+          <a:p>
+            <a:pPr lvl="1"/>
+            <a:endParaRPr lang="en-US" dirty="0" smtClean="0">
+              <a:latin typeface="Courier New" panose="02070309020205020404" pitchFamily="49" charset="0"/>
+              <a:cs typeface="Courier New" panose="02070309020205020404" pitchFamily="49" charset="0"/>
+            </a:endParaRPr>
+          </a:p>
+          <a:p>
+            <a:pPr marL="91440" lvl="1" indent="-91440">
+              <a:spcBef>
+                <a:spcPts val="1300"/>
+              </a:spcBef>
+            </a:pPr>
+            <a:r>
+              <a:rPr lang="en-US" sz="2400" dirty="0"/>
+              <a:t>Use Pretty Printer to clean up the output</a:t>
+            </a:r>
+          </a:p>
+          <a:p>
+            <a:pPr lvl="1"/>
+            <a:r>
+              <a:rPr lang="en-US" dirty="0">
+                <a:latin typeface="Courier New" panose="02070309020205020404" pitchFamily="49" charset="0"/>
+                <a:cs typeface="Courier New" panose="02070309020205020404" pitchFamily="49" charset="0"/>
+              </a:rPr>
+              <a:t>printer = </a:t>
+            </a:r>
+            <a:r>
+              <a:rPr lang="en-US" dirty="0" err="1">
+                <a:latin typeface="Courier New" panose="02070309020205020404" pitchFamily="49" charset="0"/>
+                <a:cs typeface="Courier New" panose="02070309020205020404" pitchFamily="49" charset="0"/>
+              </a:rPr>
+              <a:t>pprint.PrettyPrinter</a:t>
+            </a:r>
+            <a:r>
+              <a:rPr lang="en-US" dirty="0">
+                <a:latin typeface="Courier New" panose="02070309020205020404" pitchFamily="49" charset="0"/>
+                <a:cs typeface="Courier New" panose="02070309020205020404" pitchFamily="49" charset="0"/>
+              </a:rPr>
+              <a:t>(indent=4</a:t>
+            </a:r>
+            <a:r>
+              <a:rPr lang="en-US" dirty="0" smtClean="0">
+                <a:latin typeface="Courier New" panose="02070309020205020404" pitchFamily="49" charset="0"/>
+                <a:cs typeface="Courier New" panose="02070309020205020404" pitchFamily="49" charset="0"/>
+              </a:rPr>
+              <a:t>)</a:t>
+            </a:r>
+          </a:p>
+          <a:p>
+            <a:pPr lvl="1"/>
+            <a:r>
+              <a:rPr lang="en-US" dirty="0">
+                <a:latin typeface="Courier New" panose="02070309020205020404" pitchFamily="49" charset="0"/>
+                <a:cs typeface="Courier New" panose="02070309020205020404" pitchFamily="49" charset="0"/>
+              </a:rPr>
+              <a:t> </a:t>
+            </a:r>
+            <a:r>
+              <a:rPr lang="en-US" dirty="0" err="1">
+                <a:latin typeface="Courier New" panose="02070309020205020404" pitchFamily="49" charset="0"/>
+                <a:cs typeface="Courier New" panose="02070309020205020404" pitchFamily="49" charset="0"/>
+              </a:rPr>
+              <a:t>printer.pprint</a:t>
+            </a:r>
+            <a:r>
+              <a:rPr lang="en-US" dirty="0">
+                <a:latin typeface="Courier New" panose="02070309020205020404" pitchFamily="49" charset="0"/>
+                <a:cs typeface="Courier New" panose="02070309020205020404" pitchFamily="49" charset="0"/>
+              </a:rPr>
+              <a:t>( </a:t>
+            </a:r>
+            <a:r>
+              <a:rPr lang="en-US" dirty="0" smtClean="0">
+                <a:latin typeface="Courier New" panose="02070309020205020404" pitchFamily="49" charset="0"/>
+                <a:cs typeface="Courier New" panose="02070309020205020404" pitchFamily="49" charset="0"/>
+              </a:rPr>
+              <a:t>snapshot.__</a:t>
+            </a:r>
+            <a:r>
+              <a:rPr lang="en-US" dirty="0" err="1">
+                <a:latin typeface="Courier New" panose="02070309020205020404" pitchFamily="49" charset="0"/>
+                <a:cs typeface="Courier New" panose="02070309020205020404" pitchFamily="49" charset="0"/>
+              </a:rPr>
+              <a:t>dict</a:t>
+            </a:r>
+            <a:r>
+              <a:rPr lang="en-US" dirty="0">
+                <a:latin typeface="Courier New" panose="02070309020205020404" pitchFamily="49" charset="0"/>
+                <a:cs typeface="Courier New" panose="02070309020205020404" pitchFamily="49" charset="0"/>
+              </a:rPr>
+              <a:t>__ )</a:t>
+            </a:r>
+          </a:p>
+          <a:p>
+            <a:pPr lvl="1"/>
+            <a:endParaRPr lang="en-US" dirty="0">
+              <a:latin typeface="Courier New" panose="02070309020205020404" pitchFamily="49" charset="0"/>
+              <a:cs typeface="Courier New" panose="02070309020205020404" pitchFamily="49" charset="0"/>
+            </a:endParaRPr>
+          </a:p>
+        </p:txBody>
+      </p:sp>
+      <p:sp>
+        <p:nvSpPr>
+          <p:cNvPr id="8" name="Content Placeholder 7"/>
+          <p:cNvSpPr>
+            <a:spLocks noGrp="1"/>
+          </p:cNvSpPr>
+          <p:nvPr>
+            <p:ph sz="half" idx="2"/>
+          </p:nvPr>
+        </p:nvSpPr>
+        <p:spPr>
+          <a:xfrm>
+            <a:off x="5320664" y="1998134"/>
+            <a:ext cx="4663440" cy="3767328"/>
+          </a:xfrm>
+        </p:spPr>
+        <p:txBody>
+          <a:bodyPr>
+            <a:noAutofit/>
+          </a:bodyPr>
+          <a:lstStyle/>
+          <a:p>
+            <a:r>
+              <a:rPr lang="en-US" sz="1050" dirty="0"/>
+              <a:t>{   '</a:t>
+            </a:r>
+            <a:r>
+              <a:rPr lang="en-US" sz="1050" dirty="0" err="1"/>
+              <a:t>attach_data</a:t>
+            </a:r>
+            <a:r>
+              <a:rPr lang="en-US" sz="1050" dirty="0"/>
+              <a:t>': AttachmentSet:vol-7254a57d,</a:t>
+            </a:r>
+          </a:p>
+          <a:p>
+            <a:r>
+              <a:rPr lang="en-US" sz="1050" dirty="0"/>
+              <a:t>    'connection': EC2Connection:ec2.us-west-2.amazonaws.com,</a:t>
+            </a:r>
+          </a:p>
+          <a:p>
+            <a:r>
+              <a:rPr lang="en-US" sz="1050" dirty="0"/>
+              <a:t>    '</a:t>
+            </a:r>
+            <a:r>
+              <a:rPr lang="en-US" sz="1050" dirty="0" err="1"/>
+              <a:t>create_time</a:t>
+            </a:r>
+            <a:r>
+              <a:rPr lang="en-US" sz="1050" dirty="0"/>
+              <a:t>': u'2014-10-30T01:54:38.517Z',</a:t>
+            </a:r>
+          </a:p>
+          <a:p>
+            <a:r>
+              <a:rPr lang="en-US" sz="1050" dirty="0"/>
+              <a:t>    'encrypted': False,</a:t>
+            </a:r>
+          </a:p>
+          <a:p>
+            <a:r>
+              <a:rPr lang="en-US" sz="1050" dirty="0"/>
+              <a:t>    'id': u'vol-7254a57d',</a:t>
+            </a:r>
+          </a:p>
+          <a:p>
+            <a:r>
+              <a:rPr lang="en-US" sz="1050" dirty="0"/>
+              <a:t>    '</a:t>
+            </a:r>
+            <a:r>
+              <a:rPr lang="en-US" sz="1050" dirty="0" err="1"/>
+              <a:t>iops</a:t>
+            </a:r>
+            <a:r>
+              <a:rPr lang="en-US" sz="1050" dirty="0"/>
+              <a:t>': 24,</a:t>
+            </a:r>
+          </a:p>
+          <a:p>
+            <a:r>
+              <a:rPr lang="en-US" sz="1050" dirty="0"/>
+              <a:t>    'item': u'\n        ',</a:t>
+            </a:r>
+          </a:p>
+          <a:p>
+            <a:r>
+              <a:rPr lang="en-US" sz="1050" dirty="0"/>
+              <a:t>    'region': RegionInfo:us-west-2,</a:t>
+            </a:r>
+          </a:p>
+          <a:p>
+            <a:r>
+              <a:rPr lang="en-US" sz="1050" dirty="0"/>
+              <a:t>    'size': 8,</a:t>
+            </a:r>
+          </a:p>
+          <a:p>
+            <a:r>
+              <a:rPr lang="en-US" sz="1050" dirty="0"/>
+              <a:t>    '</a:t>
+            </a:r>
+            <a:r>
+              <a:rPr lang="en-US" sz="1050" dirty="0" err="1"/>
+              <a:t>snapshot_id</a:t>
+            </a:r>
+            <a:r>
+              <a:rPr lang="en-US" sz="1050" dirty="0"/>
+              <a:t>': u'snap-ddd48814',</a:t>
+            </a:r>
+          </a:p>
+          <a:p>
+            <a:r>
+              <a:rPr lang="en-US" sz="1050" dirty="0"/>
+              <a:t>    'status': </a:t>
+            </a:r>
+            <a:r>
+              <a:rPr lang="en-US" sz="1050" dirty="0" err="1"/>
+              <a:t>u'in</a:t>
+            </a:r>
+            <a:r>
+              <a:rPr lang="en-US" sz="1050" dirty="0"/>
+              <a:t>-use',</a:t>
+            </a:r>
+          </a:p>
+          <a:p>
+            <a:r>
+              <a:rPr lang="en-US" sz="1050" dirty="0"/>
+              <a:t>    'tags': {   </a:t>
+            </a:r>
+            <a:r>
+              <a:rPr lang="en-US" sz="1050" dirty="0" err="1"/>
+              <a:t>u'Attached</a:t>
+            </a:r>
+            <a:r>
+              <a:rPr lang="en-US" sz="1050" dirty="0"/>
+              <a:t> Instance ID': u'i-4e9bbf41</a:t>
+            </a:r>
+            <a:r>
+              <a:rPr lang="en-US" sz="1050" dirty="0" smtClean="0"/>
+              <a:t>',  </a:t>
+            </a:r>
+            <a:r>
+              <a:rPr lang="en-US" sz="1050" dirty="0" err="1"/>
+              <a:t>u'Attached</a:t>
+            </a:r>
+            <a:r>
+              <a:rPr lang="en-US" sz="1050" dirty="0"/>
+              <a:t> Instance Name': </a:t>
+            </a:r>
+            <a:r>
+              <a:rPr lang="en-US" sz="1050" dirty="0" err="1"/>
+              <a:t>u'aws-meetup</a:t>
+            </a:r>
+            <a:r>
+              <a:rPr lang="en-US" sz="1050" dirty="0" smtClean="0"/>
+              <a:t>',   </a:t>
+            </a:r>
+            <a:r>
+              <a:rPr lang="en-US" sz="1050" dirty="0" err="1"/>
+              <a:t>u'Name</a:t>
+            </a:r>
+            <a:r>
+              <a:rPr lang="en-US" sz="1050" dirty="0"/>
+              <a:t>': </a:t>
+            </a:r>
+            <a:r>
+              <a:rPr lang="en-US" sz="1050" dirty="0" err="1"/>
+              <a:t>u'aws-meetup</a:t>
+            </a:r>
+            <a:r>
+              <a:rPr lang="en-US" sz="1050" dirty="0"/>
+              <a:t>'},</a:t>
+            </a:r>
+          </a:p>
+          <a:p>
+            <a:r>
+              <a:rPr lang="en-US" sz="1050" dirty="0"/>
+              <a:t>    'type': u'gp2',</a:t>
+            </a:r>
+          </a:p>
+          <a:p>
+            <a:r>
+              <a:rPr lang="en-US" sz="1050" dirty="0"/>
+              <a:t>    'zone': u'us-west-2c'}</a:t>
+            </a:r>
+          </a:p>
+          <a:p>
+            <a:endParaRPr lang="en-US" dirty="0"/>
           </a:p>
         </p:txBody>
       </p:sp>
     </p:spTree>
     <p:extLst>
       <p:ext uri="{BB962C8B-B14F-4D97-AF65-F5344CB8AC3E}">
-        <p14:creationId xmlns:p14="http://schemas.microsoft.com/office/powerpoint/2010/main" val="410252703"/>
+        <p14:creationId xmlns:p14="http://schemas.microsoft.com/office/powerpoint/2010/main" val="3926547584"/>
       </p:ext>
     </p:extLst>
   </p:cSld>

--- a/Tips for Automating AWS with Python and Boto.pptx
+++ b/Tips for Automating AWS with Python and Boto.pptx
@@ -1023,6 +1023,9 @@
           <a:prstGeom prst="rect">
             <a:avLst/>
           </a:prstGeom>
+          <a:solidFill>
+            <a:schemeClr val="tx1"/>
+          </a:solidFill>
           <a:ln>
             <a:noFill/>
           </a:ln>
@@ -4689,8 +4692,8 @@
         </p:nvSpPr>
         <p:spPr>
           <a:xfrm>
-            <a:off x="603503" y="785707"/>
-            <a:ext cx="10782300" cy="3352800"/>
+            <a:off x="638227" y="419564"/>
+            <a:ext cx="10782300" cy="1244836"/>
           </a:xfrm>
         </p:spPr>
         <p:txBody>
@@ -4700,7 +4703,7 @@
             <a:pPr algn="ctr"/>
             <a:r>
               <a:rPr lang="en-US" b="1" dirty="0" smtClean="0"/>
-              <a:t>Q&amp;A and/or Case Study</a:t>
+              <a:t>Q&amp;A and Case Study</a:t>
             </a:r>
             <a:endParaRPr lang="en-US" b="1" dirty="0"/>
           </a:p>
@@ -4718,12 +4721,14 @@
         </p:nvSpPr>
         <p:spPr>
           <a:xfrm>
-            <a:off x="1380553" y="4199256"/>
+            <a:off x="1484724" y="1664400"/>
             <a:ext cx="9228201" cy="1645920"/>
           </a:xfrm>
         </p:spPr>
         <p:txBody>
-          <a:bodyPr/>
+          <a:bodyPr>
+            <a:noAutofit/>
+          </a:bodyPr>
           <a:lstStyle/>
           <a:p>
             <a:pPr algn="ctr"/>
@@ -4740,13 +4745,59 @@
           <a:p>
             <a:pPr algn="ctr"/>
             <a:r>
-              <a:rPr lang="en-US" b="1" dirty="0"/>
-              <a:t>https://github.com/managedkaos/aws-scripts</a:t>
+              <a:rPr lang="en-US" b="1" dirty="0">
+                <a:hlinkClick r:id="rId3"/>
+              </a:rPr>
+              <a:t>https://</a:t>
+            </a:r>
+            <a:r>
+              <a:rPr lang="en-US" b="1" dirty="0" smtClean="0">
+                <a:hlinkClick r:id="rId3"/>
+              </a:rPr>
+              <a:t>github.com/managedkaos/aws-scripts</a:t>
+            </a:r>
+            <a:endParaRPr lang="en-US" b="1" dirty="0" smtClean="0"/>
+          </a:p>
+          <a:p>
+            <a:pPr algn="ctr"/>
+            <a:r>
+              <a:rPr lang="en-US" b="1" dirty="0" smtClean="0"/>
+              <a:t>michael@managedkaos.com</a:t>
             </a:r>
             <a:endParaRPr lang="en-US" b="1" dirty="0"/>
           </a:p>
         </p:txBody>
       </p:sp>
+      <p:pic>
+        <p:nvPicPr>
+          <p:cNvPr id="3" name="Picture 2"/>
+          <p:cNvPicPr>
+            <a:picLocks noChangeAspect="1"/>
+          </p:cNvPicPr>
+          <p:nvPr/>
+        </p:nvPicPr>
+        <p:blipFill>
+          <a:blip r:embed="rId4">
+            <a:extLst>
+              <a:ext uri="{28A0092B-C50C-407E-A947-70E740481C1C}">
+                <a14:useLocalDpi xmlns:a14="http://schemas.microsoft.com/office/drawing/2010/main" val="0"/>
+              </a:ext>
+            </a:extLst>
+          </a:blip>
+          <a:stretch>
+            <a:fillRect/>
+          </a:stretch>
+        </p:blipFill>
+        <p:spPr>
+          <a:xfrm>
+            <a:off x="3534308" y="3912087"/>
+            <a:ext cx="5129032" cy="2472193"/>
+          </a:xfrm>
+          <a:prstGeom prst="rect">
+            <a:avLst/>
+          </a:prstGeom>
+        </p:spPr>
+      </p:pic>
     </p:spTree>
     <p:extLst>
       <p:ext uri="{BB962C8B-B14F-4D97-AF65-F5344CB8AC3E}">
@@ -4827,18 +4878,28 @@
             <p:ph idx="1"/>
           </p:nvPr>
         </p:nvSpPr>
-        <p:spPr/>
-        <p:txBody>
-          <a:bodyPr/>
+        <p:spPr>
+          <a:xfrm>
+            <a:off x="676656" y="2011680"/>
+            <a:ext cx="10753725" cy="4632188"/>
+          </a:xfrm>
+        </p:spPr>
+        <p:txBody>
+          <a:bodyPr>
+            <a:noAutofit/>
+          </a:bodyPr>
           <a:lstStyle/>
           <a:p>
-            <a:endParaRPr lang="en-US" dirty="0" smtClean="0"/>
-          </a:p>
-          <a:p>
-            <a:r>
-              <a:rPr lang="en-US" dirty="0" smtClean="0"/>
-              <a:t>With 1000+ volumes, the client needed an automated solution to</a:t>
-            </a:r>
+            <a:endParaRPr lang="en-US" sz="2800" dirty="0" smtClean="0"/>
+          </a:p>
+          <a:p>
+            <a:r>
+              <a:rPr lang="en-US" sz="2800" dirty="0" smtClean="0"/>
+              <a:t>For 1000+ volumes, the client needed an automated solution to:</a:t>
+            </a:r>
+          </a:p>
+          <a:p>
+            <a:endParaRPr lang="en-US" sz="2800" dirty="0" smtClean="0"/>
           </a:p>
           <a:p>
             <a:pPr marL="713232" lvl="1" indent="-457200">
@@ -4846,7 +4907,7 @@
               <a:buAutoNum type="arabicPeriod"/>
             </a:pPr>
             <a:r>
-              <a:rPr lang="en-US" dirty="0" smtClean="0"/>
+              <a:rPr lang="en-US" sz="3200" dirty="0" smtClean="0"/>
               <a:t>Document the status of each volume</a:t>
             </a:r>
           </a:p>
@@ -4855,13 +4916,13 @@
               <a:buNone/>
             </a:pPr>
             <a:r>
-              <a:rPr lang="en-US" dirty="0" smtClean="0"/>
+              <a:rPr lang="en-US" sz="2800" dirty="0" smtClean="0"/>
               <a:t>Type, size, creation date, status, attached instances, snapshots</a:t>
             </a:r>
             <a:br>
-              <a:rPr lang="en-US" dirty="0" smtClean="0"/>
+              <a:rPr lang="en-US" sz="2800" dirty="0" smtClean="0"/>
             </a:br>
-            <a:endParaRPr lang="en-US" dirty="0" smtClean="0"/>
+            <a:endParaRPr lang="en-US" sz="2800" dirty="0" smtClean="0"/>
           </a:p>
           <a:p>
             <a:pPr marL="713232" lvl="1" indent="-457200">
@@ -4869,13 +4930,13 @@
               <a:buAutoNum type="arabicPeriod"/>
             </a:pPr>
             <a:r>
-              <a:rPr lang="en-US" dirty="0" smtClean="0"/>
+              <a:rPr lang="en-US" sz="3200" dirty="0" smtClean="0"/>
               <a:t>Create snapshots of each volume unless otherwise specified</a:t>
             </a:r>
             <a:br>
-              <a:rPr lang="en-US" dirty="0" smtClean="0"/>
+              <a:rPr lang="en-US" sz="3200" dirty="0" smtClean="0"/>
             </a:br>
-            <a:endParaRPr lang="en-US" dirty="0" smtClean="0"/>
+            <a:endParaRPr lang="en-US" sz="3200" dirty="0" smtClean="0"/>
           </a:p>
           <a:p>
             <a:pPr marL="713232" lvl="1" indent="-457200">
@@ -4883,7 +4944,7 @@
               <a:buAutoNum type="arabicPeriod"/>
             </a:pPr>
             <a:r>
-              <a:rPr lang="en-US" dirty="0" smtClean="0"/>
+              <a:rPr lang="en-US" sz="3200" dirty="0" smtClean="0"/>
               <a:t>Rotate the snapshots on a daily and weekly basis</a:t>
             </a:r>
           </a:p>
@@ -4977,12 +5038,16 @@
           <a:p>
             <a:r>
               <a:rPr lang="en-US" dirty="0" smtClean="0"/>
-              <a:t>Developed a simple script for requirement #1</a:t>
-            </a:r>
-          </a:p>
-          <a:p>
-            <a:r>
-              <a:rPr lang="en-US" dirty="0" smtClean="0">
+              <a:t>Developed a simple script for requirement #1. </a:t>
+            </a:r>
+            <a:r>
+              <a:rPr lang="en-US" dirty="0"/>
+              <a:t>Connects to EC2 console, gets all volumes, and prints attributes for each volume</a:t>
+            </a:r>
+          </a:p>
+          <a:p>
+            <a:r>
+              <a:rPr lang="en-US" b="1" dirty="0" smtClean="0">
                 <a:latin typeface="Courier New" panose="02070309020205020404" pitchFamily="49" charset="0"/>
                 <a:cs typeface="Courier New" panose="02070309020205020404" pitchFamily="49" charset="0"/>
               </a:rPr>
@@ -4990,29 +5055,23 @@
             </a:r>
           </a:p>
           <a:p>
-            <a:r>
-              <a:rPr lang="en-US" dirty="0" smtClean="0"/>
-              <a:t>Connects to EC2 console, gets all volumes, and prints attributes for each volume</a:t>
-            </a:r>
-          </a:p>
-          <a:p>
             <a:pPr lvl="1"/>
             <a:r>
-              <a:rPr lang="en-US" sz="1600" dirty="0">
+              <a:rPr lang="en-US" sz="1600" b="1" dirty="0" smtClean="0">
                 <a:latin typeface="Courier New" panose="02070309020205020404" pitchFamily="49" charset="0"/>
                 <a:cs typeface="Courier New" panose="02070309020205020404" pitchFamily="49" charset="0"/>
               </a:rPr>
               <a:t>import </a:t>
             </a:r>
             <a:r>
-              <a:rPr lang="en-US" sz="1600" dirty="0" err="1">
+              <a:rPr lang="en-US" sz="1600" b="1" dirty="0" err="1">
                 <a:latin typeface="Courier New" panose="02070309020205020404" pitchFamily="49" charset="0"/>
                 <a:cs typeface="Courier New" panose="02070309020205020404" pitchFamily="49" charset="0"/>
               </a:rPr>
               <a:t>boto</a:t>
             </a:r>
             <a:r>
-              <a:rPr lang="en-US" sz="1600" dirty="0">
+              <a:rPr lang="en-US" sz="1600" b="1" dirty="0">
                 <a:latin typeface="Courier New" panose="02070309020205020404" pitchFamily="49" charset="0"/>
                 <a:cs typeface="Courier New" panose="02070309020205020404" pitchFamily="49" charset="0"/>
               </a:rPr>
@@ -5022,21 +5081,21 @@
           <a:p>
             <a:pPr lvl="1"/>
             <a:r>
-              <a:rPr lang="en-US" sz="1600" dirty="0">
+              <a:rPr lang="en-US" sz="1600" b="1" dirty="0">
                 <a:latin typeface="Courier New" panose="02070309020205020404" pitchFamily="49" charset="0"/>
                 <a:cs typeface="Courier New" panose="02070309020205020404" pitchFamily="49" charset="0"/>
               </a:rPr>
               <a:t>from </a:t>
             </a:r>
             <a:r>
-              <a:rPr lang="en-US" sz="1600" dirty="0" err="1">
+              <a:rPr lang="en-US" sz="1600" b="1" dirty="0" err="1">
                 <a:latin typeface="Courier New" panose="02070309020205020404" pitchFamily="49" charset="0"/>
                 <a:cs typeface="Courier New" panose="02070309020205020404" pitchFamily="49" charset="0"/>
               </a:rPr>
               <a:t>boto</a:t>
             </a:r>
             <a:r>
-              <a:rPr lang="en-US" sz="1600" dirty="0">
+              <a:rPr lang="en-US" sz="1600" b="1" dirty="0">
                 <a:latin typeface="Courier New" panose="02070309020205020404" pitchFamily="49" charset="0"/>
                 <a:cs typeface="Courier New" panose="02070309020205020404" pitchFamily="49" charset="0"/>
               </a:rPr>
@@ -5046,14 +5105,14 @@
           <a:p>
             <a:pPr lvl="1"/>
             <a:r>
-              <a:rPr lang="en-US" sz="1600" dirty="0" smtClean="0">
+              <a:rPr lang="en-US" sz="1600" b="1" dirty="0" smtClean="0">
                 <a:latin typeface="Courier New" panose="02070309020205020404" pitchFamily="49" charset="0"/>
                 <a:cs typeface="Courier New" panose="02070309020205020404" pitchFamily="49" charset="0"/>
               </a:rPr>
               <a:t>console </a:t>
             </a:r>
             <a:r>
-              <a:rPr lang="en-US" sz="1600" dirty="0">
+              <a:rPr lang="en-US" sz="1600" b="1" dirty="0">
                 <a:latin typeface="Courier New" panose="02070309020205020404" pitchFamily="49" charset="0"/>
                 <a:cs typeface="Courier New" panose="02070309020205020404" pitchFamily="49" charset="0"/>
               </a:rPr>
@@ -5063,28 +5122,28 @@
           <a:p>
             <a:pPr lvl="1"/>
             <a:r>
-              <a:rPr lang="en-US" sz="1600" dirty="0" smtClean="0">
+              <a:rPr lang="en-US" sz="1600" b="1" dirty="0" smtClean="0">
                 <a:latin typeface="Courier New" panose="02070309020205020404" pitchFamily="49" charset="0"/>
                 <a:cs typeface="Courier New" panose="02070309020205020404" pitchFamily="49" charset="0"/>
               </a:rPr>
               <a:t>volumes </a:t>
             </a:r>
             <a:r>
-              <a:rPr lang="en-US" sz="1600" dirty="0">
+              <a:rPr lang="en-US" sz="1600" b="1" dirty="0">
                 <a:latin typeface="Courier New" panose="02070309020205020404" pitchFamily="49" charset="0"/>
                 <a:cs typeface="Courier New" panose="02070309020205020404" pitchFamily="49" charset="0"/>
               </a:rPr>
               <a:t>= </a:t>
             </a:r>
             <a:r>
-              <a:rPr lang="en-US" sz="1600" dirty="0" err="1">
+              <a:rPr lang="en-US" sz="1600" b="1" dirty="0" err="1">
                 <a:latin typeface="Courier New" panose="02070309020205020404" pitchFamily="49" charset="0"/>
                 <a:cs typeface="Courier New" panose="02070309020205020404" pitchFamily="49" charset="0"/>
               </a:rPr>
               <a:t>console.get_all_volumes</a:t>
             </a:r>
             <a:r>
-              <a:rPr lang="en-US" sz="1600" dirty="0">
+              <a:rPr lang="en-US" sz="1600" b="1" dirty="0">
                 <a:latin typeface="Courier New" panose="02070309020205020404" pitchFamily="49" charset="0"/>
                 <a:cs typeface="Courier New" panose="02070309020205020404" pitchFamily="49" charset="0"/>
               </a:rPr>
@@ -5094,14 +5153,14 @@
           <a:p>
             <a:pPr lvl="1"/>
             <a:r>
-              <a:rPr lang="en-US" sz="1600" dirty="0" smtClean="0">
+              <a:rPr lang="en-US" sz="1600" b="1" dirty="0" smtClean="0">
                 <a:latin typeface="Courier New" panose="02070309020205020404" pitchFamily="49" charset="0"/>
                 <a:cs typeface="Courier New" panose="02070309020205020404" pitchFamily="49" charset="0"/>
               </a:rPr>
               <a:t>for </a:t>
             </a:r>
             <a:r>
-              <a:rPr lang="en-US" sz="1600" dirty="0">
+              <a:rPr lang="en-US" sz="1600" b="1" dirty="0">
                 <a:latin typeface="Courier New" panose="02070309020205020404" pitchFamily="49" charset="0"/>
                 <a:cs typeface="Courier New" panose="02070309020205020404" pitchFamily="49" charset="0"/>
               </a:rPr>
@@ -5111,7 +5170,7 @@
           <a:p>
             <a:pPr lvl="1"/>
             <a:r>
-              <a:rPr lang="en-US" sz="1600" dirty="0">
+              <a:rPr lang="en-US" sz="1600" b="1" dirty="0">
                 <a:latin typeface="Courier New" panose="02070309020205020404" pitchFamily="49" charset="0"/>
                 <a:cs typeface="Courier New" panose="02070309020205020404" pitchFamily="49" charset="0"/>
               </a:rPr>
@@ -5121,21 +5180,21 @@
           <a:p>
             <a:pPr lvl="1"/>
             <a:r>
-              <a:rPr lang="en-US" sz="1600" dirty="0">
+              <a:rPr lang="en-US" sz="1600" b="1" dirty="0">
                 <a:latin typeface="Courier New" panose="02070309020205020404" pitchFamily="49" charset="0"/>
                 <a:cs typeface="Courier New" panose="02070309020205020404" pitchFamily="49" charset="0"/>
               </a:rPr>
               <a:t>    print 'Create: %s' % </a:t>
             </a:r>
             <a:r>
-              <a:rPr lang="en-US" sz="1600" dirty="0" err="1">
+              <a:rPr lang="en-US" sz="1600" b="1" dirty="0" err="1">
                 <a:latin typeface="Courier New" panose="02070309020205020404" pitchFamily="49" charset="0"/>
                 <a:cs typeface="Courier New" panose="02070309020205020404" pitchFamily="49" charset="0"/>
               </a:rPr>
               <a:t>volume.create_time</a:t>
             </a:r>
             <a:r>
-              <a:rPr lang="en-US" sz="1600" dirty="0">
+              <a:rPr lang="en-US" sz="1600" b="1" dirty="0">
                 <a:latin typeface="Courier New" panose="02070309020205020404" pitchFamily="49" charset="0"/>
                 <a:cs typeface="Courier New" panose="02070309020205020404" pitchFamily="49" charset="0"/>
               </a:rPr>
@@ -5145,28 +5204,28 @@
           <a:p>
             <a:pPr lvl="1"/>
             <a:r>
-              <a:rPr lang="en-US" sz="1600" dirty="0">
+              <a:rPr lang="en-US" sz="1600" b="1" dirty="0">
                 <a:latin typeface="Courier New" panose="02070309020205020404" pitchFamily="49" charset="0"/>
                 <a:cs typeface="Courier New" panose="02070309020205020404" pitchFamily="49" charset="0"/>
               </a:rPr>
               <a:t>    print 'Status: %s' % </a:t>
             </a:r>
             <a:r>
-              <a:rPr lang="en-US" sz="1600" dirty="0" err="1">
+              <a:rPr lang="en-US" sz="1600" b="1" dirty="0" err="1">
                 <a:latin typeface="Courier New" panose="02070309020205020404" pitchFamily="49" charset="0"/>
                 <a:cs typeface="Courier New" panose="02070309020205020404" pitchFamily="49" charset="0"/>
               </a:rPr>
               <a:t>volume.status</a:t>
             </a:r>
             <a:r>
-              <a:rPr lang="en-US" sz="1600" dirty="0">
+              <a:rPr lang="en-US" sz="1600" b="1" dirty="0">
                 <a:latin typeface="Courier New" panose="02070309020205020404" pitchFamily="49" charset="0"/>
                 <a:cs typeface="Courier New" panose="02070309020205020404" pitchFamily="49" charset="0"/>
               </a:rPr>
               <a:t> # The status of the volume</a:t>
             </a:r>
             <a:r>
-              <a:rPr lang="en-US" sz="1600" dirty="0" smtClean="0">
+              <a:rPr lang="en-US" sz="1600" b="1" dirty="0" smtClean="0">
                 <a:latin typeface="Courier New" panose="02070309020205020404" pitchFamily="49" charset="0"/>
                 <a:cs typeface="Courier New" panose="02070309020205020404" pitchFamily="49" charset="0"/>
               </a:rPr>
@@ -5176,13 +5235,13 @@
           <a:p>
             <a:pPr lvl="1"/>
             <a:r>
-              <a:rPr lang="en-US" sz="1600" dirty="0" smtClean="0">
+              <a:rPr lang="en-US" sz="1600" b="1" dirty="0" smtClean="0">
                 <a:latin typeface="Courier New" panose="02070309020205020404" pitchFamily="49" charset="0"/>
                 <a:cs typeface="Courier New" panose="02070309020205020404" pitchFamily="49" charset="0"/>
               </a:rPr>
               <a:t>...</a:t>
             </a:r>
-            <a:endParaRPr lang="en-US" sz="1600" dirty="0">
+            <a:endParaRPr lang="en-US" sz="1600" b="1" dirty="0">
               <a:latin typeface="Courier New" panose="02070309020205020404" pitchFamily="49" charset="0"/>
               <a:cs typeface="Courier New" panose="02070309020205020404" pitchFamily="49" charset="0"/>
             </a:endParaRPr>
@@ -5285,7 +5344,7 @@
           </a:p>
           <a:p>
             <a:r>
-              <a:rPr lang="en-US" dirty="0" smtClean="0">
+              <a:rPr lang="en-US" b="1" dirty="0" smtClean="0">
                 <a:latin typeface="Courier New" panose="02070309020205020404" pitchFamily="49" charset="0"/>
                 <a:cs typeface="Courier New" panose="02070309020205020404" pitchFamily="49" charset="0"/>
               </a:rPr>
@@ -5294,56 +5353,56 @@
           </a:p>
           <a:p>
             <a:r>
-              <a:rPr lang="en-US" sz="1400" dirty="0">
+              <a:rPr lang="en-US" sz="1400" b="1" dirty="0">
                 <a:latin typeface="Courier New" panose="02070309020205020404" pitchFamily="49" charset="0"/>
                 <a:cs typeface="Courier New" panose="02070309020205020404" pitchFamily="49" charset="0"/>
               </a:rPr>
               <a:t>usage: volume_snapshot.py [-h] [--all] [--daily] [--weekly] [--rotate</a:t>
             </a:r>
             <a:r>
-              <a:rPr lang="en-US" sz="1400" dirty="0" smtClean="0">
+              <a:rPr lang="en-US" sz="1400" b="1" dirty="0" smtClean="0">
                 <a:latin typeface="Courier New" panose="02070309020205020404" pitchFamily="49" charset="0"/>
                 <a:cs typeface="Courier New" panose="02070309020205020404" pitchFamily="49" charset="0"/>
               </a:rPr>
               <a:t>] [--</a:t>
             </a:r>
             <a:r>
-              <a:rPr lang="en-US" sz="1400" dirty="0">
+              <a:rPr lang="en-US" sz="1400" b="1" dirty="0">
                 <a:latin typeface="Courier New" panose="02070309020205020404" pitchFamily="49" charset="0"/>
                 <a:cs typeface="Courier New" panose="02070309020205020404" pitchFamily="49" charset="0"/>
               </a:rPr>
               <a:t>verbose</a:t>
             </a:r>
             <a:r>
-              <a:rPr lang="en-US" sz="1400" dirty="0" smtClean="0">
+              <a:rPr lang="en-US" sz="1400" b="1" dirty="0" smtClean="0">
                 <a:latin typeface="Courier New" panose="02070309020205020404" pitchFamily="49" charset="0"/>
                 <a:cs typeface="Courier New" panose="02070309020205020404" pitchFamily="49" charset="0"/>
               </a:rPr>
               <a:t>] [</a:t>
             </a:r>
             <a:r>
-              <a:rPr lang="en-US" sz="1400" dirty="0" err="1">
+              <a:rPr lang="en-US" sz="1400" b="1" dirty="0" err="1">
                 <a:latin typeface="Courier New" panose="02070309020205020404" pitchFamily="49" charset="0"/>
                 <a:cs typeface="Courier New" panose="02070309020205020404" pitchFamily="49" charset="0"/>
               </a:rPr>
               <a:t>vol</a:t>
             </a:r>
             <a:r>
-              <a:rPr lang="en-US" sz="1400" dirty="0">
+              <a:rPr lang="en-US" sz="1400" b="1" dirty="0">
                 <a:latin typeface="Courier New" panose="02070309020205020404" pitchFamily="49" charset="0"/>
                 <a:cs typeface="Courier New" panose="02070309020205020404" pitchFamily="49" charset="0"/>
               </a:rPr>
               <a:t> [</a:t>
             </a:r>
             <a:r>
-              <a:rPr lang="en-US" sz="1400" dirty="0" err="1">
+              <a:rPr lang="en-US" sz="1400" b="1" dirty="0" err="1">
                 <a:latin typeface="Courier New" panose="02070309020205020404" pitchFamily="49" charset="0"/>
                 <a:cs typeface="Courier New" panose="02070309020205020404" pitchFamily="49" charset="0"/>
               </a:rPr>
               <a:t>vol</a:t>
             </a:r>
             <a:r>
-              <a:rPr lang="en-US" sz="1400" dirty="0">
+              <a:rPr lang="en-US" sz="1400" b="1" dirty="0">
                 <a:latin typeface="Courier New" panose="02070309020205020404" pitchFamily="49" charset="0"/>
                 <a:cs typeface="Courier New" panose="02070309020205020404" pitchFamily="49" charset="0"/>
               </a:rPr>
@@ -5352,14 +5411,14 @@
           </a:p>
           <a:p>
             <a:r>
-              <a:rPr lang="en-US" sz="1400" dirty="0" smtClean="0">
+              <a:rPr lang="en-US" sz="1400" b="1" dirty="0" smtClean="0">
                 <a:latin typeface="Courier New" panose="02070309020205020404" pitchFamily="49" charset="0"/>
                 <a:cs typeface="Courier New" panose="02070309020205020404" pitchFamily="49" charset="0"/>
               </a:rPr>
               <a:t>positional </a:t>
             </a:r>
             <a:r>
-              <a:rPr lang="en-US" sz="1400" dirty="0">
+              <a:rPr lang="en-US" sz="1400" b="1" dirty="0">
                 <a:latin typeface="Courier New" panose="02070309020205020404" pitchFamily="49" charset="0"/>
                 <a:cs typeface="Courier New" panose="02070309020205020404" pitchFamily="49" charset="0"/>
               </a:rPr>
@@ -5368,21 +5427,21 @@
           </a:p>
           <a:p>
             <a:r>
-              <a:rPr lang="en-US" sz="1400" dirty="0">
+              <a:rPr lang="en-US" sz="1400" b="1" dirty="0">
                 <a:latin typeface="Courier New" panose="02070309020205020404" pitchFamily="49" charset="0"/>
                 <a:cs typeface="Courier New" panose="02070309020205020404" pitchFamily="49" charset="0"/>
               </a:rPr>
               <a:t>  </a:t>
             </a:r>
             <a:r>
-              <a:rPr lang="en-US" sz="1400" dirty="0" err="1">
+              <a:rPr lang="en-US" sz="1400" b="1" dirty="0" err="1">
                 <a:latin typeface="Courier New" panose="02070309020205020404" pitchFamily="49" charset="0"/>
                 <a:cs typeface="Courier New" panose="02070309020205020404" pitchFamily="49" charset="0"/>
               </a:rPr>
               <a:t>vol</a:t>
             </a:r>
             <a:r>
-              <a:rPr lang="en-US" sz="1400" dirty="0">
+              <a:rPr lang="en-US" sz="1400" b="1" dirty="0">
                 <a:latin typeface="Courier New" panose="02070309020205020404" pitchFamily="49" charset="0"/>
                 <a:cs typeface="Courier New" panose="02070309020205020404" pitchFamily="49" charset="0"/>
               </a:rPr>
@@ -5391,14 +5450,14 @@
           </a:p>
           <a:p>
             <a:r>
-              <a:rPr lang="en-US" sz="1400" dirty="0" smtClean="0">
+              <a:rPr lang="en-US" sz="1400" b="1" dirty="0" smtClean="0">
                 <a:latin typeface="Courier New" panose="02070309020205020404" pitchFamily="49" charset="0"/>
                 <a:cs typeface="Courier New" panose="02070309020205020404" pitchFamily="49" charset="0"/>
               </a:rPr>
               <a:t>optional </a:t>
             </a:r>
             <a:r>
-              <a:rPr lang="en-US" sz="1400" dirty="0">
+              <a:rPr lang="en-US" sz="1400" b="1" dirty="0">
                 <a:latin typeface="Courier New" panose="02070309020205020404" pitchFamily="49" charset="0"/>
                 <a:cs typeface="Courier New" panose="02070309020205020404" pitchFamily="49" charset="0"/>
               </a:rPr>
@@ -5407,14 +5466,14 @@
           </a:p>
           <a:p>
             <a:r>
-              <a:rPr lang="en-US" sz="1400" dirty="0" smtClean="0">
+              <a:rPr lang="en-US" sz="1400" b="1" dirty="0" smtClean="0">
                 <a:latin typeface="Courier New" panose="02070309020205020404" pitchFamily="49" charset="0"/>
                 <a:cs typeface="Courier New" panose="02070309020205020404" pitchFamily="49" charset="0"/>
               </a:rPr>
               <a:t>--</a:t>
             </a:r>
             <a:r>
-              <a:rPr lang="en-US" sz="1400" dirty="0">
+              <a:rPr lang="en-US" sz="1400" b="1" dirty="0">
                 <a:latin typeface="Courier New" panose="02070309020205020404" pitchFamily="49" charset="0"/>
                 <a:cs typeface="Courier New" panose="02070309020205020404" pitchFamily="49" charset="0"/>
               </a:rPr>
@@ -5423,14 +5482,14 @@
           </a:p>
           <a:p>
             <a:r>
-              <a:rPr lang="en-US" sz="1400" dirty="0" smtClean="0">
+              <a:rPr lang="en-US" sz="1400" b="1" dirty="0" smtClean="0">
                 <a:latin typeface="Courier New" panose="02070309020205020404" pitchFamily="49" charset="0"/>
                 <a:cs typeface="Courier New" panose="02070309020205020404" pitchFamily="49" charset="0"/>
               </a:rPr>
               <a:t>--</a:t>
             </a:r>
             <a:r>
-              <a:rPr lang="en-US" sz="1400" dirty="0">
+              <a:rPr lang="en-US" sz="1400" b="1" dirty="0">
                 <a:latin typeface="Courier New" panose="02070309020205020404" pitchFamily="49" charset="0"/>
                 <a:cs typeface="Courier New" panose="02070309020205020404" pitchFamily="49" charset="0"/>
               </a:rPr>
@@ -5439,14 +5498,14 @@
           </a:p>
           <a:p>
             <a:r>
-              <a:rPr lang="en-US" sz="1400" dirty="0" smtClean="0">
+              <a:rPr lang="en-US" sz="1400" b="1" dirty="0" smtClean="0">
                 <a:latin typeface="Courier New" panose="02070309020205020404" pitchFamily="49" charset="0"/>
                 <a:cs typeface="Courier New" panose="02070309020205020404" pitchFamily="49" charset="0"/>
               </a:rPr>
               <a:t>--</a:t>
             </a:r>
             <a:r>
-              <a:rPr lang="en-US" sz="1400" dirty="0">
+              <a:rPr lang="en-US" sz="1400" b="1" dirty="0">
                 <a:latin typeface="Courier New" panose="02070309020205020404" pitchFamily="49" charset="0"/>
                 <a:cs typeface="Courier New" panose="02070309020205020404" pitchFamily="49" charset="0"/>
               </a:rPr>
@@ -5455,28 +5514,28 @@
           </a:p>
           <a:p>
             <a:r>
-              <a:rPr lang="en-US" sz="1400" dirty="0" smtClean="0">
+              <a:rPr lang="en-US" sz="1400" b="1" dirty="0" smtClean="0">
                 <a:latin typeface="Courier New" panose="02070309020205020404" pitchFamily="49" charset="0"/>
                 <a:cs typeface="Courier New" panose="02070309020205020404" pitchFamily="49" charset="0"/>
               </a:rPr>
               <a:t>--</a:t>
             </a:r>
             <a:r>
-              <a:rPr lang="en-US" sz="1400" dirty="0">
+              <a:rPr lang="en-US" sz="1400" b="1" dirty="0">
                 <a:latin typeface="Courier New" panose="02070309020205020404" pitchFamily="49" charset="0"/>
                 <a:cs typeface="Courier New" panose="02070309020205020404" pitchFamily="49" charset="0"/>
               </a:rPr>
               <a:t>rotate    Removes any expired snapshots. Mutually exclusive with </a:t>
             </a:r>
             <a:r>
-              <a:rPr lang="en-US" sz="1400" dirty="0" smtClean="0">
+              <a:rPr lang="en-US" sz="1400" b="1" dirty="0" smtClean="0">
                 <a:latin typeface="Courier New" panose="02070309020205020404" pitchFamily="49" charset="0"/>
                 <a:cs typeface="Courier New" panose="02070309020205020404" pitchFamily="49" charset="0"/>
               </a:rPr>
               <a:t>snapshot creation</a:t>
             </a:r>
             <a:r>
-              <a:rPr lang="en-US" sz="1400" dirty="0">
+              <a:rPr lang="en-US" sz="1400" b="1" dirty="0">
                 <a:latin typeface="Courier New" panose="02070309020205020404" pitchFamily="49" charset="0"/>
                 <a:cs typeface="Courier New" panose="02070309020205020404" pitchFamily="49" charset="0"/>
               </a:rPr>
@@ -5485,42 +5544,42 @@
           </a:p>
           <a:p>
             <a:r>
-              <a:rPr lang="en-US" sz="1400" dirty="0" smtClean="0">
+              <a:rPr lang="en-US" sz="1400" b="1" dirty="0" smtClean="0">
                 <a:latin typeface="Courier New" panose="02070309020205020404" pitchFamily="49" charset="0"/>
                 <a:cs typeface="Courier New" panose="02070309020205020404" pitchFamily="49" charset="0"/>
               </a:rPr>
               <a:t>--</a:t>
             </a:r>
             <a:r>
-              <a:rPr lang="en-US" sz="1400" dirty="0">
+              <a:rPr lang="en-US" sz="1400" b="1" dirty="0">
                 <a:latin typeface="Courier New" panose="02070309020205020404" pitchFamily="49" charset="0"/>
                 <a:cs typeface="Courier New" panose="02070309020205020404" pitchFamily="49" charset="0"/>
               </a:rPr>
               <a:t>verbose   </a:t>
             </a:r>
             <a:r>
-              <a:rPr lang="en-US" sz="1400" dirty="0" smtClean="0">
+              <a:rPr lang="en-US" sz="1400" b="1" dirty="0" smtClean="0">
                 <a:latin typeface="Courier New" panose="02070309020205020404" pitchFamily="49" charset="0"/>
                 <a:cs typeface="Courier New" panose="02070309020205020404" pitchFamily="49" charset="0"/>
               </a:rPr>
               <a:t>Script prints </a:t>
             </a:r>
             <a:r>
-              <a:rPr lang="en-US" sz="1400" dirty="0">
+              <a:rPr lang="en-US" sz="1400" b="1" dirty="0">
                 <a:latin typeface="Courier New" panose="02070309020205020404" pitchFamily="49" charset="0"/>
                 <a:cs typeface="Courier New" panose="02070309020205020404" pitchFamily="49" charset="0"/>
               </a:rPr>
               <a:t>the volume ID and the </a:t>
             </a:r>
             <a:r>
-              <a:rPr lang="en-US" sz="1400" dirty="0" smtClean="0">
+              <a:rPr lang="en-US" sz="1400" b="1" dirty="0" smtClean="0">
                 <a:latin typeface="Courier New" panose="02070309020205020404" pitchFamily="49" charset="0"/>
                 <a:cs typeface="Courier New" panose="02070309020205020404" pitchFamily="49" charset="0"/>
               </a:rPr>
               <a:t>snapshot description </a:t>
             </a:r>
             <a:r>
-              <a:rPr lang="en-US" sz="1400" dirty="0">
+              <a:rPr lang="en-US" sz="1400" b="1" dirty="0">
                 <a:latin typeface="Courier New" panose="02070309020205020404" pitchFamily="49" charset="0"/>
                 <a:cs typeface="Courier New" panose="02070309020205020404" pitchFamily="49" charset="0"/>
               </a:rPr>
@@ -6998,6 +7057,14 @@
 <file path=ppt/slides/slide3.xml><?xml version="1.0" encoding="utf-8"?>
 <p:sld xmlns:a="http://schemas.openxmlformats.org/drawingml/2006/main" xmlns:r="http://schemas.openxmlformats.org/officeDocument/2006/relationships" xmlns:p="http://schemas.openxmlformats.org/presentationml/2006/main">
   <p:cSld>
+    <p:bg>
+      <p:bgPr>
+        <a:solidFill>
+          <a:schemeClr val="tx1"/>
+        </a:solidFill>
+        <a:effectLst/>
+      </p:bgPr>
+    </p:bg>
     <p:spTree>
       <p:nvGrpSpPr>
         <p:cNvPr id="1" name=""/>
@@ -7028,12 +7095,8 @@
           <a:lstStyle/>
           <a:p>
             <a:r>
-              <a:rPr lang="en-US" b="1" smtClean="0"/>
-              <a:t>Tips for </a:t>
-            </a:r>
-            <a:r>
               <a:rPr lang="en-US" b="1" dirty="0" smtClean="0"/>
-              <a:t>Automating AWS with Python and </a:t>
+              <a:t>Tips for Automating AWS with Python and </a:t>
             </a:r>
             <a:r>
               <a:rPr lang="en-US" b="1" dirty="0" err="1"/>
@@ -7071,11 +7134,19 @@
           <a:p>
             <a:r>
               <a:rPr lang="en-US" b="1" baseline="0" dirty="0" smtClean="0"/>
-              <a:t>Snakes in</a:t>
+              <a:t>Snakes </a:t>
+            </a:r>
+            <a:r>
+              <a:rPr lang="en-US" b="1" baseline="0" dirty="0" smtClean="0"/>
+              <a:t>on </a:t>
             </a:r>
             <a:r>
               <a:rPr lang="en-US" b="1" dirty="0" smtClean="0"/>
-              <a:t> the cloud</a:t>
+              <a:t>a </a:t>
+            </a:r>
+            <a:r>
+              <a:rPr lang="en-US" b="1" dirty="0" smtClean="0"/>
+              <a:t>cloud</a:t>
             </a:r>
             <a:endParaRPr lang="en-US" b="1" baseline="0" dirty="0" smtClean="0"/>
           </a:p>
